--- a/DOC/SIDANG TESIS/presentasi [Autosaved].pptx
+++ b/DOC/SIDANG TESIS/presentasi [Autosaved].pptx
@@ -12,36 +12,29 @@
     <p:sldId id="259" r:id="rId6"/>
     <p:sldId id="260" r:id="rId7"/>
     <p:sldId id="261" r:id="rId8"/>
-    <p:sldId id="262" r:id="rId9"/>
-    <p:sldId id="272" r:id="rId10"/>
-    <p:sldId id="271" r:id="rId11"/>
-    <p:sldId id="288" r:id="rId12"/>
-    <p:sldId id="274" r:id="rId13"/>
-    <p:sldId id="289" r:id="rId14"/>
-    <p:sldId id="292" r:id="rId15"/>
-    <p:sldId id="275" r:id="rId16"/>
-    <p:sldId id="279" r:id="rId17"/>
-    <p:sldId id="291" r:id="rId18"/>
-    <p:sldId id="280" r:id="rId19"/>
-    <p:sldId id="293" r:id="rId20"/>
-    <p:sldId id="281" r:id="rId21"/>
-    <p:sldId id="294" r:id="rId22"/>
-    <p:sldId id="295" r:id="rId23"/>
-    <p:sldId id="296" r:id="rId24"/>
-    <p:sldId id="297" r:id="rId25"/>
-    <p:sldId id="298" r:id="rId26"/>
-    <p:sldId id="299" r:id="rId27"/>
-    <p:sldId id="300" r:id="rId28"/>
-    <p:sldId id="305" r:id="rId29"/>
-    <p:sldId id="301" r:id="rId30"/>
-    <p:sldId id="302" r:id="rId31"/>
-    <p:sldId id="303" r:id="rId32"/>
-    <p:sldId id="304" r:id="rId33"/>
-    <p:sldId id="306" r:id="rId34"/>
-    <p:sldId id="307" r:id="rId35"/>
-    <p:sldId id="308" r:id="rId36"/>
-    <p:sldId id="309" r:id="rId37"/>
-    <p:sldId id="310" r:id="rId38"/>
+    <p:sldId id="272" r:id="rId9"/>
+    <p:sldId id="271" r:id="rId10"/>
+    <p:sldId id="274" r:id="rId11"/>
+    <p:sldId id="289" r:id="rId12"/>
+    <p:sldId id="292" r:id="rId13"/>
+    <p:sldId id="275" r:id="rId14"/>
+    <p:sldId id="279" r:id="rId15"/>
+    <p:sldId id="280" r:id="rId16"/>
+    <p:sldId id="291" r:id="rId17"/>
+    <p:sldId id="293" r:id="rId18"/>
+    <p:sldId id="281" r:id="rId19"/>
+    <p:sldId id="295" r:id="rId20"/>
+    <p:sldId id="297" r:id="rId21"/>
+    <p:sldId id="296" r:id="rId22"/>
+    <p:sldId id="299" r:id="rId23"/>
+    <p:sldId id="300" r:id="rId24"/>
+    <p:sldId id="301" r:id="rId25"/>
+    <p:sldId id="304" r:id="rId26"/>
+    <p:sldId id="306" r:id="rId27"/>
+    <p:sldId id="307" r:id="rId28"/>
+    <p:sldId id="308" r:id="rId29"/>
+    <p:sldId id="309" r:id="rId30"/>
+    <p:sldId id="310" r:id="rId31"/>
   </p:sldIdLst>
   <p:sldSz cx="12192000" cy="6858000"/>
   <p:notesSz cx="6858000" cy="9144000"/>
@@ -393,7 +386,7 @@
           <a:p>
             <a:fld id="{48A87A34-81AB-432B-8DAE-1953F412C126}" type="datetimeFigureOut">
               <a:rPr lang="en-US" smtClean="0"/>
-              <a:t>1/31/2021</a:t>
+              <a:t>2/2/2021</a:t>
             </a:fld>
             <a:endParaRPr lang="en-US" dirty="0"/>
           </a:p>
@@ -655,7 +648,7 @@
           <a:p>
             <a:fld id="{48A87A34-81AB-432B-8DAE-1953F412C126}" type="datetimeFigureOut">
               <a:rPr lang="en-US" smtClean="0"/>
-              <a:t>1/31/2021</a:t>
+              <a:t>2/2/2021</a:t>
             </a:fld>
             <a:endParaRPr lang="en-US" dirty="0"/>
           </a:p>
@@ -891,7 +884,7 @@
             <a:fld id="{48A87A34-81AB-432B-8DAE-1953F412C126}" type="datetimeFigureOut">
               <a:rPr lang="en-US" smtClean="0"/>
               <a:pPr/>
-              <a:t>1/31/2021</a:t>
+              <a:t>2/2/2021</a:t>
             </a:fld>
             <a:endParaRPr lang="en-US" dirty="0"/>
           </a:p>
@@ -1120,7 +1113,7 @@
           <a:p>
             <a:fld id="{4EFE0C47-5195-423C-B069-C8C888086328}" type="datetimeFigureOut">
               <a:rPr lang="en-US" smtClean="0"/>
-              <a:t>1/31/2021</a:t>
+              <a:t>2/2/2021</a:t>
             </a:fld>
             <a:endParaRPr lang="en-US"/>
           </a:p>
@@ -1318,7 +1311,7 @@
           <a:p>
             <a:fld id="{4EFE0C47-5195-423C-B069-C8C888086328}" type="datetimeFigureOut">
               <a:rPr lang="en-US" smtClean="0"/>
-              <a:t>1/31/2021</a:t>
+              <a:t>2/2/2021</a:t>
             </a:fld>
             <a:endParaRPr lang="en-US"/>
           </a:p>
@@ -1593,7 +1586,7 @@
           <a:p>
             <a:fld id="{4EFE0C47-5195-423C-B069-C8C888086328}" type="datetimeFigureOut">
               <a:rPr lang="en-US" smtClean="0"/>
-              <a:t>1/31/2021</a:t>
+              <a:t>2/2/2021</a:t>
             </a:fld>
             <a:endParaRPr lang="en-US"/>
           </a:p>
@@ -1858,7 +1851,7 @@
           <a:p>
             <a:fld id="{4EFE0C47-5195-423C-B069-C8C888086328}" type="datetimeFigureOut">
               <a:rPr lang="en-US" smtClean="0"/>
-              <a:t>1/31/2021</a:t>
+              <a:t>2/2/2021</a:t>
             </a:fld>
             <a:endParaRPr lang="en-US"/>
           </a:p>
@@ -2270,7 +2263,7 @@
           <a:p>
             <a:fld id="{4EFE0C47-5195-423C-B069-C8C888086328}" type="datetimeFigureOut">
               <a:rPr lang="en-US" smtClean="0"/>
-              <a:t>1/31/2021</a:t>
+              <a:t>2/2/2021</a:t>
             </a:fld>
             <a:endParaRPr lang="en-US"/>
           </a:p>
@@ -2411,7 +2404,7 @@
           <a:p>
             <a:fld id="{4EFE0C47-5195-423C-B069-C8C888086328}" type="datetimeFigureOut">
               <a:rPr lang="en-US" smtClean="0"/>
-              <a:t>1/31/2021</a:t>
+              <a:t>2/2/2021</a:t>
             </a:fld>
             <a:endParaRPr lang="en-US"/>
           </a:p>
@@ -2524,7 +2517,7 @@
           <a:p>
             <a:fld id="{4EFE0C47-5195-423C-B069-C8C888086328}" type="datetimeFigureOut">
               <a:rPr lang="en-US" smtClean="0"/>
-              <a:t>1/31/2021</a:t>
+              <a:t>2/2/2021</a:t>
             </a:fld>
             <a:endParaRPr lang="en-US"/>
           </a:p>
@@ -2835,7 +2828,7 @@
           <a:p>
             <a:fld id="{4EFE0C47-5195-423C-B069-C8C888086328}" type="datetimeFigureOut">
               <a:rPr lang="en-US" smtClean="0"/>
-              <a:t>1/31/2021</a:t>
+              <a:t>2/2/2021</a:t>
             </a:fld>
             <a:endParaRPr lang="en-US"/>
           </a:p>
@@ -3066,7 +3059,7 @@
           <a:p>
             <a:fld id="{48A87A34-81AB-432B-8DAE-1953F412C126}" type="datetimeFigureOut">
               <a:rPr lang="en-US" smtClean="0"/>
-              <a:t>1/31/2021</a:t>
+              <a:t>2/2/2021</a:t>
             </a:fld>
             <a:endParaRPr lang="en-US" dirty="0"/>
           </a:p>
@@ -3347,7 +3340,7 @@
           <a:p>
             <a:fld id="{4EFE0C47-5195-423C-B069-C8C888086328}" type="datetimeFigureOut">
               <a:rPr lang="en-US" smtClean="0"/>
-              <a:t>1/31/2021</a:t>
+              <a:t>2/2/2021</a:t>
             </a:fld>
             <a:endParaRPr lang="en-US"/>
           </a:p>
@@ -3545,7 +3538,7 @@
           <a:p>
             <a:fld id="{4EFE0C47-5195-423C-B069-C8C888086328}" type="datetimeFigureOut">
               <a:rPr lang="en-US" smtClean="0"/>
-              <a:t>1/31/2021</a:t>
+              <a:t>2/2/2021</a:t>
             </a:fld>
             <a:endParaRPr lang="en-US"/>
           </a:p>
@@ -3753,7 +3746,7 @@
           <a:p>
             <a:fld id="{4EFE0C47-5195-423C-B069-C8C888086328}" type="datetimeFigureOut">
               <a:rPr lang="en-US" smtClean="0"/>
-              <a:t>1/31/2021</a:t>
+              <a:t>2/2/2021</a:t>
             </a:fld>
             <a:endParaRPr lang="en-US"/>
           </a:p>
@@ -4068,7 +4061,7 @@
             <a:fld id="{48A87A34-81AB-432B-8DAE-1953F412C126}" type="datetimeFigureOut">
               <a:rPr lang="en-US" smtClean="0"/>
               <a:pPr/>
-              <a:t>1/31/2021</a:t>
+              <a:t>2/2/2021</a:t>
             </a:fld>
             <a:endParaRPr lang="en-US" dirty="0"/>
           </a:p>
@@ -4370,7 +4363,7 @@
           <a:p>
             <a:fld id="{48A87A34-81AB-432B-8DAE-1953F412C126}" type="datetimeFigureOut">
               <a:rPr lang="en-US" smtClean="0"/>
-              <a:t>1/31/2021</a:t>
+              <a:t>2/2/2021</a:t>
             </a:fld>
             <a:endParaRPr lang="en-US" dirty="0"/>
           </a:p>
@@ -4797,7 +4790,7 @@
           <a:p>
             <a:fld id="{48A87A34-81AB-432B-8DAE-1953F412C126}" type="datetimeFigureOut">
               <a:rPr lang="en-US" smtClean="0"/>
-              <a:t>1/31/2021</a:t>
+              <a:t>2/2/2021</a:t>
             </a:fld>
             <a:endParaRPr lang="en-US" dirty="0"/>
           </a:p>
@@ -4964,7 +4957,7 @@
           <a:p>
             <a:fld id="{48A87A34-81AB-432B-8DAE-1953F412C126}" type="datetimeFigureOut">
               <a:rPr lang="en-US" smtClean="0"/>
-              <a:t>1/31/2021</a:t>
+              <a:t>2/2/2021</a:t>
             </a:fld>
             <a:endParaRPr lang="en-US" dirty="0"/>
           </a:p>
@@ -5059,7 +5052,7 @@
           <a:p>
             <a:fld id="{48A87A34-81AB-432B-8DAE-1953F412C126}" type="datetimeFigureOut">
               <a:rPr lang="en-US" smtClean="0"/>
-              <a:t>1/31/2021</a:t>
+              <a:t>2/2/2021</a:t>
             </a:fld>
             <a:endParaRPr lang="en-US" dirty="0"/>
           </a:p>
@@ -5437,7 +5430,7 @@
           <a:p>
             <a:fld id="{48A87A34-81AB-432B-8DAE-1953F412C126}" type="datetimeFigureOut">
               <a:rPr lang="en-US" smtClean="0"/>
-              <a:t>1/31/2021</a:t>
+              <a:t>2/2/2021</a:t>
             </a:fld>
             <a:endParaRPr lang="en-US" dirty="0"/>
           </a:p>
@@ -5731,7 +5724,7 @@
           <a:p>
             <a:fld id="{48A87A34-81AB-432B-8DAE-1953F412C126}" type="datetimeFigureOut">
               <a:rPr lang="en-US" smtClean="0"/>
-              <a:t>1/31/2021</a:t>
+              <a:t>2/2/2021</a:t>
             </a:fld>
             <a:endParaRPr lang="en-US" dirty="0"/>
           </a:p>
@@ -5943,7 +5936,7 @@
             <a:fld id="{48A87A34-81AB-432B-8DAE-1953F412C126}" type="datetimeFigureOut">
               <a:rPr lang="en-US" smtClean="0"/>
               <a:pPr/>
-              <a:t>1/31/2021</a:t>
+              <a:t>2/2/2021</a:t>
             </a:fld>
             <a:endParaRPr lang="en-US" dirty="0"/>
           </a:p>
@@ -6701,7 +6694,7 @@
           <a:p>
             <a:fld id="{4EFE0C47-5195-423C-B069-C8C888086328}" type="datetimeFigureOut">
               <a:rPr lang="en-US" smtClean="0"/>
-              <a:t>1/31/2021</a:t>
+              <a:t>2/2/2021</a:t>
             </a:fld>
             <a:endParaRPr lang="en-US"/>
           </a:p>
@@ -7498,227 +7491,6 @@
           <p:cNvPr id="2" name="Title 1">
             <a:extLst>
               <a:ext uri="{FF2B5EF4-FFF2-40B4-BE49-F238E27FC236}">
-                <a16:creationId xmlns:a16="http://schemas.microsoft.com/office/drawing/2014/main" id="{AF5BE5F3-6F9F-4FE0-B014-2921F4C5CD32}"/>
-              </a:ext>
-            </a:extLst>
-          </p:cNvPr>
-          <p:cNvSpPr>
-            <a:spLocks noGrp="1"/>
-          </p:cNvSpPr>
-          <p:nvPr>
-            <p:ph type="title"/>
-          </p:nvPr>
-        </p:nvSpPr>
-        <p:spPr/>
-        <p:txBody>
-          <a:bodyPr/>
-          <a:lstStyle/>
-          <a:p>
-            <a:pPr algn="ctr"/>
-            <a:r>
-              <a:rPr lang="en-US"/>
-              <a:t>ILUSTRASI PEMETAAN SIMBOL KE TIAP SUBCARRIER</a:t>
-            </a:r>
-            <a:endParaRPr lang="en-ID"/>
-          </a:p>
-        </p:txBody>
-      </p:sp>
-      <p:pic>
-        <p:nvPicPr>
-          <p:cNvPr id="4" name="Picture 3">
-            <a:extLst>
-              <a:ext uri="{FF2B5EF4-FFF2-40B4-BE49-F238E27FC236}">
-                <a16:creationId xmlns:a16="http://schemas.microsoft.com/office/drawing/2014/main" id="{60FE4A54-FFFD-407C-8243-43D08F2EFF31}"/>
-              </a:ext>
-            </a:extLst>
-          </p:cNvPr>
-          <p:cNvPicPr/>
-          <p:nvPr/>
-        </p:nvPicPr>
-        <p:blipFill>
-          <a:blip r:embed="rId2"/>
-          <a:stretch>
-            <a:fillRect/>
-          </a:stretch>
-        </p:blipFill>
-        <p:spPr>
-          <a:xfrm>
-            <a:off x="1054475" y="2139523"/>
-            <a:ext cx="7347146" cy="2578953"/>
-          </a:xfrm>
-          <a:prstGeom prst="rect">
-            <a:avLst/>
-          </a:prstGeom>
-        </p:spPr>
-      </p:pic>
-      <p:sp>
-        <p:nvSpPr>
-          <p:cNvPr id="5" name="Content Placeholder 2">
-            <a:extLst>
-              <a:ext uri="{FF2B5EF4-FFF2-40B4-BE49-F238E27FC236}">
-                <a16:creationId xmlns:a16="http://schemas.microsoft.com/office/drawing/2014/main" id="{E33901D1-9789-4FD3-ACC4-A29718C72508}"/>
-              </a:ext>
-            </a:extLst>
-          </p:cNvPr>
-          <p:cNvSpPr>
-            <a:spLocks noGrp="1"/>
-          </p:cNvSpPr>
-          <p:nvPr>
-            <p:ph idx="1"/>
-          </p:nvPr>
-        </p:nvSpPr>
-        <p:spPr>
-          <a:xfrm>
-            <a:off x="1054475" y="4987636"/>
-            <a:ext cx="11029615" cy="845460"/>
-          </a:xfrm>
-        </p:spPr>
-        <p:txBody>
-          <a:bodyPr>
-            <a:noAutofit/>
-          </a:bodyPr>
-          <a:lstStyle/>
-          <a:p>
-            <a:r>
-              <a:rPr lang="en-US" sz="2200"/>
-              <a:t>Masing-masing subcarrier membawa simbol dari semua user</a:t>
-            </a:r>
-          </a:p>
-          <a:p>
-            <a:pPr marL="304800" lvl="1" indent="-304800"/>
-            <a:r>
-              <a:rPr lang="en-US" sz="2200"/>
-              <a:t>Jumlah symbol pada tiap subcarrier sama dengan jumlah user</a:t>
-            </a:r>
-            <a:endParaRPr lang="en-US" sz="2200" dirty="0"/>
-          </a:p>
-        </p:txBody>
-      </p:sp>
-    </p:spTree>
-    <p:extLst>
-      <p:ext uri="{BB962C8B-B14F-4D97-AF65-F5344CB8AC3E}">
-        <p14:creationId xmlns:p14="http://schemas.microsoft.com/office/powerpoint/2010/main" val="442347508"/>
-      </p:ext>
-    </p:extLst>
-  </p:cSld>
-  <p:clrMapOvr>
-    <a:masterClrMapping/>
-  </p:clrMapOvr>
-</p:sld>
-</file>
-
-<file path=ppt/slides/slide11.xml><?xml version="1.0" encoding="utf-8"?>
-<p:sld xmlns:a="http://schemas.openxmlformats.org/drawingml/2006/main" xmlns:r="http://schemas.openxmlformats.org/officeDocument/2006/relationships" xmlns:p="http://schemas.openxmlformats.org/presentationml/2006/main">
-  <p:cSld>
-    <p:spTree>
-      <p:nvGrpSpPr>
-        <p:cNvPr id="1" name=""/>
-        <p:cNvGrpSpPr/>
-        <p:nvPr/>
-      </p:nvGrpSpPr>
-      <p:grpSpPr>
-        <a:xfrm>
-          <a:off x="0" y="0"/>
-          <a:ext cx="0" cy="0"/>
-          <a:chOff x="0" y="0"/>
-          <a:chExt cx="0" cy="0"/>
-        </a:xfrm>
-      </p:grpSpPr>
-      <p:sp>
-        <p:nvSpPr>
-          <p:cNvPr id="2" name="Title 1">
-            <a:extLst>
-              <a:ext uri="{FF2B5EF4-FFF2-40B4-BE49-F238E27FC236}">
-                <a16:creationId xmlns:a16="http://schemas.microsoft.com/office/drawing/2014/main" id="{BAFA07A1-D8C7-40ED-915B-07CDDA787FEF}"/>
-              </a:ext>
-            </a:extLst>
-          </p:cNvPr>
-          <p:cNvSpPr>
-            <a:spLocks noGrp="1"/>
-          </p:cNvSpPr>
-          <p:nvPr>
-            <p:ph type="title"/>
-          </p:nvPr>
-        </p:nvSpPr>
-        <p:spPr/>
-        <p:txBody>
-          <a:bodyPr>
-            <a:normAutofit/>
-          </a:bodyPr>
-          <a:lstStyle/>
-          <a:p>
-            <a:pPr algn="ctr"/>
-            <a:r>
-              <a:rPr lang="en-US" sz="3600"/>
-              <a:t>Sistem pemancar (bts)</a:t>
-            </a:r>
-            <a:endParaRPr lang="en-US" sz="3600" dirty="0"/>
-          </a:p>
-        </p:txBody>
-      </p:sp>
-      <p:pic>
-        <p:nvPicPr>
-          <p:cNvPr id="6" name="Picture 5">
-            <a:extLst>
-              <a:ext uri="{FF2B5EF4-FFF2-40B4-BE49-F238E27FC236}">
-                <a16:creationId xmlns:a16="http://schemas.microsoft.com/office/drawing/2014/main" id="{532A8C63-AD44-42BF-ACB8-C2E85039158E}"/>
-              </a:ext>
-            </a:extLst>
-          </p:cNvPr>
-          <p:cNvPicPr/>
-          <p:nvPr/>
-        </p:nvPicPr>
-        <p:blipFill>
-          <a:blip r:embed="rId2"/>
-          <a:stretch>
-            <a:fillRect/>
-          </a:stretch>
-        </p:blipFill>
-        <p:spPr>
-          <a:xfrm>
-            <a:off x="1460506" y="2163589"/>
-            <a:ext cx="9270988" cy="3890848"/>
-          </a:xfrm>
-          <a:prstGeom prst="rect">
-            <a:avLst/>
-          </a:prstGeom>
-        </p:spPr>
-      </p:pic>
-    </p:spTree>
-    <p:extLst>
-      <p:ext uri="{BB962C8B-B14F-4D97-AF65-F5344CB8AC3E}">
-        <p14:creationId xmlns:p14="http://schemas.microsoft.com/office/powerpoint/2010/main" val="3258509819"/>
-      </p:ext>
-    </p:extLst>
-  </p:cSld>
-  <p:clrMapOvr>
-    <a:masterClrMapping/>
-  </p:clrMapOvr>
-</p:sld>
-</file>
-
-<file path=ppt/slides/slide12.xml><?xml version="1.0" encoding="utf-8"?>
-<p:sld xmlns:a="http://schemas.openxmlformats.org/drawingml/2006/main" xmlns:r="http://schemas.openxmlformats.org/officeDocument/2006/relationships" xmlns:p="http://schemas.openxmlformats.org/presentationml/2006/main">
-  <p:cSld>
-    <p:spTree>
-      <p:nvGrpSpPr>
-        <p:cNvPr id="1" name=""/>
-        <p:cNvGrpSpPr/>
-        <p:nvPr/>
-      </p:nvGrpSpPr>
-      <p:grpSpPr>
-        <a:xfrm>
-          <a:off x="0" y="0"/>
-          <a:ext cx="0" cy="0"/>
-          <a:chOff x="0" y="0"/>
-          <a:chExt cx="0" cy="0"/>
-        </a:xfrm>
-      </p:grpSpPr>
-      <p:sp>
-        <p:nvSpPr>
-          <p:cNvPr id="2" name="Title 1">
-            <a:extLst>
-              <a:ext uri="{FF2B5EF4-FFF2-40B4-BE49-F238E27FC236}">
                 <a16:creationId xmlns:a16="http://schemas.microsoft.com/office/drawing/2014/main" id="{658D71A9-D134-4D00-A058-758745EBEA37}"/>
               </a:ext>
             </a:extLst>
@@ -7843,7 +7615,7 @@
 </p:sld>
 </file>
 
-<file path=ppt/slides/slide13.xml><?xml version="1.0" encoding="utf-8"?>
+<file path=ppt/slides/slide11.xml><?xml version="1.0" encoding="utf-8"?>
 <p:sld xmlns:a="http://schemas.openxmlformats.org/drawingml/2006/main" xmlns:r="http://schemas.openxmlformats.org/officeDocument/2006/relationships" xmlns:p="http://schemas.openxmlformats.org/presentationml/2006/main">
   <p:cSld>
     <p:spTree>
@@ -7890,8 +7662,8 @@
           </a:p>
         </p:txBody>
       </p:sp>
-      <mc:AlternateContent xmlns:mc="http://schemas.openxmlformats.org/markup-compatibility/2006">
-        <mc:Choice xmlns:a14="http://schemas.microsoft.com/office/drawing/2010/main" Requires="a14">
+      <mc:AlternateContent xmlns:mc="http://schemas.openxmlformats.org/markup-compatibility/2006" xmlns:a14="http://schemas.microsoft.com/office/drawing/2010/main">
+        <mc:Choice Requires="a14">
           <p:sp>
             <p:nvSpPr>
               <p:cNvPr id="4" name="Content Placeholder 2">
@@ -8948,7 +8720,7 @@
             </p:txBody>
           </p:sp>
         </mc:Choice>
-        <mc:Fallback>
+        <mc:Fallback xmlns="">
           <p:sp>
             <p:nvSpPr>
               <p:cNvPr id="4" name="Content Placeholder 2">
@@ -9005,7 +8777,7 @@
 </p:sld>
 </file>
 
-<file path=ppt/slides/slide14.xml><?xml version="1.0" encoding="utf-8"?>
+<file path=ppt/slides/slide12.xml><?xml version="1.0" encoding="utf-8"?>
 <p:sld xmlns:a="http://schemas.openxmlformats.org/drawingml/2006/main" xmlns:r="http://schemas.openxmlformats.org/officeDocument/2006/relationships" xmlns:p="http://schemas.openxmlformats.org/presentationml/2006/main">
   <p:cSld>
     <p:spTree>
@@ -9533,7 +9305,7 @@
 </p:sld>
 </file>
 
-<file path=ppt/slides/slide15.xml><?xml version="1.0" encoding="utf-8"?>
+<file path=ppt/slides/slide13.xml><?xml version="1.0" encoding="utf-8"?>
 <p:sld xmlns:a="http://schemas.openxmlformats.org/drawingml/2006/main" xmlns:r="http://schemas.openxmlformats.org/officeDocument/2006/relationships" xmlns:p="http://schemas.openxmlformats.org/presentationml/2006/main">
   <p:cSld>
     <p:spTree>
@@ -9677,108 +9449,6 @@
                         </m:r>
                       </m:den>
                     </m:f>
-                  </m:oMath>
-                </a14:m>
-                <a:r>
-                  <a:rPr lang="en-US" sz="2000"/>
-                  <a:t>.</a:t>
-                </a:r>
-              </a:p>
-              <a:p>
-                <a:pPr>
-                  <a:spcBef>
-                    <a:spcPts val="0"/>
-                  </a:spcBef>
-                  <a:spcAft>
-                    <a:spcPts val="0"/>
-                  </a:spcAft>
-                </a:pPr>
-                <a:r>
-                  <a:rPr lang="id-ID" sz="2000">
-                    <a:ea typeface="Calibri" panose="020F0502020204030204" pitchFamily="34" charset="0"/>
-                    <a:cs typeface="Arial" panose="020B0604020202020204" pitchFamily="34" charset="0"/>
-                  </a:rPr>
-                  <a:t> </a:t>
-                </a:r>
-                <a:r>
-                  <a:rPr lang="en-US" sz="2000"/>
-                  <a:t>Antena ULA hanya bisa membedakan posisi user  pada interval </a:t>
-                </a:r>
-                <a14:m>
-                  <m:oMath xmlns:m="http://schemas.openxmlformats.org/officeDocument/2006/math">
-                    <m:d>
-                      <m:dPr>
-                        <m:begChr m:val="["/>
-                        <m:endChr m:val="]"/>
-                        <m:ctrlPr>
-                          <a:rPr lang="en-US" sz="2000" i="1">
-                            <a:latin typeface="Cambria Math" panose="02040503050406030204" pitchFamily="18" charset="0"/>
-                          </a:rPr>
-                        </m:ctrlPr>
-                      </m:dPr>
-                      <m:e>
-                        <m:f>
-                          <m:fPr>
-                            <m:type m:val="skw"/>
-                            <m:ctrlPr>
-                              <a:rPr lang="en-US" sz="2000" i="1">
-                                <a:latin typeface="Cambria Math" panose="02040503050406030204" pitchFamily="18" charset="0"/>
-                              </a:rPr>
-                            </m:ctrlPr>
-                          </m:fPr>
-                          <m:num>
-                            <m:r>
-                              <a:rPr lang="en-US" sz="2000" i="1">
-                                <a:latin typeface="Cambria Math" panose="02040503050406030204" pitchFamily="18" charset="0"/>
-                              </a:rPr>
-                              <m:t>−</m:t>
-                            </m:r>
-                            <m:r>
-                              <a:rPr lang="en-US" sz="2000" i="1">
-                                <a:latin typeface="Cambria Math" panose="02040503050406030204" pitchFamily="18" charset="0"/>
-                                <a:ea typeface="Cambria Math" panose="02040503050406030204" pitchFamily="18" charset="0"/>
-                              </a:rPr>
-                              <m:t>𝜋</m:t>
-                            </m:r>
-                          </m:num>
-                          <m:den>
-                            <m:r>
-                              <a:rPr lang="en-US" sz="2000" i="1">
-                                <a:latin typeface="Cambria Math" panose="02040503050406030204" pitchFamily="18" charset="0"/>
-                              </a:rPr>
-                              <m:t>2</m:t>
-                            </m:r>
-                          </m:den>
-                        </m:f>
-                        <m:f>
-                          <m:fPr>
-                            <m:type m:val="skw"/>
-                            <m:ctrlPr>
-                              <a:rPr lang="en-US" sz="2000" i="1">
-                                <a:latin typeface="Cambria Math" panose="02040503050406030204" pitchFamily="18" charset="0"/>
-                              </a:rPr>
-                            </m:ctrlPr>
-                          </m:fPr>
-                          <m:num>
-                            <m:r>
-                              <a:rPr lang="en-US" sz="2000" i="1">
-                                <a:latin typeface="Cambria Math" panose="02040503050406030204" pitchFamily="18" charset="0"/>
-                                <a:ea typeface="Cambria Math" panose="02040503050406030204" pitchFamily="18" charset="0"/>
-                              </a:rPr>
-                              <m:t>𝜋</m:t>
-                            </m:r>
-                          </m:num>
-                          <m:den>
-                            <m:r>
-                              <a:rPr lang="en-US" sz="2000" i="1">
-                                <a:latin typeface="Cambria Math" panose="02040503050406030204" pitchFamily="18" charset="0"/>
-                              </a:rPr>
-                              <m:t>2</m:t>
-                            </m:r>
-                          </m:den>
-                        </m:f>
-                      </m:e>
-                    </m:d>
                   </m:oMath>
                 </a14:m>
                 <a:r>
@@ -9955,8 +9625,96 @@
                   </a:spcAft>
                 </a:pPr>
                 <a:r>
+                  <a:rPr lang="id-ID" sz="2000">
+                    <a:ea typeface="Calibri" panose="020F0502020204030204" pitchFamily="34" charset="0"/>
+                    <a:cs typeface="Arial" panose="020B0604020202020204" pitchFamily="34" charset="0"/>
+                  </a:rPr>
+                  <a:t> </a:t>
+                </a:r>
+                <a:r>
                   <a:rPr lang="en-US" sz="2000"/>
-                  <a:t>Diasumsikan posisi user terletak pada farfield dan diukur relative pada array boresight.</a:t>
+                  <a:t>Antena ULA hanya bisa membedakan posisi user  pada interval </a:t>
+                </a:r>
+                <a14:m>
+                  <m:oMath xmlns:m="http://schemas.openxmlformats.org/officeDocument/2006/math">
+                    <m:d>
+                      <m:dPr>
+                        <m:begChr m:val="["/>
+                        <m:endChr m:val="]"/>
+                        <m:ctrlPr>
+                          <a:rPr lang="en-US" sz="2000" i="1">
+                            <a:latin typeface="Cambria Math" panose="02040503050406030204" pitchFamily="18" charset="0"/>
+                          </a:rPr>
+                        </m:ctrlPr>
+                      </m:dPr>
+                      <m:e>
+                        <m:f>
+                          <m:fPr>
+                            <m:type m:val="skw"/>
+                            <m:ctrlPr>
+                              <a:rPr lang="en-US" sz="2000" i="1">
+                                <a:latin typeface="Cambria Math" panose="02040503050406030204" pitchFamily="18" charset="0"/>
+                              </a:rPr>
+                            </m:ctrlPr>
+                          </m:fPr>
+                          <m:num>
+                            <m:r>
+                              <a:rPr lang="en-US" sz="2000" i="1">
+                                <a:latin typeface="Cambria Math" panose="02040503050406030204" pitchFamily="18" charset="0"/>
+                              </a:rPr>
+                              <m:t>−</m:t>
+                            </m:r>
+                            <m:r>
+                              <a:rPr lang="en-US" sz="2000" i="1">
+                                <a:latin typeface="Cambria Math" panose="02040503050406030204" pitchFamily="18" charset="0"/>
+                                <a:ea typeface="Cambria Math" panose="02040503050406030204" pitchFamily="18" charset="0"/>
+                              </a:rPr>
+                              <m:t>𝜋</m:t>
+                            </m:r>
+                          </m:num>
+                          <m:den>
+                            <m:r>
+                              <a:rPr lang="en-US" sz="2000" i="1">
+                                <a:latin typeface="Cambria Math" panose="02040503050406030204" pitchFamily="18" charset="0"/>
+                              </a:rPr>
+                              <m:t>2</m:t>
+                            </m:r>
+                          </m:den>
+                        </m:f>
+                        <m:f>
+                          <m:fPr>
+                            <m:type m:val="skw"/>
+                            <m:ctrlPr>
+                              <a:rPr lang="en-US" sz="2000" i="1">
+                                <a:latin typeface="Cambria Math" panose="02040503050406030204" pitchFamily="18" charset="0"/>
+                              </a:rPr>
+                            </m:ctrlPr>
+                          </m:fPr>
+                          <m:num>
+                            <m:r>
+                              <a:rPr lang="en-US" sz="2000" i="1">
+                                <a:latin typeface="Cambria Math" panose="02040503050406030204" pitchFamily="18" charset="0"/>
+                                <a:ea typeface="Cambria Math" panose="02040503050406030204" pitchFamily="18" charset="0"/>
+                              </a:rPr>
+                              <m:t>𝜋</m:t>
+                            </m:r>
+                          </m:num>
+                          <m:den>
+                            <m:r>
+                              <a:rPr lang="en-US" sz="2000" i="1">
+                                <a:latin typeface="Cambria Math" panose="02040503050406030204" pitchFamily="18" charset="0"/>
+                              </a:rPr>
+                              <m:t>2</m:t>
+                            </m:r>
+                          </m:den>
+                        </m:f>
+                      </m:e>
+                    </m:d>
+                  </m:oMath>
+                </a14:m>
+                <a:r>
+                  <a:rPr lang="en-US" sz="2000"/>
+                  <a:t>.</a:t>
                 </a:r>
               </a:p>
               <a:p>
@@ -9978,7 +9736,7 @@
                 </a:r>
                 <a:r>
                   <a:rPr lang="en-ID" sz="2000"/>
-                  <a:t>dalam domain waktu untuk kondisi LOS:</a:t>
+                  <a:t>untuk kondisi UR-LOS:</a:t>
                 </a:r>
               </a:p>
               <a:p>
@@ -10418,7 +10176,7 @@
               <a:blipFill>
                 <a:blip r:embed="rId2"/>
                 <a:stretch>
-                  <a:fillRect l="-1092" t="-6839" r="-397" b="-5935"/>
+                  <a:fillRect l="-1092" r="-397"/>
                 </a:stretch>
               </a:blipFill>
             </p:spPr>
@@ -10478,7 +10236,340 @@
 </p:sld>
 </file>
 
-<file path=ppt/slides/slide16.xml><?xml version="1.0" encoding="utf-8"?>
+<file path=ppt/slides/slide14.xml><?xml version="1.0" encoding="utf-8"?>
+<p:sld xmlns:a="http://schemas.openxmlformats.org/drawingml/2006/main" xmlns:r="http://schemas.openxmlformats.org/officeDocument/2006/relationships" xmlns:p="http://schemas.openxmlformats.org/presentationml/2006/main">
+  <p:cSld>
+    <p:spTree>
+      <p:nvGrpSpPr>
+        <p:cNvPr id="1" name=""/>
+        <p:cNvGrpSpPr/>
+        <p:nvPr/>
+      </p:nvGrpSpPr>
+      <p:grpSpPr>
+        <a:xfrm>
+          <a:off x="0" y="0"/>
+          <a:ext cx="0" cy="0"/>
+          <a:chOff x="0" y="0"/>
+          <a:chExt cx="0" cy="0"/>
+        </a:xfrm>
+      </p:grpSpPr>
+      <p:sp>
+        <p:nvSpPr>
+          <p:cNvPr id="2" name="Title 1">
+            <a:extLst>
+              <a:ext uri="{FF2B5EF4-FFF2-40B4-BE49-F238E27FC236}">
+                <a16:creationId xmlns:a16="http://schemas.microsoft.com/office/drawing/2014/main" id="{42BA64CD-DEB7-41CB-812B-80E3723D858D}"/>
+              </a:ext>
+            </a:extLst>
+          </p:cNvPr>
+          <p:cNvSpPr>
+            <a:spLocks noGrp="1"/>
+          </p:cNvSpPr>
+          <p:nvPr>
+            <p:ph type="title"/>
+          </p:nvPr>
+        </p:nvSpPr>
+        <p:spPr/>
+        <p:txBody>
+          <a:bodyPr>
+            <a:normAutofit/>
+          </a:bodyPr>
+          <a:lstStyle/>
+          <a:p>
+            <a:pPr algn="ctr"/>
+            <a:r>
+              <a:rPr lang="en-US" sz="3600" dirty="0" err="1"/>
+              <a:t>Penerima</a:t>
+            </a:r>
+            <a:r>
+              <a:rPr lang="en-US" sz="3600" dirty="0"/>
+              <a:t> </a:t>
+            </a:r>
+            <a:r>
+              <a:rPr lang="en-US" sz="3600" dirty="0" err="1"/>
+              <a:t>sistem</a:t>
+            </a:r>
+            <a:r>
+              <a:rPr lang="en-US" sz="3600" dirty="0"/>
+              <a:t> massive MIMO</a:t>
+            </a:r>
+          </a:p>
+        </p:txBody>
+      </p:sp>
+      <p:pic>
+        <p:nvPicPr>
+          <p:cNvPr id="7" name="Picture 6">
+            <a:extLst>
+              <a:ext uri="{FF2B5EF4-FFF2-40B4-BE49-F238E27FC236}">
+                <a16:creationId xmlns:a16="http://schemas.microsoft.com/office/drawing/2014/main" id="{7C0021D2-9919-4D7E-BEF6-5D6250497D67}"/>
+              </a:ext>
+            </a:extLst>
+          </p:cNvPr>
+          <p:cNvPicPr/>
+          <p:nvPr/>
+        </p:nvPicPr>
+        <p:blipFill>
+          <a:blip r:embed="rId2"/>
+          <a:stretch>
+            <a:fillRect/>
+          </a:stretch>
+        </p:blipFill>
+        <p:spPr>
+          <a:xfrm>
+            <a:off x="290946" y="2359099"/>
+            <a:ext cx="6226279" cy="3143164"/>
+          </a:xfrm>
+          <a:prstGeom prst="rect">
+            <a:avLst/>
+          </a:prstGeom>
+        </p:spPr>
+      </p:pic>
+      <p:sp>
+        <p:nvSpPr>
+          <p:cNvPr id="4" name="Content Placeholder 2">
+            <a:extLst>
+              <a:ext uri="{FF2B5EF4-FFF2-40B4-BE49-F238E27FC236}">
+                <a16:creationId xmlns:a16="http://schemas.microsoft.com/office/drawing/2014/main" id="{B8DD80C4-DF69-4542-9C19-CA5A7755AE47}"/>
+              </a:ext>
+            </a:extLst>
+          </p:cNvPr>
+          <p:cNvSpPr>
+            <a:spLocks noGrp="1"/>
+          </p:cNvSpPr>
+          <p:nvPr>
+            <p:ph idx="1"/>
+          </p:nvPr>
+        </p:nvSpPr>
+        <p:spPr>
+          <a:xfrm>
+            <a:off x="6871855" y="1998881"/>
+            <a:ext cx="5320145" cy="4724401"/>
+          </a:xfrm>
+        </p:spPr>
+        <p:txBody>
+          <a:bodyPr>
+            <a:noAutofit/>
+          </a:bodyPr>
+          <a:lstStyle/>
+          <a:p>
+            <a:pPr>
+              <a:spcBef>
+                <a:spcPts val="0"/>
+              </a:spcBef>
+              <a:spcAft>
+                <a:spcPts val="0"/>
+              </a:spcAft>
+            </a:pPr>
+            <a:r>
+              <a:rPr lang="en-US" sz="2000">
+                <a:latin typeface="Times New Roman" panose="02020603050405020304" pitchFamily="18" charset="0"/>
+                <a:ea typeface="Calibri" panose="020F0502020204030204" pitchFamily="34" charset="0"/>
+              </a:rPr>
+              <a:t>P</a:t>
+            </a:r>
+            <a:r>
+              <a:rPr lang="id-ID" sz="2000">
+                <a:effectLst/>
+                <a:latin typeface="Times New Roman" panose="02020603050405020304" pitchFamily="18" charset="0"/>
+                <a:ea typeface="Calibri" panose="020F0502020204030204" pitchFamily="34" charset="0"/>
+              </a:rPr>
+              <a:t>enerima adalah semua </a:t>
+            </a:r>
+            <a:r>
+              <a:rPr lang="id-ID" sz="2000" i="1">
+                <a:effectLst/>
+                <a:latin typeface="Times New Roman" panose="02020603050405020304" pitchFamily="18" charset="0"/>
+                <a:ea typeface="Calibri" panose="020F0502020204030204" pitchFamily="34" charset="0"/>
+              </a:rPr>
+              <a:t>user</a:t>
+            </a:r>
+            <a:r>
+              <a:rPr lang="id-ID" sz="2000">
+                <a:effectLst/>
+                <a:latin typeface="Times New Roman" panose="02020603050405020304" pitchFamily="18" charset="0"/>
+                <a:ea typeface="Calibri" panose="020F0502020204030204" pitchFamily="34" charset="0"/>
+              </a:rPr>
+              <a:t> yang berada di dalam satu sel dengan posisi random</a:t>
+            </a:r>
+            <a:r>
+              <a:rPr lang="en-US" sz="2000">
+                <a:effectLst/>
+                <a:latin typeface="Times New Roman" panose="02020603050405020304" pitchFamily="18" charset="0"/>
+                <a:ea typeface="Calibri" panose="020F0502020204030204" pitchFamily="34" charset="0"/>
+              </a:rPr>
+              <a:t>.</a:t>
+            </a:r>
+          </a:p>
+          <a:p>
+            <a:pPr>
+              <a:spcBef>
+                <a:spcPts val="0"/>
+              </a:spcBef>
+              <a:spcAft>
+                <a:spcPts val="0"/>
+              </a:spcAft>
+            </a:pPr>
+            <a:r>
+              <a:rPr lang="en-US" sz="2000">
+                <a:latin typeface="Times New Roman" panose="02020603050405020304" pitchFamily="18" charset="0"/>
+                <a:ea typeface="Calibri" panose="020F0502020204030204" pitchFamily="34" charset="0"/>
+              </a:rPr>
+              <a:t>Diasumsikan</a:t>
+            </a:r>
+            <a:r>
+              <a:rPr lang="id-ID" sz="2000">
+                <a:effectLst/>
+                <a:latin typeface="Times New Roman" panose="02020603050405020304" pitchFamily="18" charset="0"/>
+                <a:ea typeface="Calibri" panose="020F0502020204030204" pitchFamily="34" charset="0"/>
+              </a:rPr>
+              <a:t> bahwa semua </a:t>
+            </a:r>
+            <a:r>
+              <a:rPr lang="id-ID" sz="2000" i="1">
+                <a:effectLst/>
+                <a:latin typeface="Times New Roman" panose="02020603050405020304" pitchFamily="18" charset="0"/>
+                <a:ea typeface="Calibri" panose="020F0502020204030204" pitchFamily="34" charset="0"/>
+              </a:rPr>
+              <a:t>user</a:t>
+            </a:r>
+            <a:r>
+              <a:rPr lang="id-ID" sz="2000">
+                <a:effectLst/>
+                <a:latin typeface="Times New Roman" panose="02020603050405020304" pitchFamily="18" charset="0"/>
+                <a:ea typeface="Calibri" panose="020F0502020204030204" pitchFamily="34" charset="0"/>
+              </a:rPr>
+              <a:t> dalam kondisi aktif, sehingga secara simultan semua </a:t>
+            </a:r>
+            <a:r>
+              <a:rPr lang="id-ID" sz="2000" i="1">
+                <a:effectLst/>
+                <a:latin typeface="Times New Roman" panose="02020603050405020304" pitchFamily="18" charset="0"/>
+                <a:ea typeface="Calibri" panose="020F0502020204030204" pitchFamily="34" charset="0"/>
+              </a:rPr>
+              <a:t>user</a:t>
+            </a:r>
+            <a:r>
+              <a:rPr lang="id-ID" sz="2000">
+                <a:effectLst/>
+                <a:latin typeface="Times New Roman" panose="02020603050405020304" pitchFamily="18" charset="0"/>
+                <a:ea typeface="Calibri" panose="020F0502020204030204" pitchFamily="34" charset="0"/>
+              </a:rPr>
+              <a:t> akan menerima sinyal dari BTS.</a:t>
+            </a:r>
+            <a:endParaRPr lang="en-US" sz="2000">
+              <a:effectLst/>
+              <a:latin typeface="Times New Roman" panose="02020603050405020304" pitchFamily="18" charset="0"/>
+              <a:ea typeface="Calibri" panose="020F0502020204030204" pitchFamily="34" charset="0"/>
+            </a:endParaRPr>
+          </a:p>
+          <a:p>
+            <a:pPr>
+              <a:spcBef>
+                <a:spcPts val="0"/>
+              </a:spcBef>
+              <a:spcAft>
+                <a:spcPts val="0"/>
+              </a:spcAft>
+            </a:pPr>
+            <a:r>
+              <a:rPr lang="en-US" sz="2000">
+                <a:latin typeface="Times New Roman" panose="02020603050405020304" pitchFamily="18" charset="0"/>
+                <a:ea typeface="Calibri" panose="020F0502020204030204" pitchFamily="34" charset="0"/>
+              </a:rPr>
+              <a:t>Dengan</a:t>
+            </a:r>
+            <a:r>
+              <a:rPr lang="id-ID" sz="2000">
+                <a:effectLst/>
+                <a:latin typeface="Times New Roman" panose="02020603050405020304" pitchFamily="18" charset="0"/>
+                <a:ea typeface="Calibri" panose="020F0502020204030204" pitchFamily="34" charset="0"/>
+              </a:rPr>
+              <a:t> adanya precoding di sisi BTS, maka interferensi antar </a:t>
+            </a:r>
+            <a:r>
+              <a:rPr lang="id-ID" sz="2000" i="1">
+                <a:effectLst/>
+                <a:latin typeface="Times New Roman" panose="02020603050405020304" pitchFamily="18" charset="0"/>
+                <a:ea typeface="Calibri" panose="020F0502020204030204" pitchFamily="34" charset="0"/>
+              </a:rPr>
+              <a:t>user</a:t>
+            </a:r>
+            <a:r>
+              <a:rPr lang="id-ID" sz="2000">
+                <a:effectLst/>
+                <a:latin typeface="Times New Roman" panose="02020603050405020304" pitchFamily="18" charset="0"/>
+                <a:ea typeface="Calibri" panose="020F0502020204030204" pitchFamily="34" charset="0"/>
+              </a:rPr>
+              <a:t> dapat diminimalisasi, sehingga masing-masing </a:t>
+            </a:r>
+            <a:r>
+              <a:rPr lang="id-ID" sz="2000" i="1">
+                <a:effectLst/>
+                <a:latin typeface="Times New Roman" panose="02020603050405020304" pitchFamily="18" charset="0"/>
+                <a:ea typeface="Calibri" panose="020F0502020204030204" pitchFamily="34" charset="0"/>
+              </a:rPr>
+              <a:t>user</a:t>
+            </a:r>
+            <a:r>
+              <a:rPr lang="id-ID" sz="2000">
+                <a:effectLst/>
+                <a:latin typeface="Times New Roman" panose="02020603050405020304" pitchFamily="18" charset="0"/>
+                <a:ea typeface="Calibri" panose="020F0502020204030204" pitchFamily="34" charset="0"/>
+              </a:rPr>
+              <a:t> akan menerima sinyal yang memang ditujukan untuk </a:t>
+            </a:r>
+            <a:r>
+              <a:rPr lang="id-ID" sz="2000" i="1">
+                <a:effectLst/>
+                <a:latin typeface="Times New Roman" panose="02020603050405020304" pitchFamily="18" charset="0"/>
+                <a:ea typeface="Calibri" panose="020F0502020204030204" pitchFamily="34" charset="0"/>
+              </a:rPr>
+              <a:t>user</a:t>
+            </a:r>
+            <a:r>
+              <a:rPr lang="id-ID" sz="2000">
+                <a:effectLst/>
+                <a:latin typeface="Times New Roman" panose="02020603050405020304" pitchFamily="18" charset="0"/>
+                <a:ea typeface="Calibri" panose="020F0502020204030204" pitchFamily="34" charset="0"/>
+              </a:rPr>
+              <a:t> tersebu</a:t>
+            </a:r>
+            <a:r>
+              <a:rPr lang="en-US" sz="2000">
+                <a:effectLst/>
+                <a:latin typeface="Times New Roman" panose="02020603050405020304" pitchFamily="18" charset="0"/>
+                <a:ea typeface="Calibri" panose="020F0502020204030204" pitchFamily="34" charset="0"/>
+              </a:rPr>
+              <a:t>t.</a:t>
+            </a:r>
+          </a:p>
+          <a:p>
+            <a:pPr>
+              <a:spcBef>
+                <a:spcPts val="0"/>
+              </a:spcBef>
+              <a:spcAft>
+                <a:spcPts val="0"/>
+              </a:spcAft>
+            </a:pPr>
+            <a:endParaRPr lang="en-ID" sz="2000"/>
+          </a:p>
+        </p:txBody>
+      </p:sp>
+    </p:spTree>
+    <p:extLst>
+      <p:ext uri="{BB962C8B-B14F-4D97-AF65-F5344CB8AC3E}">
+        <p14:creationId xmlns:p14="http://schemas.microsoft.com/office/powerpoint/2010/main" val="3738933526"/>
+      </p:ext>
+    </p:extLst>
+  </p:cSld>
+  <p:clrMapOvr>
+    <a:masterClrMapping/>
+  </p:clrMapOvr>
+</p:sld>
+</file>
+
+<file path=ppt/slides/slide15.xml><?xml version="1.0" encoding="utf-8"?>
 <p:sld xmlns:a="http://schemas.openxmlformats.org/drawingml/2006/main" xmlns:r="http://schemas.openxmlformats.org/officeDocument/2006/relationships" xmlns:p="http://schemas.openxmlformats.org/presentationml/2006/main">
   <p:cSld>
     <p:spTree>
@@ -10552,7 +10643,7 @@
         </p:blipFill>
         <p:spPr>
           <a:xfrm>
-            <a:off x="1343194" y="1136073"/>
+            <a:off x="1287775" y="1025237"/>
             <a:ext cx="9147292" cy="4278553"/>
           </a:xfrm>
           <a:prstGeom prst="rect">
@@ -10560,8 +10651,8 @@
           </a:prstGeom>
         </p:spPr>
       </p:pic>
-      <mc:AlternateContent xmlns:mc="http://schemas.openxmlformats.org/markup-compatibility/2006" xmlns:a14="http://schemas.microsoft.com/office/drawing/2010/main">
-        <mc:Choice Requires="a14">
+      <mc:AlternateContent xmlns:mc="http://schemas.openxmlformats.org/markup-compatibility/2006">
+        <mc:Choice xmlns:a14="http://schemas.microsoft.com/office/drawing/2010/main" Requires="a14">
           <p:sp>
             <p:nvSpPr>
               <p:cNvPr id="7" name="TextBox 6">
@@ -10729,11 +10820,27 @@
                 </a:pPr>
                 <a:r>
                   <a:rPr lang="en-US" sz="2000"/>
-                  <a:t>Agar </a:t>
+                  <a:t>BTS </a:t>
                 </a:r>
                 <a:r>
                   <a:rPr lang="en-US" sz="2000" dirty="0" err="1"/>
-                  <a:t>tidak</a:t>
+                  <a:t>melakukan</a:t>
+                </a:r>
+                <a:r>
+                  <a:rPr lang="en-US" sz="2000" dirty="0"/>
+                  <a:t> proses </a:t>
+                </a:r>
+                <a:r>
+                  <a:rPr lang="en-US" sz="2000" i="1" dirty="0"/>
+                  <a:t>de-spreading</a:t>
+                </a:r>
+                <a:r>
+                  <a:rPr lang="en-US" sz="2000" dirty="0"/>
+                  <a:t> pilot, </a:t>
+                </a:r>
+                <a:r>
+                  <a:rPr lang="en-US" sz="2000" dirty="0" err="1"/>
+                  <a:t>yaitu</a:t>
                 </a:r>
                 <a:r>
                   <a:rPr lang="en-US" sz="2000" dirty="0"/>
@@ -10741,7 +10848,7 @@
                 </a:r>
                 <a:r>
                   <a:rPr lang="en-US" sz="2000" dirty="0" err="1"/>
-                  <a:t>terjadi</a:t>
+                  <a:t>mengalikan</a:t>
                 </a:r>
                 <a:r>
                   <a:rPr lang="en-US" sz="2000" dirty="0"/>
@@ -10749,43 +10856,23 @@
                 </a:r>
                 <a:r>
                   <a:rPr lang="en-US" sz="2000" dirty="0" err="1"/>
-                  <a:t>interferensi</a:t>
+                  <a:t>sinyal</a:t>
                 </a:r>
                 <a:r>
                   <a:rPr lang="en-US" sz="2000" dirty="0"/>
-                  <a:t>, </a:t>
+                  <a:t> pilot </a:t>
                 </a:r>
                 <a:r>
                   <a:rPr lang="en-US" sz="2000" dirty="0" err="1"/>
-                  <a:t>maka</a:t>
+                  <a:t>dengan</a:t>
                 </a:r>
                 <a:r>
                   <a:rPr lang="en-US" sz="2000" dirty="0"/>
                   <a:t> </a:t>
                 </a:r>
                 <a:r>
-                  <a:rPr lang="en-US" sz="2000" dirty="0" err="1"/>
-                  <a:t>setiap</a:t>
-                </a:r>
-                <a:r>
-                  <a:rPr lang="en-US" sz="2000" dirty="0"/>
-                  <a:t> pilot </a:t>
-                </a:r>
-                <a:r>
-                  <a:rPr lang="en-US" sz="2000" dirty="0" err="1"/>
-                  <a:t>harus</a:t>
-                </a:r>
-                <a:r>
-                  <a:rPr lang="en-US" sz="2000" dirty="0"/>
-                  <a:t> </a:t>
-                </a:r>
-                <a:r>
-                  <a:rPr lang="en-US" sz="2000" i="1" dirty="0"/>
-                  <a:t>orthogonal</a:t>
-                </a:r>
-                <a:r>
-                  <a:rPr lang="en-US" sz="2000" dirty="0"/>
-                  <a:t>.</a:t>
+                  <a:rPr lang="en-US" sz="2000"/>
+                  <a:t>unitary matriks.</a:t>
                 </a:r>
               </a:p>
               <a:p>
@@ -10795,56 +10882,9 @@
                 </a:pPr>
                 <a:r>
                   <a:rPr lang="en-US" sz="2000"/>
-                  <a:t>BTS </a:t>
-                </a:r>
-                <a:r>
-                  <a:rPr lang="en-US" sz="2000" dirty="0" err="1"/>
-                  <a:t>melakukan</a:t>
-                </a:r>
-                <a:r>
-                  <a:rPr lang="en-US" sz="2000" dirty="0"/>
-                  <a:t> proses </a:t>
-                </a:r>
-                <a:r>
-                  <a:rPr lang="en-US" sz="2000" i="1" dirty="0"/>
-                  <a:t>de-spreading</a:t>
-                </a:r>
-                <a:r>
-                  <a:rPr lang="en-US" sz="2000" dirty="0"/>
-                  <a:t> pilot, </a:t>
-                </a:r>
-                <a:r>
-                  <a:rPr lang="en-US" sz="2000" dirty="0" err="1"/>
-                  <a:t>yaitu</a:t>
-                </a:r>
-                <a:r>
-                  <a:rPr lang="en-US" sz="2000" dirty="0"/>
-                  <a:t> </a:t>
-                </a:r>
-                <a:r>
-                  <a:rPr lang="en-US" sz="2000" dirty="0" err="1"/>
-                  <a:t>mengalikan</a:t>
-                </a:r>
-                <a:r>
-                  <a:rPr lang="en-US" sz="2000" dirty="0"/>
-                  <a:t> </a:t>
-                </a:r>
-                <a:r>
-                  <a:rPr lang="en-US" sz="2000" dirty="0" err="1"/>
-                  <a:t>sinyal</a:t>
-                </a:r>
-                <a:r>
-                  <a:rPr lang="en-US" sz="2000" dirty="0"/>
-                  <a:t> pilot </a:t>
-                </a:r>
-                <a:r>
-                  <a:rPr lang="en-US" sz="2000" dirty="0" err="1"/>
-                  <a:t>dengan</a:t>
-                </a:r>
-                <a:r>
-                  <a:rPr lang="en-US" sz="2000" dirty="0"/>
-                  <a:t> unitary matrix.</a:t>
-                </a:r>
+                  <a:t>Unitary matriks diketahui oleh kedua link transmisi.</a:t>
+                </a:r>
+                <a:endParaRPr lang="en-US" sz="2000" dirty="0"/>
               </a:p>
               <a:p>
                 <a:pPr marL="285750" indent="-285750">
@@ -10908,7 +10948,7 @@
             </p:txBody>
           </p:sp>
         </mc:Choice>
-        <mc:Fallback xmlns="">
+        <mc:Fallback>
           <p:sp>
             <p:nvSpPr>
               <p:cNvPr id="7" name="TextBox 6">
@@ -10966,340 +11006,7 @@
 </p:sld>
 </file>
 
-<file path=ppt/slides/slide17.xml><?xml version="1.0" encoding="utf-8"?>
-<p:sld xmlns:a="http://schemas.openxmlformats.org/drawingml/2006/main" xmlns:r="http://schemas.openxmlformats.org/officeDocument/2006/relationships" xmlns:p="http://schemas.openxmlformats.org/presentationml/2006/main">
-  <p:cSld>
-    <p:spTree>
-      <p:nvGrpSpPr>
-        <p:cNvPr id="1" name=""/>
-        <p:cNvGrpSpPr/>
-        <p:nvPr/>
-      </p:nvGrpSpPr>
-      <p:grpSpPr>
-        <a:xfrm>
-          <a:off x="0" y="0"/>
-          <a:ext cx="0" cy="0"/>
-          <a:chOff x="0" y="0"/>
-          <a:chExt cx="0" cy="0"/>
-        </a:xfrm>
-      </p:grpSpPr>
-      <p:sp>
-        <p:nvSpPr>
-          <p:cNvPr id="2" name="Title 1">
-            <a:extLst>
-              <a:ext uri="{FF2B5EF4-FFF2-40B4-BE49-F238E27FC236}">
-                <a16:creationId xmlns:a16="http://schemas.microsoft.com/office/drawing/2014/main" id="{42BA64CD-DEB7-41CB-812B-80E3723D858D}"/>
-              </a:ext>
-            </a:extLst>
-          </p:cNvPr>
-          <p:cNvSpPr>
-            <a:spLocks noGrp="1"/>
-          </p:cNvSpPr>
-          <p:nvPr>
-            <p:ph type="title"/>
-          </p:nvPr>
-        </p:nvSpPr>
-        <p:spPr/>
-        <p:txBody>
-          <a:bodyPr>
-            <a:normAutofit/>
-          </a:bodyPr>
-          <a:lstStyle/>
-          <a:p>
-            <a:pPr algn="ctr"/>
-            <a:r>
-              <a:rPr lang="en-US" sz="3600" dirty="0" err="1"/>
-              <a:t>Penerima</a:t>
-            </a:r>
-            <a:r>
-              <a:rPr lang="en-US" sz="3600" dirty="0"/>
-              <a:t> </a:t>
-            </a:r>
-            <a:r>
-              <a:rPr lang="en-US" sz="3600" dirty="0" err="1"/>
-              <a:t>sistem</a:t>
-            </a:r>
-            <a:r>
-              <a:rPr lang="en-US" sz="3600" dirty="0"/>
-              <a:t> massive MIMO</a:t>
-            </a:r>
-          </a:p>
-        </p:txBody>
-      </p:sp>
-      <p:pic>
-        <p:nvPicPr>
-          <p:cNvPr id="7" name="Picture 6">
-            <a:extLst>
-              <a:ext uri="{FF2B5EF4-FFF2-40B4-BE49-F238E27FC236}">
-                <a16:creationId xmlns:a16="http://schemas.microsoft.com/office/drawing/2014/main" id="{7C0021D2-9919-4D7E-BEF6-5D6250497D67}"/>
-              </a:ext>
-            </a:extLst>
-          </p:cNvPr>
-          <p:cNvPicPr/>
-          <p:nvPr/>
-        </p:nvPicPr>
-        <p:blipFill>
-          <a:blip r:embed="rId2"/>
-          <a:stretch>
-            <a:fillRect/>
-          </a:stretch>
-        </p:blipFill>
-        <p:spPr>
-          <a:xfrm>
-            <a:off x="290946" y="2359099"/>
-            <a:ext cx="6226279" cy="3143164"/>
-          </a:xfrm>
-          <a:prstGeom prst="rect">
-            <a:avLst/>
-          </a:prstGeom>
-        </p:spPr>
-      </p:pic>
-      <p:sp>
-        <p:nvSpPr>
-          <p:cNvPr id="4" name="Content Placeholder 2">
-            <a:extLst>
-              <a:ext uri="{FF2B5EF4-FFF2-40B4-BE49-F238E27FC236}">
-                <a16:creationId xmlns:a16="http://schemas.microsoft.com/office/drawing/2014/main" id="{B8DD80C4-DF69-4542-9C19-CA5A7755AE47}"/>
-              </a:ext>
-            </a:extLst>
-          </p:cNvPr>
-          <p:cNvSpPr>
-            <a:spLocks noGrp="1"/>
-          </p:cNvSpPr>
-          <p:nvPr>
-            <p:ph idx="1"/>
-          </p:nvPr>
-        </p:nvSpPr>
-        <p:spPr>
-          <a:xfrm>
-            <a:off x="6871855" y="1998881"/>
-            <a:ext cx="5320145" cy="4724401"/>
-          </a:xfrm>
-        </p:spPr>
-        <p:txBody>
-          <a:bodyPr>
-            <a:noAutofit/>
-          </a:bodyPr>
-          <a:lstStyle/>
-          <a:p>
-            <a:pPr>
-              <a:spcBef>
-                <a:spcPts val="0"/>
-              </a:spcBef>
-              <a:spcAft>
-                <a:spcPts val="0"/>
-              </a:spcAft>
-            </a:pPr>
-            <a:r>
-              <a:rPr lang="en-US" sz="2000">
-                <a:latin typeface="Times New Roman" panose="02020603050405020304" pitchFamily="18" charset="0"/>
-                <a:ea typeface="Calibri" panose="020F0502020204030204" pitchFamily="34" charset="0"/>
-              </a:rPr>
-              <a:t>P</a:t>
-            </a:r>
-            <a:r>
-              <a:rPr lang="id-ID" sz="2000">
-                <a:effectLst/>
-                <a:latin typeface="Times New Roman" panose="02020603050405020304" pitchFamily="18" charset="0"/>
-                <a:ea typeface="Calibri" panose="020F0502020204030204" pitchFamily="34" charset="0"/>
-              </a:rPr>
-              <a:t>enerima adalah semua </a:t>
-            </a:r>
-            <a:r>
-              <a:rPr lang="id-ID" sz="2000" i="1">
-                <a:effectLst/>
-                <a:latin typeface="Times New Roman" panose="02020603050405020304" pitchFamily="18" charset="0"/>
-                <a:ea typeface="Calibri" panose="020F0502020204030204" pitchFamily="34" charset="0"/>
-              </a:rPr>
-              <a:t>user</a:t>
-            </a:r>
-            <a:r>
-              <a:rPr lang="id-ID" sz="2000">
-                <a:effectLst/>
-                <a:latin typeface="Times New Roman" panose="02020603050405020304" pitchFamily="18" charset="0"/>
-                <a:ea typeface="Calibri" panose="020F0502020204030204" pitchFamily="34" charset="0"/>
-              </a:rPr>
-              <a:t> yang berada di dalam satu sel dengan posisi random</a:t>
-            </a:r>
-            <a:r>
-              <a:rPr lang="en-US" sz="2000">
-                <a:effectLst/>
-                <a:latin typeface="Times New Roman" panose="02020603050405020304" pitchFamily="18" charset="0"/>
-                <a:ea typeface="Calibri" panose="020F0502020204030204" pitchFamily="34" charset="0"/>
-              </a:rPr>
-              <a:t>.</a:t>
-            </a:r>
-          </a:p>
-          <a:p>
-            <a:pPr>
-              <a:spcBef>
-                <a:spcPts val="0"/>
-              </a:spcBef>
-              <a:spcAft>
-                <a:spcPts val="0"/>
-              </a:spcAft>
-            </a:pPr>
-            <a:r>
-              <a:rPr lang="en-US" sz="2000">
-                <a:latin typeface="Times New Roman" panose="02020603050405020304" pitchFamily="18" charset="0"/>
-                <a:ea typeface="Calibri" panose="020F0502020204030204" pitchFamily="34" charset="0"/>
-              </a:rPr>
-              <a:t>Diasumsikan</a:t>
-            </a:r>
-            <a:r>
-              <a:rPr lang="id-ID" sz="2000">
-                <a:effectLst/>
-                <a:latin typeface="Times New Roman" panose="02020603050405020304" pitchFamily="18" charset="0"/>
-                <a:ea typeface="Calibri" panose="020F0502020204030204" pitchFamily="34" charset="0"/>
-              </a:rPr>
-              <a:t> bahwa semua </a:t>
-            </a:r>
-            <a:r>
-              <a:rPr lang="id-ID" sz="2000" i="1">
-                <a:effectLst/>
-                <a:latin typeface="Times New Roman" panose="02020603050405020304" pitchFamily="18" charset="0"/>
-                <a:ea typeface="Calibri" panose="020F0502020204030204" pitchFamily="34" charset="0"/>
-              </a:rPr>
-              <a:t>user</a:t>
-            </a:r>
-            <a:r>
-              <a:rPr lang="id-ID" sz="2000">
-                <a:effectLst/>
-                <a:latin typeface="Times New Roman" panose="02020603050405020304" pitchFamily="18" charset="0"/>
-                <a:ea typeface="Calibri" panose="020F0502020204030204" pitchFamily="34" charset="0"/>
-              </a:rPr>
-              <a:t> dalam kondisi aktif, sehingga secara simultan semua </a:t>
-            </a:r>
-            <a:r>
-              <a:rPr lang="id-ID" sz="2000" i="1">
-                <a:effectLst/>
-                <a:latin typeface="Times New Roman" panose="02020603050405020304" pitchFamily="18" charset="0"/>
-                <a:ea typeface="Calibri" panose="020F0502020204030204" pitchFamily="34" charset="0"/>
-              </a:rPr>
-              <a:t>user</a:t>
-            </a:r>
-            <a:r>
-              <a:rPr lang="id-ID" sz="2000">
-                <a:effectLst/>
-                <a:latin typeface="Times New Roman" panose="02020603050405020304" pitchFamily="18" charset="0"/>
-                <a:ea typeface="Calibri" panose="020F0502020204030204" pitchFamily="34" charset="0"/>
-              </a:rPr>
-              <a:t> akan menerima sinyal dari BTS.</a:t>
-            </a:r>
-            <a:endParaRPr lang="en-US" sz="2000">
-              <a:effectLst/>
-              <a:latin typeface="Times New Roman" panose="02020603050405020304" pitchFamily="18" charset="0"/>
-              <a:ea typeface="Calibri" panose="020F0502020204030204" pitchFamily="34" charset="0"/>
-            </a:endParaRPr>
-          </a:p>
-          <a:p>
-            <a:pPr>
-              <a:spcBef>
-                <a:spcPts val="0"/>
-              </a:spcBef>
-              <a:spcAft>
-                <a:spcPts val="0"/>
-              </a:spcAft>
-            </a:pPr>
-            <a:r>
-              <a:rPr lang="en-US" sz="2000">
-                <a:latin typeface="Times New Roman" panose="02020603050405020304" pitchFamily="18" charset="0"/>
-                <a:ea typeface="Calibri" panose="020F0502020204030204" pitchFamily="34" charset="0"/>
-              </a:rPr>
-              <a:t>Dengan</a:t>
-            </a:r>
-            <a:r>
-              <a:rPr lang="id-ID" sz="2000">
-                <a:effectLst/>
-                <a:latin typeface="Times New Roman" panose="02020603050405020304" pitchFamily="18" charset="0"/>
-                <a:ea typeface="Calibri" panose="020F0502020204030204" pitchFamily="34" charset="0"/>
-              </a:rPr>
-              <a:t> adanya precoding di sisi BTS, maka interferensi antar </a:t>
-            </a:r>
-            <a:r>
-              <a:rPr lang="id-ID" sz="2000" i="1">
-                <a:effectLst/>
-                <a:latin typeface="Times New Roman" panose="02020603050405020304" pitchFamily="18" charset="0"/>
-                <a:ea typeface="Calibri" panose="020F0502020204030204" pitchFamily="34" charset="0"/>
-              </a:rPr>
-              <a:t>user</a:t>
-            </a:r>
-            <a:r>
-              <a:rPr lang="id-ID" sz="2000">
-                <a:effectLst/>
-                <a:latin typeface="Times New Roman" panose="02020603050405020304" pitchFamily="18" charset="0"/>
-                <a:ea typeface="Calibri" panose="020F0502020204030204" pitchFamily="34" charset="0"/>
-              </a:rPr>
-              <a:t> dapat diminimalisasi, sehingga masing-masing </a:t>
-            </a:r>
-            <a:r>
-              <a:rPr lang="id-ID" sz="2000" i="1">
-                <a:effectLst/>
-                <a:latin typeface="Times New Roman" panose="02020603050405020304" pitchFamily="18" charset="0"/>
-                <a:ea typeface="Calibri" panose="020F0502020204030204" pitchFamily="34" charset="0"/>
-              </a:rPr>
-              <a:t>user</a:t>
-            </a:r>
-            <a:r>
-              <a:rPr lang="id-ID" sz="2000">
-                <a:effectLst/>
-                <a:latin typeface="Times New Roman" panose="02020603050405020304" pitchFamily="18" charset="0"/>
-                <a:ea typeface="Calibri" panose="020F0502020204030204" pitchFamily="34" charset="0"/>
-              </a:rPr>
-              <a:t> akan menerima sinyal yang memang ditujukan untuk </a:t>
-            </a:r>
-            <a:r>
-              <a:rPr lang="id-ID" sz="2000" i="1">
-                <a:effectLst/>
-                <a:latin typeface="Times New Roman" panose="02020603050405020304" pitchFamily="18" charset="0"/>
-                <a:ea typeface="Calibri" panose="020F0502020204030204" pitchFamily="34" charset="0"/>
-              </a:rPr>
-              <a:t>user</a:t>
-            </a:r>
-            <a:r>
-              <a:rPr lang="id-ID" sz="2000">
-                <a:effectLst/>
-                <a:latin typeface="Times New Roman" panose="02020603050405020304" pitchFamily="18" charset="0"/>
-                <a:ea typeface="Calibri" panose="020F0502020204030204" pitchFamily="34" charset="0"/>
-              </a:rPr>
-              <a:t> tersebu</a:t>
-            </a:r>
-            <a:r>
-              <a:rPr lang="en-US" sz="2000">
-                <a:effectLst/>
-                <a:latin typeface="Times New Roman" panose="02020603050405020304" pitchFamily="18" charset="0"/>
-                <a:ea typeface="Calibri" panose="020F0502020204030204" pitchFamily="34" charset="0"/>
-              </a:rPr>
-              <a:t>t.</a:t>
-            </a:r>
-          </a:p>
-          <a:p>
-            <a:pPr>
-              <a:spcBef>
-                <a:spcPts val="0"/>
-              </a:spcBef>
-              <a:spcAft>
-                <a:spcPts val="0"/>
-              </a:spcAft>
-            </a:pPr>
-            <a:endParaRPr lang="en-ID" sz="2000"/>
-          </a:p>
-        </p:txBody>
-      </p:sp>
-    </p:spTree>
-    <p:extLst>
-      <p:ext uri="{BB962C8B-B14F-4D97-AF65-F5344CB8AC3E}">
-        <p14:creationId xmlns:p14="http://schemas.microsoft.com/office/powerpoint/2010/main" val="3738933526"/>
-      </p:ext>
-    </p:extLst>
-  </p:cSld>
-  <p:clrMapOvr>
-    <a:masterClrMapping/>
-  </p:clrMapOvr>
-</p:sld>
-</file>
-
-<file path=ppt/slides/slide18.xml><?xml version="1.0" encoding="utf-8"?>
+<file path=ppt/slides/slide16.xml><?xml version="1.0" encoding="utf-8"?>
 <p:sld xmlns:a="http://schemas.openxmlformats.org/drawingml/2006/main" xmlns:r="http://schemas.openxmlformats.org/officeDocument/2006/relationships" xmlns:p="http://schemas.openxmlformats.org/presentationml/2006/main">
   <p:cSld>
     <p:spTree>
@@ -11389,7 +11096,7 @@
 </p:sld>
 </file>
 
-<file path=ppt/slides/slide19.xml><?xml version="1.0" encoding="utf-8"?>
+<file path=ppt/slides/slide17.xml><?xml version="1.0" encoding="utf-8"?>
 <p:sld xmlns:a="http://schemas.openxmlformats.org/drawingml/2006/main" xmlns:r="http://schemas.openxmlformats.org/officeDocument/2006/relationships" xmlns:p="http://schemas.openxmlformats.org/presentationml/2006/main">
   <p:cSld>
     <p:spTree>
@@ -11614,6 +11321,382 @@
     <p:extLst>
       <p:ext uri="{BB962C8B-B14F-4D97-AF65-F5344CB8AC3E}">
         <p14:creationId xmlns:p14="http://schemas.microsoft.com/office/powerpoint/2010/main" val="2837981304"/>
+      </p:ext>
+    </p:extLst>
+  </p:cSld>
+  <p:clrMapOvr>
+    <a:masterClrMapping/>
+  </p:clrMapOvr>
+</p:sld>
+</file>
+
+<file path=ppt/slides/slide18.xml><?xml version="1.0" encoding="utf-8"?>
+<p:sld xmlns:a="http://schemas.openxmlformats.org/drawingml/2006/main" xmlns:r="http://schemas.openxmlformats.org/officeDocument/2006/relationships" xmlns:p="http://schemas.openxmlformats.org/presentationml/2006/main">
+  <p:cSld>
+    <p:spTree>
+      <p:nvGrpSpPr>
+        <p:cNvPr id="1" name=""/>
+        <p:cNvGrpSpPr/>
+        <p:nvPr/>
+      </p:nvGrpSpPr>
+      <p:grpSpPr>
+        <a:xfrm>
+          <a:off x="0" y="0"/>
+          <a:ext cx="0" cy="0"/>
+          <a:chOff x="0" y="0"/>
+          <a:chExt cx="0" cy="0"/>
+        </a:xfrm>
+      </p:grpSpPr>
+      <p:sp>
+        <p:nvSpPr>
+          <p:cNvPr id="2" name="Title 1">
+            <a:extLst>
+              <a:ext uri="{FF2B5EF4-FFF2-40B4-BE49-F238E27FC236}">
+                <a16:creationId xmlns:a16="http://schemas.microsoft.com/office/drawing/2014/main" id="{3638EB26-28FD-42A9-8AB8-CD776D6E9EDF}"/>
+              </a:ext>
+            </a:extLst>
+          </p:cNvPr>
+          <p:cNvSpPr>
+            <a:spLocks noGrp="1"/>
+          </p:cNvSpPr>
+          <p:nvPr>
+            <p:ph type="title"/>
+          </p:nvPr>
+        </p:nvSpPr>
+        <p:spPr/>
+        <p:txBody>
+          <a:bodyPr/>
+          <a:lstStyle/>
+          <a:p>
+            <a:pPr algn="ctr"/>
+            <a:r>
+              <a:rPr lang="en-US"/>
+              <a:t>EFISIENSI SPEKTRUM MU-MASSIVE MIMO KANAL RAYLEGIH</a:t>
+            </a:r>
+            <a:br>
+              <a:rPr lang="en-US"/>
+            </a:br>
+            <a:endParaRPr lang="en-ID"/>
+          </a:p>
+        </p:txBody>
+      </p:sp>
+      <p:sp>
+        <p:nvSpPr>
+          <p:cNvPr id="3" name="Content Placeholder 2">
+            <a:extLst>
+              <a:ext uri="{FF2B5EF4-FFF2-40B4-BE49-F238E27FC236}">
+                <a16:creationId xmlns:a16="http://schemas.microsoft.com/office/drawing/2014/main" id="{F2630DD5-46CC-47A5-A531-282C5539EC77}"/>
+              </a:ext>
+            </a:extLst>
+          </p:cNvPr>
+          <p:cNvSpPr>
+            <a:spLocks noGrp="1"/>
+          </p:cNvSpPr>
+          <p:nvPr>
+            <p:ph idx="1"/>
+          </p:nvPr>
+        </p:nvSpPr>
+        <p:spPr>
+          <a:xfrm>
+            <a:off x="6557046" y="1893810"/>
+            <a:ext cx="5524118" cy="4372703"/>
+          </a:xfrm>
+        </p:spPr>
+        <p:txBody>
+          <a:bodyPr>
+            <a:noAutofit/>
+          </a:bodyPr>
+          <a:lstStyle/>
+          <a:p>
+            <a:endParaRPr lang="en-US" sz="2000">
+              <a:latin typeface="+mj-lt"/>
+            </a:endParaRPr>
+          </a:p>
+          <a:p>
+            <a:r>
+              <a:rPr lang="en-US" sz="2000">
+                <a:latin typeface="+mj-lt"/>
+              </a:rPr>
+              <a:t>SNR = 10dB, </a:t>
+            </a:r>
+            <a:r>
+              <a:rPr lang="en-US" sz="2000" i="1">
+                <a:latin typeface="+mj-lt"/>
+              </a:rPr>
+              <a:t>K</a:t>
+            </a:r>
+            <a:r>
+              <a:rPr lang="en-US" sz="2000">
+                <a:latin typeface="+mj-lt"/>
+              </a:rPr>
+              <a:t> = 30.</a:t>
+            </a:r>
+          </a:p>
+          <a:p>
+            <a:r>
+              <a:rPr lang="en-US" sz="2000">
+                <a:latin typeface="+mj-lt"/>
+              </a:rPr>
+              <a:t>Diasumsikan sistem bekerja pada kondisi perfect CSI.</a:t>
+            </a:r>
+          </a:p>
+          <a:p>
+            <a:r>
+              <a:rPr lang="en-US" sz="2000">
+                <a:latin typeface="+mj-lt"/>
+              </a:rPr>
+              <a:t>BTS mengetahui informasi kanal secara penuh dan tidak ada proses estimasi kanal.</a:t>
+            </a:r>
+          </a:p>
+          <a:p>
+            <a:r>
+              <a:rPr lang="en-US" sz="2000">
+                <a:latin typeface="+mj-lt"/>
+                <a:ea typeface="Calibri" panose="020F0502020204030204" pitchFamily="34" charset="0"/>
+              </a:rPr>
+              <a:t>P</a:t>
+            </a:r>
+            <a:r>
+              <a:rPr lang="id-ID" sz="2000">
+                <a:effectLst/>
+                <a:latin typeface="+mj-lt"/>
+                <a:ea typeface="Calibri" panose="020F0502020204030204" pitchFamily="34" charset="0"/>
+              </a:rPr>
+              <a:t>ada SNR yang tetap, efisiensi spektrum semakin meningkat jika jumlah antena BTS meningkat, baik dengan menggunakan precoding MRT, ZF maupun MMSE</a:t>
+            </a:r>
+            <a:r>
+              <a:rPr lang="en-US" sz="2000">
+                <a:effectLst/>
+                <a:latin typeface="+mj-lt"/>
+                <a:ea typeface="Calibri" panose="020F0502020204030204" pitchFamily="34" charset="0"/>
+              </a:rPr>
+              <a:t>.</a:t>
+            </a:r>
+          </a:p>
+          <a:p>
+            <a:r>
+              <a:rPr lang="en-US" sz="2000">
+                <a:latin typeface="+mj-lt"/>
+              </a:rPr>
+              <a:t>Pada SNR tinggi, precoding ZF dan MMSE menghasilkan efisiensi spektrum yang hampir sama tingginya.</a:t>
+            </a:r>
+          </a:p>
+          <a:p>
+            <a:r>
+              <a:rPr lang="en-US" sz="2000">
+                <a:latin typeface="+mj-lt"/>
+              </a:rPr>
+              <a:t>Precoding MRT menghasilkan efisiensi spektrum yang paling rendah</a:t>
+            </a:r>
+            <a:endParaRPr lang="en-ID" sz="2000">
+              <a:latin typeface="+mj-lt"/>
+            </a:endParaRPr>
+          </a:p>
+        </p:txBody>
+      </p:sp>
+      <p:pic>
+        <p:nvPicPr>
+          <p:cNvPr id="4" name="Picture 3">
+            <a:extLst>
+              <a:ext uri="{FF2B5EF4-FFF2-40B4-BE49-F238E27FC236}">
+                <a16:creationId xmlns:a16="http://schemas.microsoft.com/office/drawing/2014/main" id="{BCAB3BD4-4DF8-4884-B16E-7FB812A536F9}"/>
+              </a:ext>
+            </a:extLst>
+          </p:cNvPr>
+          <p:cNvPicPr/>
+          <p:nvPr/>
+        </p:nvPicPr>
+        <p:blipFill rotWithShape="1">
+          <a:blip r:embed="rId2">
+            <a:extLst>
+              <a:ext uri="{28A0092B-C50C-407E-A947-70E740481C1C}">
+                <a14:useLocalDpi xmlns:a14="http://schemas.microsoft.com/office/drawing/2010/main" val="0"/>
+              </a:ext>
+            </a:extLst>
+          </a:blip>
+          <a:srcRect l="3294" t="4254" r="4736"/>
+          <a:stretch/>
+        </p:blipFill>
+        <p:spPr bwMode="auto">
+          <a:xfrm>
+            <a:off x="581192" y="2032356"/>
+            <a:ext cx="5975854" cy="4668981"/>
+          </a:xfrm>
+          <a:prstGeom prst="rect">
+            <a:avLst/>
+          </a:prstGeom>
+          <a:noFill/>
+          <a:ln>
+            <a:noFill/>
+          </a:ln>
+        </p:spPr>
+      </p:pic>
+    </p:spTree>
+    <p:extLst>
+      <p:ext uri="{BB962C8B-B14F-4D97-AF65-F5344CB8AC3E}">
+        <p14:creationId xmlns:p14="http://schemas.microsoft.com/office/powerpoint/2010/main" val="375012628"/>
+      </p:ext>
+    </p:extLst>
+  </p:cSld>
+  <p:clrMapOvr>
+    <a:masterClrMapping/>
+  </p:clrMapOvr>
+</p:sld>
+</file>
+
+<file path=ppt/slides/slide19.xml><?xml version="1.0" encoding="utf-8"?>
+<p:sld xmlns:a="http://schemas.openxmlformats.org/drawingml/2006/main" xmlns:r="http://schemas.openxmlformats.org/officeDocument/2006/relationships" xmlns:p="http://schemas.openxmlformats.org/presentationml/2006/main">
+  <p:cSld>
+    <p:spTree>
+      <p:nvGrpSpPr>
+        <p:cNvPr id="1" name=""/>
+        <p:cNvGrpSpPr/>
+        <p:nvPr/>
+      </p:nvGrpSpPr>
+      <p:grpSpPr>
+        <a:xfrm>
+          <a:off x="0" y="0"/>
+          <a:ext cx="0" cy="0"/>
+          <a:chOff x="0" y="0"/>
+          <a:chExt cx="0" cy="0"/>
+        </a:xfrm>
+      </p:grpSpPr>
+      <p:sp>
+        <p:nvSpPr>
+          <p:cNvPr id="2" name="Title 1">
+            <a:extLst>
+              <a:ext uri="{FF2B5EF4-FFF2-40B4-BE49-F238E27FC236}">
+                <a16:creationId xmlns:a16="http://schemas.microsoft.com/office/drawing/2014/main" id="{95AEBCD8-51F1-4A4F-A5DE-9EB92A642261}"/>
+              </a:ext>
+            </a:extLst>
+          </p:cNvPr>
+          <p:cNvSpPr>
+            <a:spLocks noGrp="1"/>
+          </p:cNvSpPr>
+          <p:nvPr>
+            <p:ph type="title"/>
+          </p:nvPr>
+        </p:nvSpPr>
+        <p:spPr/>
+        <p:txBody>
+          <a:bodyPr/>
+          <a:lstStyle/>
+          <a:p>
+            <a:pPr algn="ctr"/>
+            <a:r>
+              <a:rPr lang="en-US"/>
+              <a:t>PREBEDAAN PERFORMA PRECODING ZF DAN MMSE</a:t>
+            </a:r>
+            <a:endParaRPr lang="en-ID"/>
+          </a:p>
+        </p:txBody>
+      </p:sp>
+      <p:sp>
+        <p:nvSpPr>
+          <p:cNvPr id="3" name="Content Placeholder 2">
+            <a:extLst>
+              <a:ext uri="{FF2B5EF4-FFF2-40B4-BE49-F238E27FC236}">
+                <a16:creationId xmlns:a16="http://schemas.microsoft.com/office/drawing/2014/main" id="{DD5BC0E6-7501-41FC-B6B9-6A112D021DD3}"/>
+              </a:ext>
+            </a:extLst>
+          </p:cNvPr>
+          <p:cNvSpPr>
+            <a:spLocks noGrp="1"/>
+          </p:cNvSpPr>
+          <p:nvPr>
+            <p:ph idx="1"/>
+          </p:nvPr>
+        </p:nvSpPr>
+        <p:spPr>
+          <a:xfrm>
+            <a:off x="6373091" y="2180496"/>
+            <a:ext cx="5237716" cy="3678303"/>
+          </a:xfrm>
+        </p:spPr>
+        <p:txBody>
+          <a:bodyPr/>
+          <a:lstStyle/>
+          <a:p>
+            <a:r>
+              <a:rPr lang="en-US" sz="1800">
+                <a:latin typeface="+mj-lt"/>
+              </a:rPr>
+              <a:t>SNR = 0 dB, </a:t>
+            </a:r>
+            <a:r>
+              <a:rPr lang="en-US" sz="1800" i="1">
+                <a:latin typeface="+mj-lt"/>
+              </a:rPr>
+              <a:t>K</a:t>
+            </a:r>
+            <a:r>
+              <a:rPr lang="en-US" sz="1800">
+                <a:latin typeface="+mj-lt"/>
+              </a:rPr>
+              <a:t> = 30.</a:t>
+            </a:r>
+          </a:p>
+          <a:p>
+            <a:r>
+              <a:rPr lang="en-US"/>
+              <a:t>Secara keseluruhan, efisiensi spektrum akan mengalami penurunan apabila SNR downlink turun.</a:t>
+            </a:r>
+          </a:p>
+          <a:p>
+            <a:r>
+              <a:rPr lang="en-US"/>
+              <a:t>Pada SNR yang rendah, MMSE bekerja lebih baik daripada ZF dan MRT.</a:t>
+            </a:r>
+          </a:p>
+          <a:p>
+            <a:pPr marL="0" indent="0">
+              <a:buNone/>
+            </a:pPr>
+            <a:endParaRPr lang="en-ID"/>
+          </a:p>
+        </p:txBody>
+      </p:sp>
+      <p:pic>
+        <p:nvPicPr>
+          <p:cNvPr id="4" name="Picture 3">
+            <a:extLst>
+              <a:ext uri="{FF2B5EF4-FFF2-40B4-BE49-F238E27FC236}">
+                <a16:creationId xmlns:a16="http://schemas.microsoft.com/office/drawing/2014/main" id="{120E6572-3E12-46B9-93A5-4258EDCDB241}"/>
+              </a:ext>
+            </a:extLst>
+          </p:cNvPr>
+          <p:cNvPicPr/>
+          <p:nvPr/>
+        </p:nvPicPr>
+        <p:blipFill rotWithShape="1">
+          <a:blip r:embed="rId2">
+            <a:extLst>
+              <a:ext uri="{28A0092B-C50C-407E-A947-70E740481C1C}">
+                <a14:useLocalDpi xmlns:a14="http://schemas.microsoft.com/office/drawing/2010/main" val="0"/>
+              </a:ext>
+            </a:extLst>
+          </a:blip>
+          <a:srcRect l="2506" t="4952" r="5353"/>
+          <a:stretch/>
+        </p:blipFill>
+        <p:spPr bwMode="auto">
+          <a:xfrm>
+            <a:off x="387927" y="2050472"/>
+            <a:ext cx="5834334" cy="4516582"/>
+          </a:xfrm>
+          <a:prstGeom prst="rect">
+            <a:avLst/>
+          </a:prstGeom>
+          <a:noFill/>
+          <a:ln>
+            <a:noFill/>
+          </a:ln>
+        </p:spPr>
+      </p:pic>
+    </p:spTree>
+    <p:extLst>
+      <p:ext uri="{BB962C8B-B14F-4D97-AF65-F5344CB8AC3E}">
+        <p14:creationId xmlns:p14="http://schemas.microsoft.com/office/powerpoint/2010/main" val="1462885721"/>
       </p:ext>
     </p:extLst>
   </p:cSld>
@@ -12216,532 +12299,6 @@
   <p:clrMapOvr>
     <a:masterClrMapping/>
   </p:clrMapOvr>
-  <p:timing>
-    <p:tnLst>
-      <p:par>
-        <p:cTn id="1" dur="indefinite" restart="never" nodeType="tmRoot">
-          <p:childTnLst>
-            <p:seq concurrent="1" nextAc="seek">
-              <p:cTn id="2" dur="indefinite" nodeType="mainSeq">
-                <p:childTnLst>
-                  <p:par>
-                    <p:cTn id="3" fill="hold">
-                      <p:stCondLst>
-                        <p:cond delay="indefinite"/>
-                      </p:stCondLst>
-                      <p:childTnLst>
-                        <p:par>
-                          <p:cTn id="4" fill="hold">
-                            <p:stCondLst>
-                              <p:cond delay="0"/>
-                            </p:stCondLst>
-                            <p:childTnLst>
-                              <p:par>
-                                <p:cTn id="5" presetID="10" presetClass="entr" presetSubtype="0" fill="hold" nodeType="clickEffect">
-                                  <p:stCondLst>
-                                    <p:cond delay="0"/>
-                                  </p:stCondLst>
-                                  <p:childTnLst>
-                                    <p:set>
-                                      <p:cBhvr>
-                                        <p:cTn id="6" dur="1" fill="hold">
-                                          <p:stCondLst>
-                                            <p:cond delay="0"/>
-                                          </p:stCondLst>
-                                        </p:cTn>
-                                        <p:tgtEl>
-                                          <p:spTgt spid="4"/>
-                                        </p:tgtEl>
-                                        <p:attrNameLst>
-                                          <p:attrName>style.visibility</p:attrName>
-                                        </p:attrNameLst>
-                                      </p:cBhvr>
-                                      <p:to>
-                                        <p:strVal val="visible"/>
-                                      </p:to>
-                                    </p:set>
-                                    <p:animEffect transition="in" filter="fade">
-                                      <p:cBhvr>
-                                        <p:cTn id="7" dur="500"/>
-                                        <p:tgtEl>
-                                          <p:spTgt spid="4"/>
-                                        </p:tgtEl>
-                                      </p:cBhvr>
-                                    </p:animEffect>
-                                  </p:childTnLst>
-                                </p:cTn>
-                              </p:par>
-                              <p:par>
-                                <p:cTn id="8" presetID="10" presetClass="entr" presetSubtype="0" fill="hold" grpId="0" nodeType="withEffect">
-                                  <p:stCondLst>
-                                    <p:cond delay="0"/>
-                                  </p:stCondLst>
-                                  <p:childTnLst>
-                                    <p:set>
-                                      <p:cBhvr>
-                                        <p:cTn id="9" dur="1" fill="hold">
-                                          <p:stCondLst>
-                                            <p:cond delay="0"/>
-                                          </p:stCondLst>
-                                        </p:cTn>
-                                        <p:tgtEl>
-                                          <p:spTgt spid="11"/>
-                                        </p:tgtEl>
-                                        <p:attrNameLst>
-                                          <p:attrName>style.visibility</p:attrName>
-                                        </p:attrNameLst>
-                                      </p:cBhvr>
-                                      <p:to>
-                                        <p:strVal val="visible"/>
-                                      </p:to>
-                                    </p:set>
-                                    <p:animEffect transition="in" filter="fade">
-                                      <p:cBhvr>
-                                        <p:cTn id="10" dur="500"/>
-                                        <p:tgtEl>
-                                          <p:spTgt spid="11"/>
-                                        </p:tgtEl>
-                                      </p:cBhvr>
-                                    </p:animEffect>
-                                  </p:childTnLst>
-                                </p:cTn>
-                              </p:par>
-                            </p:childTnLst>
-                          </p:cTn>
-                        </p:par>
-                      </p:childTnLst>
-                    </p:cTn>
-                  </p:par>
-                  <p:par>
-                    <p:cTn id="11" fill="hold">
-                      <p:stCondLst>
-                        <p:cond delay="indefinite"/>
-                      </p:stCondLst>
-                      <p:childTnLst>
-                        <p:par>
-                          <p:cTn id="12" fill="hold">
-                            <p:stCondLst>
-                              <p:cond delay="0"/>
-                            </p:stCondLst>
-                            <p:childTnLst>
-                              <p:par>
-                                <p:cTn id="13" presetID="10" presetClass="entr" presetSubtype="0" fill="hold" nodeType="clickEffect">
-                                  <p:stCondLst>
-                                    <p:cond delay="0"/>
-                                  </p:stCondLst>
-                                  <p:childTnLst>
-                                    <p:set>
-                                      <p:cBhvr>
-                                        <p:cTn id="14" dur="1" fill="hold">
-                                          <p:stCondLst>
-                                            <p:cond delay="0"/>
-                                          </p:stCondLst>
-                                        </p:cTn>
-                                        <p:tgtEl>
-                                          <p:spTgt spid="7"/>
-                                        </p:tgtEl>
-                                        <p:attrNameLst>
-                                          <p:attrName>style.visibility</p:attrName>
-                                        </p:attrNameLst>
-                                      </p:cBhvr>
-                                      <p:to>
-                                        <p:strVal val="visible"/>
-                                      </p:to>
-                                    </p:set>
-                                    <p:animEffect transition="in" filter="fade">
-                                      <p:cBhvr>
-                                        <p:cTn id="15" dur="500"/>
-                                        <p:tgtEl>
-                                          <p:spTgt spid="7"/>
-                                        </p:tgtEl>
-                                      </p:cBhvr>
-                                    </p:animEffect>
-                                  </p:childTnLst>
-                                </p:cTn>
-                              </p:par>
-                              <p:par>
-                                <p:cTn id="16" presetID="10" presetClass="entr" presetSubtype="0" fill="hold" grpId="0" nodeType="withEffect">
-                                  <p:stCondLst>
-                                    <p:cond delay="0"/>
-                                  </p:stCondLst>
-                                  <p:childTnLst>
-                                    <p:set>
-                                      <p:cBhvr>
-                                        <p:cTn id="17" dur="1" fill="hold">
-                                          <p:stCondLst>
-                                            <p:cond delay="0"/>
-                                          </p:stCondLst>
-                                        </p:cTn>
-                                        <p:tgtEl>
-                                          <p:spTgt spid="12"/>
-                                        </p:tgtEl>
-                                        <p:attrNameLst>
-                                          <p:attrName>style.visibility</p:attrName>
-                                        </p:attrNameLst>
-                                      </p:cBhvr>
-                                      <p:to>
-                                        <p:strVal val="visible"/>
-                                      </p:to>
-                                    </p:set>
-                                    <p:animEffect transition="in" filter="fade">
-                                      <p:cBhvr>
-                                        <p:cTn id="18" dur="500"/>
-                                        <p:tgtEl>
-                                          <p:spTgt spid="12"/>
-                                        </p:tgtEl>
-                                      </p:cBhvr>
-                                    </p:animEffect>
-                                  </p:childTnLst>
-                                </p:cTn>
-                              </p:par>
-                            </p:childTnLst>
-                          </p:cTn>
-                        </p:par>
-                      </p:childTnLst>
-                    </p:cTn>
-                  </p:par>
-                  <p:par>
-                    <p:cTn id="19" fill="hold">
-                      <p:stCondLst>
-                        <p:cond delay="indefinite"/>
-                      </p:stCondLst>
-                      <p:childTnLst>
-                        <p:par>
-                          <p:cTn id="20" fill="hold">
-                            <p:stCondLst>
-                              <p:cond delay="0"/>
-                            </p:stCondLst>
-                            <p:childTnLst>
-                              <p:par>
-                                <p:cTn id="21" presetID="10" presetClass="entr" presetSubtype="0" fill="hold" nodeType="clickEffect">
-                                  <p:stCondLst>
-                                    <p:cond delay="0"/>
-                                  </p:stCondLst>
-                                  <p:childTnLst>
-                                    <p:set>
-                                      <p:cBhvr>
-                                        <p:cTn id="22" dur="1" fill="hold">
-                                          <p:stCondLst>
-                                            <p:cond delay="0"/>
-                                          </p:stCondLst>
-                                        </p:cTn>
-                                        <p:tgtEl>
-                                          <p:spTgt spid="8"/>
-                                        </p:tgtEl>
-                                        <p:attrNameLst>
-                                          <p:attrName>style.visibility</p:attrName>
-                                        </p:attrNameLst>
-                                      </p:cBhvr>
-                                      <p:to>
-                                        <p:strVal val="visible"/>
-                                      </p:to>
-                                    </p:set>
-                                    <p:animEffect transition="in" filter="fade">
-                                      <p:cBhvr>
-                                        <p:cTn id="23" dur="500"/>
-                                        <p:tgtEl>
-                                          <p:spTgt spid="8"/>
-                                        </p:tgtEl>
-                                      </p:cBhvr>
-                                    </p:animEffect>
-                                  </p:childTnLst>
-                                </p:cTn>
-                              </p:par>
-                              <p:par>
-                                <p:cTn id="24" presetID="10" presetClass="entr" presetSubtype="0" fill="hold" grpId="0" nodeType="withEffect">
-                                  <p:stCondLst>
-                                    <p:cond delay="0"/>
-                                  </p:stCondLst>
-                                  <p:childTnLst>
-                                    <p:set>
-                                      <p:cBhvr>
-                                        <p:cTn id="25" dur="1" fill="hold">
-                                          <p:stCondLst>
-                                            <p:cond delay="0"/>
-                                          </p:stCondLst>
-                                        </p:cTn>
-                                        <p:tgtEl>
-                                          <p:spTgt spid="13"/>
-                                        </p:tgtEl>
-                                        <p:attrNameLst>
-                                          <p:attrName>style.visibility</p:attrName>
-                                        </p:attrNameLst>
-                                      </p:cBhvr>
-                                      <p:to>
-                                        <p:strVal val="visible"/>
-                                      </p:to>
-                                    </p:set>
-                                    <p:animEffect transition="in" filter="fade">
-                                      <p:cBhvr>
-                                        <p:cTn id="26" dur="500"/>
-                                        <p:tgtEl>
-                                          <p:spTgt spid="13"/>
-                                        </p:tgtEl>
-                                      </p:cBhvr>
-                                    </p:animEffect>
-                                  </p:childTnLst>
-                                </p:cTn>
-                              </p:par>
-                              <p:par>
-                                <p:cTn id="27" presetID="10" presetClass="entr" presetSubtype="0" fill="hold" grpId="0" nodeType="withEffect">
-                                  <p:stCondLst>
-                                    <p:cond delay="0"/>
-                                  </p:stCondLst>
-                                  <p:childTnLst>
-                                    <p:set>
-                                      <p:cBhvr>
-                                        <p:cTn id="28" dur="1" fill="hold">
-                                          <p:stCondLst>
-                                            <p:cond delay="0"/>
-                                          </p:stCondLst>
-                                        </p:cTn>
-                                        <p:tgtEl>
-                                          <p:spTgt spid="10">
-                                            <p:txEl>
-                                              <p:pRg st="0" end="0"/>
-                                            </p:txEl>
-                                          </p:spTgt>
-                                        </p:tgtEl>
-                                        <p:attrNameLst>
-                                          <p:attrName>style.visibility</p:attrName>
-                                        </p:attrNameLst>
-                                      </p:cBhvr>
-                                      <p:to>
-                                        <p:strVal val="visible"/>
-                                      </p:to>
-                                    </p:set>
-                                    <p:animEffect transition="in" filter="fade">
-                                      <p:cBhvr>
-                                        <p:cTn id="29" dur="500"/>
-                                        <p:tgtEl>
-                                          <p:spTgt spid="10">
-                                            <p:txEl>
-                                              <p:pRg st="0" end="0"/>
-                                            </p:txEl>
-                                          </p:spTgt>
-                                        </p:tgtEl>
-                                      </p:cBhvr>
-                                    </p:animEffect>
-                                  </p:childTnLst>
-                                </p:cTn>
-                              </p:par>
-                            </p:childTnLst>
-                          </p:cTn>
-                        </p:par>
-                      </p:childTnLst>
-                    </p:cTn>
-                  </p:par>
-                  <p:par>
-                    <p:cTn id="30" fill="hold">
-                      <p:stCondLst>
-                        <p:cond delay="indefinite"/>
-                      </p:stCondLst>
-                      <p:childTnLst>
-                        <p:par>
-                          <p:cTn id="31" fill="hold">
-                            <p:stCondLst>
-                              <p:cond delay="0"/>
-                            </p:stCondLst>
-                            <p:childTnLst>
-                              <p:par>
-                                <p:cTn id="32" presetID="10" presetClass="entr" presetSubtype="0" fill="hold" grpId="0" nodeType="clickEffect">
-                                  <p:stCondLst>
-                                    <p:cond delay="0"/>
-                                  </p:stCondLst>
-                                  <p:childTnLst>
-                                    <p:set>
-                                      <p:cBhvr>
-                                        <p:cTn id="33" dur="1" fill="hold">
-                                          <p:stCondLst>
-                                            <p:cond delay="0"/>
-                                          </p:stCondLst>
-                                        </p:cTn>
-                                        <p:tgtEl>
-                                          <p:spTgt spid="10">
-                                            <p:txEl>
-                                              <p:pRg st="1" end="1"/>
-                                            </p:txEl>
-                                          </p:spTgt>
-                                        </p:tgtEl>
-                                        <p:attrNameLst>
-                                          <p:attrName>style.visibility</p:attrName>
-                                        </p:attrNameLst>
-                                      </p:cBhvr>
-                                      <p:to>
-                                        <p:strVal val="visible"/>
-                                      </p:to>
-                                    </p:set>
-                                    <p:animEffect transition="in" filter="fade">
-                                      <p:cBhvr>
-                                        <p:cTn id="34" dur="500"/>
-                                        <p:tgtEl>
-                                          <p:spTgt spid="10">
-                                            <p:txEl>
-                                              <p:pRg st="1" end="1"/>
-                                            </p:txEl>
-                                          </p:spTgt>
-                                        </p:tgtEl>
-                                      </p:cBhvr>
-                                    </p:animEffect>
-                                  </p:childTnLst>
-                                </p:cTn>
-                              </p:par>
-                            </p:childTnLst>
-                          </p:cTn>
-                        </p:par>
-                      </p:childTnLst>
-                    </p:cTn>
-                  </p:par>
-                  <p:par>
-                    <p:cTn id="35" fill="hold">
-                      <p:stCondLst>
-                        <p:cond delay="indefinite"/>
-                      </p:stCondLst>
-                      <p:childTnLst>
-                        <p:par>
-                          <p:cTn id="36" fill="hold">
-                            <p:stCondLst>
-                              <p:cond delay="0"/>
-                            </p:stCondLst>
-                            <p:childTnLst>
-                              <p:par>
-                                <p:cTn id="37" presetID="10" presetClass="entr" presetSubtype="0" fill="hold" grpId="0" nodeType="clickEffect">
-                                  <p:stCondLst>
-                                    <p:cond delay="0"/>
-                                  </p:stCondLst>
-                                  <p:childTnLst>
-                                    <p:set>
-                                      <p:cBhvr>
-                                        <p:cTn id="38" dur="1" fill="hold">
-                                          <p:stCondLst>
-                                            <p:cond delay="0"/>
-                                          </p:stCondLst>
-                                        </p:cTn>
-                                        <p:tgtEl>
-                                          <p:spTgt spid="10">
-                                            <p:txEl>
-                                              <p:pRg st="2" end="2"/>
-                                            </p:txEl>
-                                          </p:spTgt>
-                                        </p:tgtEl>
-                                        <p:attrNameLst>
-                                          <p:attrName>style.visibility</p:attrName>
-                                        </p:attrNameLst>
-                                      </p:cBhvr>
-                                      <p:to>
-                                        <p:strVal val="visible"/>
-                                      </p:to>
-                                    </p:set>
-                                    <p:animEffect transition="in" filter="fade">
-                                      <p:cBhvr>
-                                        <p:cTn id="39" dur="500"/>
-                                        <p:tgtEl>
-                                          <p:spTgt spid="10">
-                                            <p:txEl>
-                                              <p:pRg st="2" end="2"/>
-                                            </p:txEl>
-                                          </p:spTgt>
-                                        </p:tgtEl>
-                                      </p:cBhvr>
-                                    </p:animEffect>
-                                  </p:childTnLst>
-                                </p:cTn>
-                              </p:par>
-                            </p:childTnLst>
-                          </p:cTn>
-                        </p:par>
-                      </p:childTnLst>
-                    </p:cTn>
-                  </p:par>
-                  <p:par>
-                    <p:cTn id="40" fill="hold">
-                      <p:stCondLst>
-                        <p:cond delay="indefinite"/>
-                      </p:stCondLst>
-                      <p:childTnLst>
-                        <p:par>
-                          <p:cTn id="41" fill="hold">
-                            <p:stCondLst>
-                              <p:cond delay="0"/>
-                            </p:stCondLst>
-                            <p:childTnLst>
-                              <p:par>
-                                <p:cTn id="42" presetID="10" presetClass="entr" presetSubtype="0" fill="hold" grpId="0" nodeType="clickEffect">
-                                  <p:stCondLst>
-                                    <p:cond delay="0"/>
-                                  </p:stCondLst>
-                                  <p:childTnLst>
-                                    <p:set>
-                                      <p:cBhvr>
-                                        <p:cTn id="43" dur="1" fill="hold">
-                                          <p:stCondLst>
-                                            <p:cond delay="0"/>
-                                          </p:stCondLst>
-                                        </p:cTn>
-                                        <p:tgtEl>
-                                          <p:spTgt spid="10">
-                                            <p:txEl>
-                                              <p:pRg st="3" end="3"/>
-                                            </p:txEl>
-                                          </p:spTgt>
-                                        </p:tgtEl>
-                                        <p:attrNameLst>
-                                          <p:attrName>style.visibility</p:attrName>
-                                        </p:attrNameLst>
-                                      </p:cBhvr>
-                                      <p:to>
-                                        <p:strVal val="visible"/>
-                                      </p:to>
-                                    </p:set>
-                                    <p:animEffect transition="in" filter="fade">
-                                      <p:cBhvr>
-                                        <p:cTn id="44" dur="500"/>
-                                        <p:tgtEl>
-                                          <p:spTgt spid="10">
-                                            <p:txEl>
-                                              <p:pRg st="3" end="3"/>
-                                            </p:txEl>
-                                          </p:spTgt>
-                                        </p:tgtEl>
-                                      </p:cBhvr>
-                                    </p:animEffect>
-                                  </p:childTnLst>
-                                </p:cTn>
-                              </p:par>
-                            </p:childTnLst>
-                          </p:cTn>
-                        </p:par>
-                      </p:childTnLst>
-                    </p:cTn>
-                  </p:par>
-                </p:childTnLst>
-              </p:cTn>
-              <p:prevCondLst>
-                <p:cond evt="onPrev" delay="0">
-                  <p:tgtEl>
-                    <p:sldTgt/>
-                  </p:tgtEl>
-                </p:cond>
-              </p:prevCondLst>
-              <p:nextCondLst>
-                <p:cond evt="onNext" delay="0">
-                  <p:tgtEl>
-                    <p:sldTgt/>
-                  </p:tgtEl>
-                </p:cond>
-              </p:nextCondLst>
-            </p:seq>
-          </p:childTnLst>
-        </p:cTn>
-      </p:par>
-    </p:tnLst>
-    <p:bldLst>
-      <p:bldP spid="10" grpId="0" build="p"/>
-      <p:bldP spid="11" grpId="0"/>
-      <p:bldP spid="12" grpId="0"/>
-      <p:bldP spid="13" grpId="0"/>
-    </p:bldLst>
-  </p:timing>
 </p:sld>
 </file>
 
@@ -12767,374 +12324,6 @@
           <p:cNvPr id="2" name="Title 1">
             <a:extLst>
               <a:ext uri="{FF2B5EF4-FFF2-40B4-BE49-F238E27FC236}">
-                <a16:creationId xmlns:a16="http://schemas.microsoft.com/office/drawing/2014/main" id="{0B2381CA-3291-472A-ABBA-E30EE8E84E9B}"/>
-              </a:ext>
-            </a:extLst>
-          </p:cNvPr>
-          <p:cNvSpPr>
-            <a:spLocks noGrp="1"/>
-          </p:cNvSpPr>
-          <p:nvPr>
-            <p:ph type="title"/>
-          </p:nvPr>
-        </p:nvSpPr>
-        <p:spPr/>
-        <p:txBody>
-          <a:bodyPr/>
-          <a:lstStyle/>
-          <a:p>
-            <a:pPr algn="ctr"/>
-            <a:r>
-              <a:rPr lang="en-US"/>
-              <a:t>Power delay profile (PDP) kanal rayleigh</a:t>
-            </a:r>
-            <a:endParaRPr lang="en-ID"/>
-          </a:p>
-        </p:txBody>
-      </p:sp>
-      <p:sp>
-        <p:nvSpPr>
-          <p:cNvPr id="3" name="Content Placeholder 2">
-            <a:extLst>
-              <a:ext uri="{FF2B5EF4-FFF2-40B4-BE49-F238E27FC236}">
-                <a16:creationId xmlns:a16="http://schemas.microsoft.com/office/drawing/2014/main" id="{C6372D7B-2AF7-48A2-B3A5-2EB0A1F69984}"/>
-              </a:ext>
-            </a:extLst>
-          </p:cNvPr>
-          <p:cNvSpPr>
-            <a:spLocks noGrp="1"/>
-          </p:cNvSpPr>
-          <p:nvPr>
-            <p:ph idx="1"/>
-          </p:nvPr>
-        </p:nvSpPr>
-        <p:spPr>
-          <a:xfrm>
-            <a:off x="7204364" y="2309617"/>
-            <a:ext cx="4655127" cy="1013800"/>
-          </a:xfrm>
-        </p:spPr>
-        <p:txBody>
-          <a:bodyPr/>
-          <a:lstStyle/>
-          <a:p>
-            <a:r>
-              <a:rPr lang="en-US"/>
-              <a:t>Terdapat delay-tap kanal </a:t>
-            </a:r>
-            <a:r>
-              <a:rPr lang="en-US" i="1"/>
-              <a:t>(L) </a:t>
-            </a:r>
-            <a:r>
-              <a:rPr lang="en-US"/>
-              <a:t>sebanyak 22.</a:t>
-            </a:r>
-          </a:p>
-          <a:p>
-            <a:r>
-              <a:rPr lang="en-US"/>
-              <a:t>Jumlah total PDP adalah satu</a:t>
-            </a:r>
-            <a:endParaRPr lang="en-ID"/>
-          </a:p>
-        </p:txBody>
-      </p:sp>
-      <p:pic>
-        <p:nvPicPr>
-          <p:cNvPr id="5" name="Picture 4">
-            <a:extLst>
-              <a:ext uri="{FF2B5EF4-FFF2-40B4-BE49-F238E27FC236}">
-                <a16:creationId xmlns:a16="http://schemas.microsoft.com/office/drawing/2014/main" id="{811CD4AB-AEFF-47D7-93DB-381F25AC4CDE}"/>
-              </a:ext>
-            </a:extLst>
-          </p:cNvPr>
-          <p:cNvPicPr/>
-          <p:nvPr/>
-        </p:nvPicPr>
-        <p:blipFill rotWithShape="1">
-          <a:blip r:embed="rId2">
-            <a:extLst>
-              <a:ext uri="{28A0092B-C50C-407E-A947-70E740481C1C}">
-                <a14:useLocalDpi xmlns:a14="http://schemas.microsoft.com/office/drawing/2010/main" val="0"/>
-              </a:ext>
-            </a:extLst>
-          </a:blip>
-          <a:srcRect l="4108" t="4903" r="6535"/>
-          <a:stretch/>
-        </p:blipFill>
-        <p:spPr bwMode="auto">
-          <a:xfrm>
-            <a:off x="797026" y="2180495"/>
-            <a:ext cx="6019409" cy="4695785"/>
-          </a:xfrm>
-          <a:prstGeom prst="rect">
-            <a:avLst/>
-          </a:prstGeom>
-          <a:noFill/>
-          <a:ln>
-            <a:noFill/>
-          </a:ln>
-          <a:extLst>
-            <a:ext uri="{53640926-AAD7-44D8-BBD7-CCE9431645EC}">
-              <a14:shadowObscured xmlns:a14="http://schemas.microsoft.com/office/drawing/2010/main"/>
-            </a:ext>
-          </a:extLst>
-        </p:spPr>
-      </p:pic>
-    </p:spTree>
-    <p:extLst>
-      <p:ext uri="{BB962C8B-B14F-4D97-AF65-F5344CB8AC3E}">
-        <p14:creationId xmlns:p14="http://schemas.microsoft.com/office/powerpoint/2010/main" val="1023038830"/>
-      </p:ext>
-    </p:extLst>
-  </p:cSld>
-  <p:clrMapOvr>
-    <a:masterClrMapping/>
-  </p:clrMapOvr>
-</p:sld>
-</file>
-
-<file path=ppt/slides/slide21.xml><?xml version="1.0" encoding="utf-8"?>
-<p:sld xmlns:a="http://schemas.openxmlformats.org/drawingml/2006/main" xmlns:r="http://schemas.openxmlformats.org/officeDocument/2006/relationships" xmlns:p="http://schemas.openxmlformats.org/presentationml/2006/main">
-  <p:cSld>
-    <p:spTree>
-      <p:nvGrpSpPr>
-        <p:cNvPr id="1" name=""/>
-        <p:cNvGrpSpPr/>
-        <p:nvPr/>
-      </p:nvGrpSpPr>
-      <p:grpSpPr>
-        <a:xfrm>
-          <a:off x="0" y="0"/>
-          <a:ext cx="0" cy="0"/>
-          <a:chOff x="0" y="0"/>
-          <a:chExt cx="0" cy="0"/>
-        </a:xfrm>
-      </p:grpSpPr>
-      <p:sp>
-        <p:nvSpPr>
-          <p:cNvPr id="2" name="Title 1">
-            <a:extLst>
-              <a:ext uri="{FF2B5EF4-FFF2-40B4-BE49-F238E27FC236}">
-                <a16:creationId xmlns:a16="http://schemas.microsoft.com/office/drawing/2014/main" id="{3638EB26-28FD-42A9-8AB8-CD776D6E9EDF}"/>
-              </a:ext>
-            </a:extLst>
-          </p:cNvPr>
-          <p:cNvSpPr>
-            <a:spLocks noGrp="1"/>
-          </p:cNvSpPr>
-          <p:nvPr>
-            <p:ph type="title"/>
-          </p:nvPr>
-        </p:nvSpPr>
-        <p:spPr/>
-        <p:txBody>
-          <a:bodyPr/>
-          <a:lstStyle/>
-          <a:p>
-            <a:pPr algn="ctr"/>
-            <a:r>
-              <a:rPr lang="en-US"/>
-              <a:t>EFISIENSI SPEKTRUM MU-MASSIVE MIMO KANAL RAYLEGIH</a:t>
-            </a:r>
-            <a:br>
-              <a:rPr lang="en-US"/>
-            </a:br>
-            <a:r>
-              <a:rPr lang="en-US"/>
-              <a:t>PADA SNR TINGGI (10DB)</a:t>
-            </a:r>
-            <a:endParaRPr lang="en-ID"/>
-          </a:p>
-        </p:txBody>
-      </p:sp>
-      <p:sp>
-        <p:nvSpPr>
-          <p:cNvPr id="3" name="Content Placeholder 2">
-            <a:extLst>
-              <a:ext uri="{FF2B5EF4-FFF2-40B4-BE49-F238E27FC236}">
-                <a16:creationId xmlns:a16="http://schemas.microsoft.com/office/drawing/2014/main" id="{F2630DD5-46CC-47A5-A531-282C5539EC77}"/>
-              </a:ext>
-            </a:extLst>
-          </p:cNvPr>
-          <p:cNvSpPr>
-            <a:spLocks noGrp="1"/>
-          </p:cNvSpPr>
-          <p:nvPr>
-            <p:ph idx="1"/>
-          </p:nvPr>
-        </p:nvSpPr>
-        <p:spPr>
-          <a:xfrm>
-            <a:off x="6557046" y="1893810"/>
-            <a:ext cx="5524118" cy="4372703"/>
-          </a:xfrm>
-        </p:spPr>
-        <p:txBody>
-          <a:bodyPr>
-            <a:noAutofit/>
-          </a:bodyPr>
-          <a:lstStyle/>
-          <a:p>
-            <a:endParaRPr lang="en-US" sz="2000">
-              <a:latin typeface="+mj-lt"/>
-            </a:endParaRPr>
-          </a:p>
-          <a:p>
-            <a:r>
-              <a:rPr lang="en-US" sz="2000">
-                <a:latin typeface="+mj-lt"/>
-              </a:rPr>
-              <a:t>Jumlah user yang dilayani (</a:t>
-            </a:r>
-            <a:r>
-              <a:rPr lang="en-US" sz="2000" i="1">
-                <a:latin typeface="+mj-lt"/>
-              </a:rPr>
-              <a:t>K</a:t>
-            </a:r>
-            <a:r>
-              <a:rPr lang="en-US" sz="2000">
-                <a:latin typeface="+mj-lt"/>
-              </a:rPr>
-              <a:t> = 30).</a:t>
-            </a:r>
-          </a:p>
-          <a:p>
-            <a:r>
-              <a:rPr lang="en-US" sz="2000">
-                <a:latin typeface="+mj-lt"/>
-              </a:rPr>
-              <a:t>Diasumsikan sistem bekerja pada kondisi perfect CSI.</a:t>
-            </a:r>
-          </a:p>
-          <a:p>
-            <a:r>
-              <a:rPr lang="en-US" sz="2000">
-                <a:latin typeface="+mj-lt"/>
-              </a:rPr>
-              <a:t>BTS mengetahui informasi kanal secara penuh dan tidak ada proses estimasi kanal.</a:t>
-            </a:r>
-          </a:p>
-          <a:p>
-            <a:r>
-              <a:rPr lang="en-US" sz="2000">
-                <a:latin typeface="+mj-lt"/>
-                <a:ea typeface="Calibri" panose="020F0502020204030204" pitchFamily="34" charset="0"/>
-              </a:rPr>
-              <a:t>P</a:t>
-            </a:r>
-            <a:r>
-              <a:rPr lang="id-ID" sz="2000">
-                <a:effectLst/>
-                <a:latin typeface="+mj-lt"/>
-                <a:ea typeface="Calibri" panose="020F0502020204030204" pitchFamily="34" charset="0"/>
-              </a:rPr>
-              <a:t>ada SNR yang tetap, efisiensi spektrum semakin meningkat jika jumlah antena BTS meningkat, baik dengan menggunakan precoding MRT, ZF maupun MMSE</a:t>
-            </a:r>
-            <a:r>
-              <a:rPr lang="en-US" sz="2000">
-                <a:effectLst/>
-                <a:latin typeface="+mj-lt"/>
-                <a:ea typeface="Calibri" panose="020F0502020204030204" pitchFamily="34" charset="0"/>
-              </a:rPr>
-              <a:t>.</a:t>
-            </a:r>
-          </a:p>
-          <a:p>
-            <a:r>
-              <a:rPr lang="en-US" sz="2000">
-                <a:latin typeface="+mj-lt"/>
-              </a:rPr>
-              <a:t>Pada SNR tinggi, precoding ZF dan MMSE menghasilkan efisiensi spektrum yang hampir sama tingginya.</a:t>
-            </a:r>
-          </a:p>
-          <a:p>
-            <a:r>
-              <a:rPr lang="en-US" sz="2000">
-                <a:latin typeface="+mj-lt"/>
-              </a:rPr>
-              <a:t>Precoding MRT menghasilkan efisiensi spektrum yang paling rendah</a:t>
-            </a:r>
-            <a:endParaRPr lang="en-ID" sz="2000">
-              <a:latin typeface="+mj-lt"/>
-            </a:endParaRPr>
-          </a:p>
-        </p:txBody>
-      </p:sp>
-      <p:pic>
-        <p:nvPicPr>
-          <p:cNvPr id="4" name="Picture 3">
-            <a:extLst>
-              <a:ext uri="{FF2B5EF4-FFF2-40B4-BE49-F238E27FC236}">
-                <a16:creationId xmlns:a16="http://schemas.microsoft.com/office/drawing/2014/main" id="{BCAB3BD4-4DF8-4884-B16E-7FB812A536F9}"/>
-              </a:ext>
-            </a:extLst>
-          </p:cNvPr>
-          <p:cNvPicPr/>
-          <p:nvPr/>
-        </p:nvPicPr>
-        <p:blipFill rotWithShape="1">
-          <a:blip r:embed="rId2">
-            <a:extLst>
-              <a:ext uri="{28A0092B-C50C-407E-A947-70E740481C1C}">
-                <a14:useLocalDpi xmlns:a14="http://schemas.microsoft.com/office/drawing/2010/main" val="0"/>
-              </a:ext>
-            </a:extLst>
-          </a:blip>
-          <a:srcRect l="3294" t="4254" r="4736"/>
-          <a:stretch/>
-        </p:blipFill>
-        <p:spPr bwMode="auto">
-          <a:xfrm>
-            <a:off x="581192" y="2032356"/>
-            <a:ext cx="5975854" cy="4668981"/>
-          </a:xfrm>
-          <a:prstGeom prst="rect">
-            <a:avLst/>
-          </a:prstGeom>
-          <a:noFill/>
-          <a:ln>
-            <a:noFill/>
-          </a:ln>
-        </p:spPr>
-      </p:pic>
-    </p:spTree>
-    <p:extLst>
-      <p:ext uri="{BB962C8B-B14F-4D97-AF65-F5344CB8AC3E}">
-        <p14:creationId xmlns:p14="http://schemas.microsoft.com/office/powerpoint/2010/main" val="375012628"/>
-      </p:ext>
-    </p:extLst>
-  </p:cSld>
-  <p:clrMapOvr>
-    <a:masterClrMapping/>
-  </p:clrMapOvr>
-</p:sld>
-</file>
-
-<file path=ppt/slides/slide22.xml><?xml version="1.0" encoding="utf-8"?>
-<p:sld xmlns:a="http://schemas.openxmlformats.org/drawingml/2006/main" xmlns:r="http://schemas.openxmlformats.org/officeDocument/2006/relationships" xmlns:p="http://schemas.openxmlformats.org/presentationml/2006/main">
-  <p:cSld>
-    <p:spTree>
-      <p:nvGrpSpPr>
-        <p:cNvPr id="1" name=""/>
-        <p:cNvGrpSpPr/>
-        <p:nvPr/>
-      </p:nvGrpSpPr>
-      <p:grpSpPr>
-        <a:xfrm>
-          <a:off x="0" y="0"/>
-          <a:ext cx="0" cy="0"/>
-          <a:chOff x="0" y="0"/>
-          <a:chExt cx="0" cy="0"/>
-        </a:xfrm>
-      </p:grpSpPr>
-      <p:sp>
-        <p:nvSpPr>
-          <p:cNvPr id="2" name="Title 1">
-            <a:extLst>
-              <a:ext uri="{FF2B5EF4-FFF2-40B4-BE49-F238E27FC236}">
                 <a16:creationId xmlns:a16="http://schemas.microsoft.com/office/drawing/2014/main" id="{29074861-3CBE-4B46-AD4F-FB7F9905525A}"/>
               </a:ext>
             </a:extLst>
@@ -13154,7 +12343,7 @@
             <a:pPr algn="ctr"/>
             <a:r>
               <a:rPr lang="en-US"/>
-              <a:t>PREBEDAAN PERFORMA PRECODING ZF DAN MMSE</a:t>
+              <a:t>PREBEDAAN PERFORMA PRECODING ZF DAN MMSE (CONT..)</a:t>
             </a:r>
             <a:endParaRPr lang="en-ID"/>
           </a:p>
@@ -13185,6 +12374,12 @@
         <p:txBody>
           <a:bodyPr/>
           <a:lstStyle/>
+          <a:p>
+            <a:r>
+              <a:rPr lang="en-US"/>
+              <a:t>SNR = 10 dB</a:t>
+            </a:r>
+          </a:p>
           <a:p>
             <a:r>
               <a:rPr lang="en-US"/>
@@ -13262,7 +12457,7 @@
 </p:sld>
 </file>
 
-<file path=ppt/slides/slide23.xml><?xml version="1.0" encoding="utf-8"?>
+<file path=ppt/slides/slide21.xml><?xml version="1.0" encoding="utf-8"?>
 <p:sld xmlns:a="http://schemas.openxmlformats.org/drawingml/2006/main" xmlns:r="http://schemas.openxmlformats.org/officeDocument/2006/relationships" xmlns:p="http://schemas.openxmlformats.org/presentationml/2006/main">
   <p:cSld>
     <p:spTree>
@@ -13284,315 +12479,6 @@
           <p:cNvPr id="2" name="Title 1">
             <a:extLst>
               <a:ext uri="{FF2B5EF4-FFF2-40B4-BE49-F238E27FC236}">
-                <a16:creationId xmlns:a16="http://schemas.microsoft.com/office/drawing/2014/main" id="{95AEBCD8-51F1-4A4F-A5DE-9EB92A642261}"/>
-              </a:ext>
-            </a:extLst>
-          </p:cNvPr>
-          <p:cNvSpPr>
-            <a:spLocks noGrp="1"/>
-          </p:cNvSpPr>
-          <p:nvPr>
-            <p:ph type="title"/>
-          </p:nvPr>
-        </p:nvSpPr>
-        <p:spPr/>
-        <p:txBody>
-          <a:bodyPr/>
-          <a:lstStyle/>
-          <a:p>
-            <a:pPr algn="ctr"/>
-            <a:r>
-              <a:rPr lang="en-US"/>
-              <a:t>EFISIENSI SPEKTRUM MU-MASSIVE MIMO KANAL RAYLEGIH</a:t>
-            </a:r>
-            <a:br>
-              <a:rPr lang="en-US"/>
-            </a:br>
-            <a:r>
-              <a:rPr lang="en-US"/>
-              <a:t>PADA SNR rendah (0 DB)</a:t>
-            </a:r>
-            <a:endParaRPr lang="en-ID"/>
-          </a:p>
-        </p:txBody>
-      </p:sp>
-      <p:sp>
-        <p:nvSpPr>
-          <p:cNvPr id="3" name="Content Placeholder 2">
-            <a:extLst>
-              <a:ext uri="{FF2B5EF4-FFF2-40B4-BE49-F238E27FC236}">
-                <a16:creationId xmlns:a16="http://schemas.microsoft.com/office/drawing/2014/main" id="{DD5BC0E6-7501-41FC-B6B9-6A112D021DD3}"/>
-              </a:ext>
-            </a:extLst>
-          </p:cNvPr>
-          <p:cNvSpPr>
-            <a:spLocks noGrp="1"/>
-          </p:cNvSpPr>
-          <p:nvPr>
-            <p:ph idx="1"/>
-          </p:nvPr>
-        </p:nvSpPr>
-        <p:spPr>
-          <a:xfrm>
-            <a:off x="6373091" y="2180496"/>
-            <a:ext cx="5237716" cy="3678303"/>
-          </a:xfrm>
-        </p:spPr>
-        <p:txBody>
-          <a:bodyPr/>
-          <a:lstStyle/>
-          <a:p>
-            <a:r>
-              <a:rPr lang="en-US"/>
-              <a:t>SNR downlink = 0 dB.</a:t>
-            </a:r>
-          </a:p>
-          <a:p>
-            <a:r>
-              <a:rPr lang="en-US"/>
-              <a:t>Secara keseluruhan, efisiensi spektrum akan mengalami penurunan apabila SNR downlink turun.</a:t>
-            </a:r>
-          </a:p>
-          <a:p>
-            <a:r>
-              <a:rPr lang="en-US"/>
-              <a:t>Pada SNR yang rendah, MMSE bekerja lebih baik daripada ZF dan MRT.</a:t>
-            </a:r>
-          </a:p>
-          <a:p>
-            <a:pPr marL="0" indent="0">
-              <a:buNone/>
-            </a:pPr>
-            <a:endParaRPr lang="en-ID"/>
-          </a:p>
-        </p:txBody>
-      </p:sp>
-      <p:pic>
-        <p:nvPicPr>
-          <p:cNvPr id="4" name="Picture 3">
-            <a:extLst>
-              <a:ext uri="{FF2B5EF4-FFF2-40B4-BE49-F238E27FC236}">
-                <a16:creationId xmlns:a16="http://schemas.microsoft.com/office/drawing/2014/main" id="{120E6572-3E12-46B9-93A5-4258EDCDB241}"/>
-              </a:ext>
-            </a:extLst>
-          </p:cNvPr>
-          <p:cNvPicPr/>
-          <p:nvPr/>
-        </p:nvPicPr>
-        <p:blipFill rotWithShape="1">
-          <a:blip r:embed="rId2">
-            <a:extLst>
-              <a:ext uri="{28A0092B-C50C-407E-A947-70E740481C1C}">
-                <a14:useLocalDpi xmlns:a14="http://schemas.microsoft.com/office/drawing/2010/main" val="0"/>
-              </a:ext>
-            </a:extLst>
-          </a:blip>
-          <a:srcRect l="2506" t="4952" r="5353"/>
-          <a:stretch/>
-        </p:blipFill>
-        <p:spPr bwMode="auto">
-          <a:xfrm>
-            <a:off x="387927" y="2050472"/>
-            <a:ext cx="5834334" cy="4516582"/>
-          </a:xfrm>
-          <a:prstGeom prst="rect">
-            <a:avLst/>
-          </a:prstGeom>
-          <a:noFill/>
-          <a:ln>
-            <a:noFill/>
-          </a:ln>
-        </p:spPr>
-      </p:pic>
-    </p:spTree>
-    <p:extLst>
-      <p:ext uri="{BB962C8B-B14F-4D97-AF65-F5344CB8AC3E}">
-        <p14:creationId xmlns:p14="http://schemas.microsoft.com/office/powerpoint/2010/main" val="1462885721"/>
-      </p:ext>
-    </p:extLst>
-  </p:cSld>
-  <p:clrMapOvr>
-    <a:masterClrMapping/>
-  </p:clrMapOvr>
-</p:sld>
-</file>
-
-<file path=ppt/slides/slide24.xml><?xml version="1.0" encoding="utf-8"?>
-<p:sld xmlns:a="http://schemas.openxmlformats.org/drawingml/2006/main" xmlns:r="http://schemas.openxmlformats.org/officeDocument/2006/relationships" xmlns:p="http://schemas.openxmlformats.org/presentationml/2006/main">
-  <p:cSld>
-    <p:spTree>
-      <p:nvGrpSpPr>
-        <p:cNvPr id="1" name=""/>
-        <p:cNvGrpSpPr/>
-        <p:nvPr/>
-      </p:nvGrpSpPr>
-      <p:grpSpPr>
-        <a:xfrm>
-          <a:off x="0" y="0"/>
-          <a:ext cx="0" cy="0"/>
-          <a:chOff x="0" y="0"/>
-          <a:chExt cx="0" cy="0"/>
-        </a:xfrm>
-      </p:grpSpPr>
-      <p:sp>
-        <p:nvSpPr>
-          <p:cNvPr id="2" name="Title 1">
-            <a:extLst>
-              <a:ext uri="{FF2B5EF4-FFF2-40B4-BE49-F238E27FC236}">
-                <a16:creationId xmlns:a16="http://schemas.microsoft.com/office/drawing/2014/main" id="{F3B4CE03-0339-44EA-AD90-F7A61056EF0C}"/>
-              </a:ext>
-            </a:extLst>
-          </p:cNvPr>
-          <p:cNvSpPr>
-            <a:spLocks noGrp="1"/>
-          </p:cNvSpPr>
-          <p:nvPr>
-            <p:ph type="title"/>
-          </p:nvPr>
-        </p:nvSpPr>
-        <p:spPr/>
-        <p:txBody>
-          <a:bodyPr/>
-          <a:lstStyle/>
-          <a:p>
-            <a:pPr algn="ctr"/>
-            <a:r>
-              <a:rPr lang="en-US"/>
-              <a:t>EFISIENSI SPEKTRUM MU-MASSIVE MIMO KANAL ur-los</a:t>
-            </a:r>
-            <a:br>
-              <a:rPr lang="en-US"/>
-            </a:br>
-            <a:r>
-              <a:rPr lang="en-US"/>
-              <a:t>PADA SNR TINGGI (10DB)</a:t>
-            </a:r>
-            <a:endParaRPr lang="en-ID"/>
-          </a:p>
-        </p:txBody>
-      </p:sp>
-      <p:sp>
-        <p:nvSpPr>
-          <p:cNvPr id="3" name="Content Placeholder 2">
-            <a:extLst>
-              <a:ext uri="{FF2B5EF4-FFF2-40B4-BE49-F238E27FC236}">
-                <a16:creationId xmlns:a16="http://schemas.microsoft.com/office/drawing/2014/main" id="{43828BBB-14B6-4667-8A53-B9AC188C8F37}"/>
-              </a:ext>
-            </a:extLst>
-          </p:cNvPr>
-          <p:cNvSpPr>
-            <a:spLocks noGrp="1"/>
-          </p:cNvSpPr>
-          <p:nvPr>
-            <p:ph idx="1"/>
-          </p:nvPr>
-        </p:nvSpPr>
-        <p:spPr>
-          <a:xfrm>
-            <a:off x="6733309" y="2180496"/>
-            <a:ext cx="4877498" cy="3678303"/>
-          </a:xfrm>
-        </p:spPr>
-        <p:txBody>
-          <a:bodyPr/>
-          <a:lstStyle/>
-          <a:p>
-            <a:r>
-              <a:rPr lang="en-US"/>
-              <a:t>Efisiensi spektrum pada kanal UR-LOS  memiliki tren kenaikan yang hampir sama dengan kanak Rayleigh.</a:t>
-            </a:r>
-          </a:p>
-          <a:p>
-            <a:r>
-              <a:rPr lang="en-US"/>
-              <a:t>Pada SNR tinggi, MMSE dan ZF bekerja dengan optimal dan menghasilkan efisiensi spektrum yang hampir sama.</a:t>
-            </a:r>
-          </a:p>
-          <a:p>
-            <a:pPr marL="0" indent="0">
-              <a:buNone/>
-            </a:pPr>
-            <a:endParaRPr lang="en-ID"/>
-          </a:p>
-        </p:txBody>
-      </p:sp>
-      <p:pic>
-        <p:nvPicPr>
-          <p:cNvPr id="4" name="Picture 3">
-            <a:extLst>
-              <a:ext uri="{FF2B5EF4-FFF2-40B4-BE49-F238E27FC236}">
-                <a16:creationId xmlns:a16="http://schemas.microsoft.com/office/drawing/2014/main" id="{1DE3C45A-E924-45A6-A8A0-A238E93CE3B4}"/>
-              </a:ext>
-            </a:extLst>
-          </p:cNvPr>
-          <p:cNvPicPr/>
-          <p:nvPr/>
-        </p:nvPicPr>
-        <p:blipFill rotWithShape="1">
-          <a:blip r:embed="rId2">
-            <a:extLst>
-              <a:ext uri="{28A0092B-C50C-407E-A947-70E740481C1C}">
-                <a14:useLocalDpi xmlns:a14="http://schemas.microsoft.com/office/drawing/2010/main" val="0"/>
-              </a:ext>
-            </a:extLst>
-          </a:blip>
-          <a:srcRect l="3889" t="4293" r="6857"/>
-          <a:stretch/>
-        </p:blipFill>
-        <p:spPr bwMode="auto">
-          <a:xfrm>
-            <a:off x="318656" y="1897050"/>
-            <a:ext cx="5905438" cy="4642295"/>
-          </a:xfrm>
-          <a:prstGeom prst="rect">
-            <a:avLst/>
-          </a:prstGeom>
-          <a:noFill/>
-          <a:ln>
-            <a:noFill/>
-          </a:ln>
-          <a:extLst>
-            <a:ext uri="{53640926-AAD7-44D8-BBD7-CCE9431645EC}">
-              <a14:shadowObscured xmlns:a14="http://schemas.microsoft.com/office/drawing/2010/main"/>
-            </a:ext>
-          </a:extLst>
-        </p:spPr>
-      </p:pic>
-    </p:spTree>
-    <p:extLst>
-      <p:ext uri="{BB962C8B-B14F-4D97-AF65-F5344CB8AC3E}">
-        <p14:creationId xmlns:p14="http://schemas.microsoft.com/office/powerpoint/2010/main" val="847071348"/>
-      </p:ext>
-    </p:extLst>
-  </p:cSld>
-  <p:clrMapOvr>
-    <a:masterClrMapping/>
-  </p:clrMapOvr>
-</p:sld>
-</file>
-
-<file path=ppt/slides/slide25.xml><?xml version="1.0" encoding="utf-8"?>
-<p:sld xmlns:a="http://schemas.openxmlformats.org/drawingml/2006/main" xmlns:r="http://schemas.openxmlformats.org/officeDocument/2006/relationships" xmlns:p="http://schemas.openxmlformats.org/presentationml/2006/main">
-  <p:cSld>
-    <p:spTree>
-      <p:nvGrpSpPr>
-        <p:cNvPr id="1" name=""/>
-        <p:cNvGrpSpPr/>
-        <p:nvPr/>
-      </p:nvGrpSpPr>
-      <p:grpSpPr>
-        <a:xfrm>
-          <a:off x="0" y="0"/>
-          <a:ext cx="0" cy="0"/>
-          <a:chOff x="0" y="0"/>
-          <a:chExt cx="0" cy="0"/>
-        </a:xfrm>
-      </p:grpSpPr>
-      <p:sp>
-        <p:nvSpPr>
-          <p:cNvPr id="2" name="Title 1">
-            <a:extLst>
-              <a:ext uri="{FF2B5EF4-FFF2-40B4-BE49-F238E27FC236}">
                 <a16:creationId xmlns:a16="http://schemas.microsoft.com/office/drawing/2014/main" id="{C6707379-89AA-4777-B51D-36B8AD00190E}"/>
               </a:ext>
             </a:extLst>
@@ -13643,6 +12529,20 @@
         <p:txBody>
           <a:bodyPr/>
           <a:lstStyle/>
+          <a:p>
+            <a:r>
+              <a:rPr lang="en-US"/>
+              <a:t>SNR = 10 dB, </a:t>
+            </a:r>
+            <a:r>
+              <a:rPr lang="en-US" i="1"/>
+              <a:t>K= </a:t>
+            </a:r>
+            <a:r>
+              <a:rPr lang="en-US"/>
+              <a:t>30.</a:t>
+            </a:r>
+          </a:p>
           <a:p>
             <a:r>
               <a:rPr lang="en-US"/>
@@ -13713,7 +12613,7 @@
 </p:sld>
 </file>
 
-<file path=ppt/slides/slide26.xml><?xml version="1.0" encoding="utf-8"?>
+<file path=ppt/slides/slide22.xml><?xml version="1.0" encoding="utf-8"?>
 <p:sld xmlns:a="http://schemas.openxmlformats.org/drawingml/2006/main" xmlns:r="http://schemas.openxmlformats.org/officeDocument/2006/relationships" xmlns:p="http://schemas.openxmlformats.org/presentationml/2006/main">
   <p:cSld>
     <p:spTree>
@@ -13743,10 +12643,15 @@
             <a:spLocks noGrp="1"/>
           </p:cNvSpPr>
           <p:nvPr>
-            <p:ph type="title"/>
+            <p:ph type="title" idx="4294967295"/>
           </p:nvPr>
         </p:nvSpPr>
-        <p:spPr/>
+        <p:spPr>
+          <a:xfrm>
+            <a:off x="0" y="701675"/>
+            <a:ext cx="11029950" cy="1014413"/>
+          </a:xfrm>
+        </p:spPr>
         <p:txBody>
           <a:bodyPr/>
           <a:lstStyle/>
@@ -13780,13 +12685,13 @@
               </a:ext>
             </a:extLst>
           </a:blip>
-          <a:srcRect t="4084"/>
+          <a:srcRect l="2571" t="4084" r="6191"/>
           <a:stretch/>
         </p:blipFill>
         <p:spPr bwMode="auto">
           <a:xfrm>
-            <a:off x="199423" y="2331665"/>
-            <a:ext cx="5796276" cy="4171892"/>
+            <a:off x="3466946" y="3441098"/>
+            <a:ext cx="4331368" cy="3416902"/>
           </a:xfrm>
           <a:prstGeom prst="rect">
             <a:avLst/>
@@ -13827,8 +12732,8 @@
         </p:blipFill>
         <p:spPr bwMode="auto">
           <a:xfrm>
-            <a:off x="6196303" y="2331665"/>
-            <a:ext cx="5178617" cy="4171892"/>
+            <a:off x="3511911" y="154538"/>
+            <a:ext cx="4241439" cy="3416901"/>
           </a:xfrm>
           <a:prstGeom prst="rect">
             <a:avLst/>
@@ -13853,7 +12758,7 @@
         </p:nvSpPr>
         <p:spPr>
           <a:xfrm>
-            <a:off x="2359314" y="2034766"/>
+            <a:off x="5148895" y="3571439"/>
             <a:ext cx="1476494" cy="369332"/>
           </a:xfrm>
           <a:prstGeom prst="rect">
@@ -13889,7 +12794,7 @@
         </p:nvSpPr>
         <p:spPr>
           <a:xfrm>
-            <a:off x="7981089" y="2034766"/>
+            <a:off x="5050149" y="339203"/>
             <a:ext cx="1851597" cy="369332"/>
           </a:xfrm>
           <a:prstGeom prst="rect">
@@ -13908,6 +12813,170 @@
               <a:t>Precoding MMSE</a:t>
             </a:r>
             <a:endParaRPr lang="en-ID"/>
+          </a:p>
+        </p:txBody>
+      </p:sp>
+      <p:pic>
+        <p:nvPicPr>
+          <p:cNvPr id="8" name="Picture 7">
+            <a:extLst>
+              <a:ext uri="{FF2B5EF4-FFF2-40B4-BE49-F238E27FC236}">
+                <a16:creationId xmlns:a16="http://schemas.microsoft.com/office/drawing/2014/main" id="{6663817D-7AC5-46C6-B4BC-6308037D984F}"/>
+              </a:ext>
+            </a:extLst>
+          </p:cNvPr>
+          <p:cNvPicPr>
+            <a:picLocks noChangeAspect="1"/>
+          </p:cNvPicPr>
+          <p:nvPr/>
+        </p:nvPicPr>
+        <p:blipFill rotWithShape="1">
+          <a:blip r:embed="rId4"/>
+          <a:srcRect l="3508" t="4458" r="6104"/>
+          <a:stretch/>
+        </p:blipFill>
+        <p:spPr>
+          <a:xfrm>
+            <a:off x="7812505" y="1552847"/>
+            <a:ext cx="4310220" cy="3416903"/>
+          </a:xfrm>
+          <a:prstGeom prst="rect">
+            <a:avLst/>
+          </a:prstGeom>
+        </p:spPr>
+      </p:pic>
+      <p:sp>
+        <p:nvSpPr>
+          <p:cNvPr id="9" name="TextBox 8">
+            <a:extLst>
+              <a:ext uri="{FF2B5EF4-FFF2-40B4-BE49-F238E27FC236}">
+                <a16:creationId xmlns:a16="http://schemas.microsoft.com/office/drawing/2014/main" id="{CBB4C27A-2061-4C78-B893-89EA13A25768}"/>
+              </a:ext>
+            </a:extLst>
+          </p:cNvPr>
+          <p:cNvSpPr txBox="1"/>
+          <p:nvPr/>
+        </p:nvSpPr>
+        <p:spPr>
+          <a:xfrm>
+            <a:off x="9123185" y="1307312"/>
+            <a:ext cx="1688860" cy="369332"/>
+          </a:xfrm>
+          <a:prstGeom prst="rect">
+            <a:avLst/>
+          </a:prstGeom>
+          <a:noFill/>
+        </p:spPr>
+        <p:txBody>
+          <a:bodyPr wrap="none" rtlCol="0">
+            <a:spAutoFit/>
+          </a:bodyPr>
+          <a:lstStyle/>
+          <a:p>
+            <a:r>
+              <a:rPr lang="en-US"/>
+              <a:t>Precoding MRT</a:t>
+            </a:r>
+            <a:endParaRPr lang="en-ID"/>
+          </a:p>
+        </p:txBody>
+      </p:sp>
+      <p:sp>
+        <p:nvSpPr>
+          <p:cNvPr id="3" name="Rectangle 2">
+            <a:extLst>
+              <a:ext uri="{FF2B5EF4-FFF2-40B4-BE49-F238E27FC236}">
+                <a16:creationId xmlns:a16="http://schemas.microsoft.com/office/drawing/2014/main" id="{15A91C6F-63CA-4296-8193-C5583F3B7E1C}"/>
+              </a:ext>
+            </a:extLst>
+          </p:cNvPr>
+          <p:cNvSpPr/>
+          <p:nvPr/>
+        </p:nvSpPr>
+        <p:spPr>
+          <a:xfrm>
+            <a:off x="263692" y="2575190"/>
+            <a:ext cx="3294493" cy="1384995"/>
+          </a:xfrm>
+          <a:prstGeom prst="rect">
+            <a:avLst/>
+          </a:prstGeom>
+          <a:noFill/>
+        </p:spPr>
+        <p:txBody>
+          <a:bodyPr wrap="none" lIns="91440" tIns="45720" rIns="91440" bIns="45720">
+            <a:spAutoFit/>
+          </a:bodyPr>
+          <a:lstStyle/>
+          <a:p>
+            <a:pPr algn="ctr"/>
+            <a:r>
+              <a:rPr lang="en-US" sz="2800" b="1">
+                <a:ln w="0"/>
+                <a:solidFill>
+                  <a:schemeClr val="accent1"/>
+                </a:solidFill>
+                <a:effectLst>
+                  <a:outerShdw blurRad="38100" dist="25400" dir="5400000" algn="ctr" rotWithShape="0">
+                    <a:srgbClr val="6E747A">
+                      <a:alpha val="43000"/>
+                    </a:srgbClr>
+                  </a:outerShdw>
+                </a:effectLst>
+              </a:rPr>
+              <a:t>Efisiensi Spektrum</a:t>
+            </a:r>
+          </a:p>
+          <a:p>
+            <a:pPr algn="ctr"/>
+            <a:r>
+              <a:rPr lang="en-US" sz="2800" b="1" cap="none" spc="0">
+                <a:ln w="0"/>
+                <a:solidFill>
+                  <a:schemeClr val="accent1"/>
+                </a:solidFill>
+                <a:effectLst>
+                  <a:outerShdw blurRad="38100" dist="25400" dir="5400000" algn="ctr" rotWithShape="0">
+                    <a:srgbClr val="6E747A">
+                      <a:alpha val="43000"/>
+                    </a:srgbClr>
+                  </a:outerShdw>
+                </a:effectLst>
+              </a:rPr>
+              <a:t>Vs.</a:t>
+            </a:r>
+          </a:p>
+          <a:p>
+            <a:pPr algn="ctr"/>
+            <a:r>
+              <a:rPr lang="en-US" sz="2800" b="1">
+                <a:ln w="0"/>
+                <a:solidFill>
+                  <a:schemeClr val="accent1"/>
+                </a:solidFill>
+                <a:effectLst>
+                  <a:outerShdw blurRad="38100" dist="25400" dir="5400000" algn="ctr" rotWithShape="0">
+                    <a:srgbClr val="6E747A">
+                      <a:alpha val="43000"/>
+                    </a:srgbClr>
+                  </a:outerShdw>
+                </a:effectLst>
+              </a:rPr>
+              <a:t>Jumlah User</a:t>
+            </a:r>
+            <a:endParaRPr lang="en-US" sz="2800" b="1" cap="none" spc="0">
+              <a:ln w="0"/>
+              <a:solidFill>
+                <a:schemeClr val="accent1"/>
+              </a:solidFill>
+              <a:effectLst>
+                <a:outerShdw blurRad="38100" dist="25400" dir="5400000" algn="ctr" rotWithShape="0">
+                  <a:srgbClr val="6E747A">
+                    <a:alpha val="43000"/>
+                  </a:srgbClr>
+                </a:outerShdw>
+              </a:effectLst>
+            </a:endParaRPr>
           </a:p>
         </p:txBody>
       </p:sp>
@@ -13924,7 +12993,7 @@
 </p:sld>
 </file>
 
-<file path=ppt/slides/slide27.xml><?xml version="1.0" encoding="utf-8"?>
+<file path=ppt/slides/slide23.xml><?xml version="1.0" encoding="utf-8"?>
 <p:sld xmlns:a="http://schemas.openxmlformats.org/drawingml/2006/main" xmlns:r="http://schemas.openxmlformats.org/officeDocument/2006/relationships" xmlns:p="http://schemas.openxmlformats.org/presentationml/2006/main">
   <p:cSld>
     <p:spTree>
@@ -13946,131 +13015,6 @@
           <p:cNvPr id="2" name="Title 1">
             <a:extLst>
               <a:ext uri="{FF2B5EF4-FFF2-40B4-BE49-F238E27FC236}">
-                <a16:creationId xmlns:a16="http://schemas.microsoft.com/office/drawing/2014/main" id="{DEB7BEF3-1313-4828-9979-BB1AF75673FC}"/>
-              </a:ext>
-            </a:extLst>
-          </p:cNvPr>
-          <p:cNvSpPr>
-            <a:spLocks noGrp="1"/>
-          </p:cNvSpPr>
-          <p:nvPr>
-            <p:ph type="title"/>
-          </p:nvPr>
-        </p:nvSpPr>
-        <p:spPr/>
-        <p:txBody>
-          <a:bodyPr/>
-          <a:lstStyle/>
-          <a:p>
-            <a:pPr algn="ctr"/>
-            <a:r>
-              <a:rPr lang="en-US"/>
-              <a:t>EFISIENSI SPEKTRUM MASSIVE MIMO VS. JUMLAH USER (cont..)</a:t>
-            </a:r>
-            <a:endParaRPr lang="en-ID"/>
-          </a:p>
-        </p:txBody>
-      </p:sp>
-      <p:pic>
-        <p:nvPicPr>
-          <p:cNvPr id="5" name="Picture 4">
-            <a:extLst>
-              <a:ext uri="{FF2B5EF4-FFF2-40B4-BE49-F238E27FC236}">
-                <a16:creationId xmlns:a16="http://schemas.microsoft.com/office/drawing/2014/main" id="{E6BC64FE-FA2F-4AB1-A958-BC481EFA5B21}"/>
-              </a:ext>
-            </a:extLst>
-          </p:cNvPr>
-          <p:cNvPicPr>
-            <a:picLocks noChangeAspect="1"/>
-          </p:cNvPicPr>
-          <p:nvPr/>
-        </p:nvPicPr>
-        <p:blipFill rotWithShape="1">
-          <a:blip r:embed="rId2"/>
-          <a:srcRect l="3508" t="4458" r="6104"/>
-          <a:stretch/>
-        </p:blipFill>
-        <p:spPr>
-          <a:xfrm>
-            <a:off x="3228108" y="2393403"/>
-            <a:ext cx="5320146" cy="4217516"/>
-          </a:xfrm>
-          <a:prstGeom prst="rect">
-            <a:avLst/>
-          </a:prstGeom>
-        </p:spPr>
-      </p:pic>
-      <p:sp>
-        <p:nvSpPr>
-          <p:cNvPr id="6" name="TextBox 5">
-            <a:extLst>
-              <a:ext uri="{FF2B5EF4-FFF2-40B4-BE49-F238E27FC236}">
-                <a16:creationId xmlns:a16="http://schemas.microsoft.com/office/drawing/2014/main" id="{ADB2F647-A1E8-436B-8559-BA41A6C2D34A}"/>
-              </a:ext>
-            </a:extLst>
-          </p:cNvPr>
-          <p:cNvSpPr txBox="1"/>
-          <p:nvPr/>
-        </p:nvSpPr>
-        <p:spPr>
-          <a:xfrm>
-            <a:off x="5045508" y="2031057"/>
-            <a:ext cx="1688860" cy="369332"/>
-          </a:xfrm>
-          <a:prstGeom prst="rect">
-            <a:avLst/>
-          </a:prstGeom>
-          <a:noFill/>
-        </p:spPr>
-        <p:txBody>
-          <a:bodyPr wrap="none" rtlCol="0">
-            <a:spAutoFit/>
-          </a:bodyPr>
-          <a:lstStyle/>
-          <a:p>
-            <a:r>
-              <a:rPr lang="en-US"/>
-              <a:t>Precoding MRT</a:t>
-            </a:r>
-            <a:endParaRPr lang="en-ID"/>
-          </a:p>
-        </p:txBody>
-      </p:sp>
-    </p:spTree>
-    <p:extLst>
-      <p:ext uri="{BB962C8B-B14F-4D97-AF65-F5344CB8AC3E}">
-        <p14:creationId xmlns:p14="http://schemas.microsoft.com/office/powerpoint/2010/main" val="620766703"/>
-      </p:ext>
-    </p:extLst>
-  </p:cSld>
-  <p:clrMapOvr>
-    <a:masterClrMapping/>
-  </p:clrMapOvr>
-</p:sld>
-</file>
-
-<file path=ppt/slides/slide28.xml><?xml version="1.0" encoding="utf-8"?>
-<p:sld xmlns:a="http://schemas.openxmlformats.org/drawingml/2006/main" xmlns:r="http://schemas.openxmlformats.org/officeDocument/2006/relationships" xmlns:p="http://schemas.openxmlformats.org/presentationml/2006/main">
-  <p:cSld>
-    <p:spTree>
-      <p:nvGrpSpPr>
-        <p:cNvPr id="1" name=""/>
-        <p:cNvGrpSpPr/>
-        <p:nvPr/>
-      </p:nvGrpSpPr>
-      <p:grpSpPr>
-        <a:xfrm>
-          <a:off x="0" y="0"/>
-          <a:ext cx="0" cy="0"/>
-          <a:chOff x="0" y="0"/>
-          <a:chExt cx="0" cy="0"/>
-        </a:xfrm>
-      </p:grpSpPr>
-      <p:sp>
-        <p:nvSpPr>
-          <p:cNvPr id="2" name="Title 1">
-            <a:extLst>
-              <a:ext uri="{FF2B5EF4-FFF2-40B4-BE49-F238E27FC236}">
                 <a16:creationId xmlns:a16="http://schemas.microsoft.com/office/drawing/2014/main" id="{5DE3F898-E148-4AD5-A86D-5CCB934533C0}"/>
               </a:ext>
             </a:extLst>
@@ -14097,347 +13041,18 @@
             </a:br>
             <a:r>
               <a:rPr lang="en-US"/>
-              <a:t>KANAL RAYLEIGH (SNR UPLINK TINGGI)</a:t>
+              <a:t>KANAL RAYLEIGH</a:t>
             </a:r>
             <a:endParaRPr lang="en-ID"/>
           </a:p>
         </p:txBody>
       </p:sp>
-      <mc:AlternateContent xmlns:mc="http://schemas.openxmlformats.org/markup-compatibility/2006" xmlns:a14="http://schemas.microsoft.com/office/drawing/2010/main">
-        <mc:Choice Requires="a14">
-          <p:sp>
-            <p:nvSpPr>
-              <p:cNvPr id="3" name="Content Placeholder 2">
-                <a:extLst>
-                  <a:ext uri="{FF2B5EF4-FFF2-40B4-BE49-F238E27FC236}">
-                    <a16:creationId xmlns:a16="http://schemas.microsoft.com/office/drawing/2014/main" id="{0D79CB46-6160-4ECF-8A16-7E4AD5CF3CE9}"/>
-                  </a:ext>
-                </a:extLst>
-              </p:cNvPr>
-              <p:cNvSpPr>
-                <a:spLocks noGrp="1"/>
-              </p:cNvSpPr>
-              <p:nvPr>
-                <p:ph idx="1"/>
-              </p:nvPr>
-            </p:nvSpPr>
-            <p:spPr>
-              <a:xfrm>
-                <a:off x="6525492" y="2080683"/>
-                <a:ext cx="5306290" cy="4188498"/>
-              </a:xfrm>
-            </p:spPr>
-            <p:txBody>
-              <a:bodyPr>
-                <a:normAutofit fontScale="92500" lnSpcReduction="10000"/>
-              </a:bodyPr>
-              <a:lstStyle/>
-              <a:p>
-                <a:r>
-                  <a:rPr lang="en-US" sz="2000"/>
-                  <a:t>Secara praktikal, tidak ada kondisi perfect CSI, karena BTS perlu melakukan proses estimasi kanal.</a:t>
-                </a:r>
-              </a:p>
-              <a:p>
-                <a:r>
-                  <a:rPr lang="en-US" sz="2000"/>
-                  <a:t>Adanya ketidaksempurnaan hasil estimasi kanal karena adanya noise ini dinamakan kondisi imperfect CSI.</a:t>
-                </a:r>
-              </a:p>
-              <a:p>
-                <a:r>
-                  <a:rPr lang="en-US" sz="2000"/>
-                  <a:t>Pada kondisi ini, masing-masing user mentransmisikan pilot sebanyak 30 (</a:t>
-                </a:r>
-                <a14:m>
-                  <m:oMath xmlns:m="http://schemas.openxmlformats.org/officeDocument/2006/math">
-                    <m:sSub>
-                      <m:sSubPr>
-                        <m:ctrlPr>
-                          <a:rPr lang="en-ID" sz="2000" i="1" smtClean="0">
-                            <a:effectLst/>
-                            <a:latin typeface="Cambria Math" panose="02040503050406030204" pitchFamily="18" charset="0"/>
-                            <a:cs typeface="Times New Roman" panose="02020603050405020304" pitchFamily="18" charset="0"/>
-                          </a:rPr>
-                        </m:ctrlPr>
-                      </m:sSubPr>
-                      <m:e>
-                        <m:r>
-                          <a:rPr lang="id-ID" sz="2000" i="1">
-                            <a:effectLst/>
-                            <a:latin typeface="Cambria Math" panose="02040503050406030204" pitchFamily="18" charset="0"/>
-                            <a:ea typeface="Calibri" panose="020F0502020204030204" pitchFamily="34" charset="0"/>
-                            <a:cs typeface="Times New Roman" panose="02020603050405020304" pitchFamily="18" charset="0"/>
-                          </a:rPr>
-                          <m:t>𝜏</m:t>
-                        </m:r>
-                      </m:e>
-                      <m:sub>
-                        <m:r>
-                          <a:rPr lang="id-ID" sz="2000" i="1">
-                            <a:effectLst/>
-                            <a:latin typeface="Cambria Math" panose="02040503050406030204" pitchFamily="18" charset="0"/>
-                            <a:ea typeface="Calibri" panose="020F0502020204030204" pitchFamily="34" charset="0"/>
-                            <a:cs typeface="Times New Roman" panose="02020603050405020304" pitchFamily="18" charset="0"/>
-                          </a:rPr>
-                          <m:t>𝑝</m:t>
-                        </m:r>
-                      </m:sub>
-                    </m:sSub>
-                    <m:r>
-                      <a:rPr lang="id-ID" sz="2000" i="1">
-                        <a:effectLst/>
-                        <a:latin typeface="Cambria Math" panose="02040503050406030204" pitchFamily="18" charset="0"/>
-                        <a:ea typeface="Calibri" panose="020F0502020204030204" pitchFamily="34" charset="0"/>
-                        <a:cs typeface="Times New Roman" panose="02020603050405020304" pitchFamily="18" charset="0"/>
-                      </a:rPr>
-                      <m:t>≥</m:t>
-                    </m:r>
-                    <m:r>
-                      <a:rPr lang="id-ID" sz="2000" i="1">
-                        <a:effectLst/>
-                        <a:latin typeface="Cambria Math" panose="02040503050406030204" pitchFamily="18" charset="0"/>
-                        <a:ea typeface="Calibri" panose="020F0502020204030204" pitchFamily="34" charset="0"/>
-                        <a:cs typeface="Times New Roman" panose="02020603050405020304" pitchFamily="18" charset="0"/>
-                      </a:rPr>
-                      <m:t>𝐾</m:t>
-                    </m:r>
-                  </m:oMath>
-                </a14:m>
-                <a:r>
-                  <a:rPr lang="en-US" sz="2000"/>
-                  <a:t>).</a:t>
-                </a:r>
-              </a:p>
-              <a:p>
-                <a:r>
-                  <a:rPr lang="en-US" sz="2000"/>
-                  <a:t>SNR downlink = 10 dB dan SNR uplink = 10dB</a:t>
-                </a:r>
-              </a:p>
-              <a:p>
-                <a:r>
-                  <a:rPr lang="en-US" sz="2000"/>
-                  <a:t>Pada SNR uplink yang tinggi, hasil estimasi kanal lebih akurat.</a:t>
-                </a:r>
-              </a:p>
-              <a:p>
-                <a:r>
-                  <a:rPr lang="en-US" sz="2000"/>
-                  <a:t>Efisiensi spektrum pada kondisi imperfect CSI hampir sama dengan kondisi perfect CSI</a:t>
-                </a:r>
-              </a:p>
-            </p:txBody>
-          </p:sp>
-        </mc:Choice>
-        <mc:Fallback xmlns="">
-          <p:sp>
-            <p:nvSpPr>
-              <p:cNvPr id="3" name="Content Placeholder 2">
-                <a:extLst>
-                  <a:ext uri="{FF2B5EF4-FFF2-40B4-BE49-F238E27FC236}">
-                    <a16:creationId xmlns:a16="http://schemas.microsoft.com/office/drawing/2014/main" id="{0D79CB46-6160-4ECF-8A16-7E4AD5CF3CE9}"/>
-                  </a:ext>
-                </a:extLst>
-              </p:cNvPr>
-              <p:cNvSpPr>
-                <a:spLocks noGrp="1" noRot="1" noChangeAspect="1" noMove="1" noResize="1" noEditPoints="1" noAdjustHandles="1" noChangeArrowheads="1" noChangeShapeType="1" noTextEdit="1"/>
-              </p:cNvSpPr>
-              <p:nvPr>
-                <p:ph idx="1"/>
-              </p:nvPr>
-            </p:nvSpPr>
-            <p:spPr>
-              <a:xfrm>
-                <a:off x="6525492" y="2080683"/>
-                <a:ext cx="5306290" cy="4188498"/>
-              </a:xfrm>
-              <a:blipFill>
-                <a:blip r:embed="rId2"/>
-                <a:stretch>
-                  <a:fillRect l="-459" t="-1164" r="-344" b="-2329"/>
-                </a:stretch>
-              </a:blipFill>
-            </p:spPr>
-            <p:txBody>
-              <a:bodyPr/>
-              <a:lstStyle/>
-              <a:p>
-                <a:r>
-                  <a:rPr lang="en-ID">
-                    <a:noFill/>
-                  </a:rPr>
-                  <a:t> </a:t>
-                </a:r>
-              </a:p>
-            </p:txBody>
-          </p:sp>
-        </mc:Fallback>
-      </mc:AlternateContent>
       <p:pic>
         <p:nvPicPr>
           <p:cNvPr id="4" name="Picture 3">
             <a:extLst>
               <a:ext uri="{FF2B5EF4-FFF2-40B4-BE49-F238E27FC236}">
                 <a16:creationId xmlns:a16="http://schemas.microsoft.com/office/drawing/2014/main" id="{E9278EAE-7591-4D70-A4AD-2DDC987F6921}"/>
-              </a:ext>
-            </a:extLst>
-          </p:cNvPr>
-          <p:cNvPicPr/>
-          <p:nvPr/>
-        </p:nvPicPr>
-        <p:blipFill rotWithShape="1">
-          <a:blip r:embed="rId3">
-            <a:extLst>
-              <a:ext uri="{28A0092B-C50C-407E-A947-70E740481C1C}">
-                <a14:useLocalDpi xmlns:a14="http://schemas.microsoft.com/office/drawing/2010/main" val="0"/>
-              </a:ext>
-            </a:extLst>
-          </a:blip>
-          <a:srcRect l="4999" t="4326" r="6865"/>
-          <a:stretch/>
-        </p:blipFill>
-        <p:spPr bwMode="auto">
-          <a:xfrm>
-            <a:off x="360218" y="2080683"/>
-            <a:ext cx="5832763" cy="4641273"/>
-          </a:xfrm>
-          <a:prstGeom prst="rect">
-            <a:avLst/>
-          </a:prstGeom>
-          <a:noFill/>
-          <a:ln>
-            <a:noFill/>
-          </a:ln>
-          <a:extLst>
-            <a:ext uri="{53640926-AAD7-44D8-BBD7-CCE9431645EC}">
-              <a14:shadowObscured xmlns:a14="http://schemas.microsoft.com/office/drawing/2010/main"/>
-            </a:ext>
-          </a:extLst>
-        </p:spPr>
-      </p:pic>
-    </p:spTree>
-    <p:extLst>
-      <p:ext uri="{BB962C8B-B14F-4D97-AF65-F5344CB8AC3E}">
-        <p14:creationId xmlns:p14="http://schemas.microsoft.com/office/powerpoint/2010/main" val="2334268360"/>
-      </p:ext>
-    </p:extLst>
-  </p:cSld>
-  <p:clrMapOvr>
-    <a:masterClrMapping/>
-  </p:clrMapOvr>
-</p:sld>
-</file>
-
-<file path=ppt/slides/slide29.xml><?xml version="1.0" encoding="utf-8"?>
-<p:sld xmlns:a="http://schemas.openxmlformats.org/drawingml/2006/main" xmlns:r="http://schemas.openxmlformats.org/officeDocument/2006/relationships" xmlns:p="http://schemas.openxmlformats.org/presentationml/2006/main">
-  <p:cSld>
-    <p:spTree>
-      <p:nvGrpSpPr>
-        <p:cNvPr id="1" name=""/>
-        <p:cNvGrpSpPr/>
-        <p:nvPr/>
-      </p:nvGrpSpPr>
-      <p:grpSpPr>
-        <a:xfrm>
-          <a:off x="0" y="0"/>
-          <a:ext cx="0" cy="0"/>
-          <a:chOff x="0" y="0"/>
-          <a:chExt cx="0" cy="0"/>
-        </a:xfrm>
-      </p:grpSpPr>
-      <p:sp>
-        <p:nvSpPr>
-          <p:cNvPr id="2" name="Title 1">
-            <a:extLst>
-              <a:ext uri="{FF2B5EF4-FFF2-40B4-BE49-F238E27FC236}">
-                <a16:creationId xmlns:a16="http://schemas.microsoft.com/office/drawing/2014/main" id="{3753F9CE-E903-44D6-A7F2-FAA52EA5CF1B}"/>
-              </a:ext>
-            </a:extLst>
-          </p:cNvPr>
-          <p:cNvSpPr>
-            <a:spLocks noGrp="1"/>
-          </p:cNvSpPr>
-          <p:nvPr>
-            <p:ph type="title"/>
-          </p:nvPr>
-        </p:nvSpPr>
-        <p:spPr/>
-        <p:txBody>
-          <a:bodyPr/>
-          <a:lstStyle/>
-          <a:p>
-            <a:pPr algn="ctr"/>
-            <a:r>
-              <a:rPr lang="en-US"/>
-              <a:t>Efisiensi spektrum massive MIMO KONDISI IMPERFECT CSI</a:t>
-            </a:r>
-            <a:br>
-              <a:rPr lang="en-US"/>
-            </a:br>
-            <a:r>
-              <a:rPr lang="en-US"/>
-              <a:t>KANAL RAYLEIGH (SNR UPLINK RENDAH)</a:t>
-            </a:r>
-            <a:endParaRPr lang="en-ID"/>
-          </a:p>
-        </p:txBody>
-      </p:sp>
-      <p:sp>
-        <p:nvSpPr>
-          <p:cNvPr id="3" name="Content Placeholder 2">
-            <a:extLst>
-              <a:ext uri="{FF2B5EF4-FFF2-40B4-BE49-F238E27FC236}">
-                <a16:creationId xmlns:a16="http://schemas.microsoft.com/office/drawing/2014/main" id="{87DEE883-8469-45F7-80C6-E5A1549126CC}"/>
-              </a:ext>
-            </a:extLst>
-          </p:cNvPr>
-          <p:cNvSpPr>
-            <a:spLocks noGrp="1"/>
-          </p:cNvSpPr>
-          <p:nvPr>
-            <p:ph idx="1"/>
-          </p:nvPr>
-        </p:nvSpPr>
-        <p:spPr>
-          <a:xfrm>
-            <a:off x="6379395" y="2180496"/>
-            <a:ext cx="5231412" cy="3678303"/>
-          </a:xfrm>
-        </p:spPr>
-        <p:txBody>
-          <a:bodyPr/>
-          <a:lstStyle/>
-          <a:p>
-            <a:r>
-              <a:rPr lang="en-US" sz="1800"/>
-              <a:t>SNR downlink = 10dB dan SNR uplink = -5 dB</a:t>
-            </a:r>
-          </a:p>
-          <a:p>
-            <a:r>
-              <a:rPr lang="en-US"/>
-              <a:t>Error estimasi kanal akan semakin besar apabila SNR uplink turun</a:t>
-            </a:r>
-            <a:endParaRPr lang="en-US" sz="1800"/>
-          </a:p>
-          <a:p>
-            <a:r>
-              <a:rPr lang="en-US" sz="1800"/>
-              <a:t>Efisiensi spektrum pada kondisi imperfect CSI lebih rendah daripada kondisi perfect CSI.</a:t>
-            </a:r>
-          </a:p>
-          <a:p>
-            <a:endParaRPr lang="en-ID"/>
-          </a:p>
-        </p:txBody>
-      </p:sp>
-      <p:pic>
-        <p:nvPicPr>
-          <p:cNvPr id="4" name="Picture 3">
-            <a:extLst>
-              <a:ext uri="{FF2B5EF4-FFF2-40B4-BE49-F238E27FC236}">
-                <a16:creationId xmlns:a16="http://schemas.microsoft.com/office/drawing/2014/main" id="{5C302311-F100-4762-8E58-C1F3BEFBA8D9}"/>
               </a:ext>
             </a:extLst>
           </p:cNvPr>
@@ -14452,431 +13067,13 @@
               </a:ext>
             </a:extLst>
           </a:blip>
-          <a:srcRect l="2762" t="4986" r="4626"/>
+          <a:srcRect l="4999" t="4326" r="6865"/>
           <a:stretch/>
         </p:blipFill>
         <p:spPr bwMode="auto">
           <a:xfrm>
-            <a:off x="138544" y="1949767"/>
-            <a:ext cx="5957456" cy="4586064"/>
-          </a:xfrm>
-          <a:prstGeom prst="rect">
-            <a:avLst/>
-          </a:prstGeom>
-          <a:noFill/>
-          <a:ln>
-            <a:noFill/>
-          </a:ln>
-          <a:extLst>
-            <a:ext uri="{53640926-AAD7-44D8-BBD7-CCE9431645EC}">
-              <a14:shadowObscured xmlns:a14="http://schemas.microsoft.com/office/drawing/2010/main"/>
-            </a:ext>
-          </a:extLst>
-        </p:spPr>
-      </p:pic>
-    </p:spTree>
-    <p:extLst>
-      <p:ext uri="{BB962C8B-B14F-4D97-AF65-F5344CB8AC3E}">
-        <p14:creationId xmlns:p14="http://schemas.microsoft.com/office/powerpoint/2010/main" val="3758267966"/>
-      </p:ext>
-    </p:extLst>
-  </p:cSld>
-  <p:clrMapOvr>
-    <a:masterClrMapping/>
-  </p:clrMapOvr>
-</p:sld>
-</file>
-
-<file path=ppt/slides/slide3.xml><?xml version="1.0" encoding="utf-8"?>
-<p:sld xmlns:a="http://schemas.openxmlformats.org/drawingml/2006/main" xmlns:r="http://schemas.openxmlformats.org/officeDocument/2006/relationships" xmlns:p="http://schemas.openxmlformats.org/presentationml/2006/main">
-  <p:cSld>
-    <p:spTree>
-      <p:nvGrpSpPr>
-        <p:cNvPr id="1" name=""/>
-        <p:cNvGrpSpPr/>
-        <p:nvPr/>
-      </p:nvGrpSpPr>
-      <p:grpSpPr>
-        <a:xfrm>
-          <a:off x="0" y="0"/>
-          <a:ext cx="0" cy="0"/>
-          <a:chOff x="0" y="0"/>
-          <a:chExt cx="0" cy="0"/>
-        </a:xfrm>
-      </p:grpSpPr>
-      <p:sp>
-        <p:nvSpPr>
-          <p:cNvPr id="2" name="Title 1">
-            <a:extLst>
-              <a:ext uri="{FF2B5EF4-FFF2-40B4-BE49-F238E27FC236}">
-                <a16:creationId xmlns:a16="http://schemas.microsoft.com/office/drawing/2014/main" id="{2F246C83-ACFA-425F-AE84-BF19C2A039B3}"/>
-              </a:ext>
-            </a:extLst>
-          </p:cNvPr>
-          <p:cNvSpPr>
-            <a:spLocks noGrp="1"/>
-          </p:cNvSpPr>
-          <p:nvPr>
-            <p:ph type="title"/>
-          </p:nvPr>
-        </p:nvSpPr>
-        <p:spPr/>
-        <p:txBody>
-          <a:bodyPr>
-            <a:normAutofit/>
-          </a:bodyPr>
-          <a:lstStyle/>
-          <a:p>
-            <a:pPr algn="ctr"/>
-            <a:r>
-              <a:rPr lang="en-US" sz="3600" dirty="0" err="1"/>
-              <a:t>latar</a:t>
-            </a:r>
-            <a:r>
-              <a:rPr lang="en-US" sz="3600" dirty="0"/>
-              <a:t> BELAKANG PENELITIAN (</a:t>
-            </a:r>
-            <a:r>
-              <a:rPr lang="en-US" sz="3600" dirty="0" err="1"/>
-              <a:t>cont</a:t>
-            </a:r>
-            <a:r>
-              <a:rPr lang="en-US" sz="3600" dirty="0"/>
-              <a:t>…)</a:t>
-            </a:r>
-            <a:endParaRPr lang="en-US" sz="3600" b="1" dirty="0"/>
-          </a:p>
-        </p:txBody>
-      </p:sp>
-      <p:sp>
-        <p:nvSpPr>
-          <p:cNvPr id="3" name="Content Placeholder 2">
-            <a:extLst>
-              <a:ext uri="{FF2B5EF4-FFF2-40B4-BE49-F238E27FC236}">
-                <a16:creationId xmlns:a16="http://schemas.microsoft.com/office/drawing/2014/main" id="{FF7358FD-AAE5-4525-B04C-C13D064C7B5B}"/>
-              </a:ext>
-            </a:extLst>
-          </p:cNvPr>
-          <p:cNvSpPr>
-            <a:spLocks noGrp="1"/>
-          </p:cNvSpPr>
-          <p:nvPr>
-            <p:ph idx="1"/>
-          </p:nvPr>
-        </p:nvSpPr>
-        <p:spPr>
-          <a:xfrm>
-            <a:off x="461923" y="2034723"/>
-            <a:ext cx="11029615" cy="3975348"/>
-          </a:xfrm>
-        </p:spPr>
-        <p:txBody>
-          <a:bodyPr>
-            <a:noAutofit/>
-          </a:bodyPr>
-          <a:lstStyle/>
-          <a:p>
-            <a:pPr marL="0" indent="0">
-              <a:buNone/>
-            </a:pPr>
-            <a:endParaRPr lang="en-US" sz="2200" dirty="0"/>
-          </a:p>
-          <a:p>
-            <a:r>
-              <a:rPr lang="en-US" sz="2200"/>
-              <a:t>Pada </a:t>
-            </a:r>
-            <a:r>
-              <a:rPr lang="en-US" sz="2200" dirty="0" err="1"/>
-              <a:t>penelitian</a:t>
-            </a:r>
-            <a:r>
-              <a:rPr lang="en-US" sz="2200" dirty="0"/>
-              <a:t> </a:t>
-            </a:r>
-            <a:r>
-              <a:rPr lang="en-US" sz="2200" dirty="0" err="1"/>
-              <a:t>ini</a:t>
-            </a:r>
-            <a:r>
-              <a:rPr lang="en-US" sz="2200" dirty="0"/>
-              <a:t> </a:t>
-            </a:r>
-            <a:r>
-              <a:rPr lang="en-US" sz="2200" dirty="0" err="1"/>
-              <a:t>akan</a:t>
-            </a:r>
-            <a:r>
-              <a:rPr lang="en-US" sz="2200" dirty="0"/>
-              <a:t> </a:t>
-            </a:r>
-            <a:r>
-              <a:rPr lang="en-US" sz="2200" dirty="0" err="1"/>
-              <a:t>dilakukan</a:t>
-            </a:r>
-            <a:r>
-              <a:rPr lang="en-US" sz="2200" dirty="0"/>
-              <a:t> </a:t>
-            </a:r>
-            <a:r>
-              <a:rPr lang="en-US" sz="2200" dirty="0" err="1"/>
-              <a:t>analisa</a:t>
-            </a:r>
-            <a:r>
-              <a:rPr lang="en-US" sz="2200" dirty="0"/>
-              <a:t> </a:t>
-            </a:r>
-            <a:r>
-              <a:rPr lang="en-US" sz="2200" dirty="0" err="1"/>
-              <a:t>untuk</a:t>
-            </a:r>
-            <a:r>
-              <a:rPr lang="en-US" sz="2200" dirty="0"/>
-              <a:t> </a:t>
-            </a:r>
-            <a:r>
-              <a:rPr lang="en-US" sz="2200" dirty="0" err="1"/>
-              <a:t>sel</a:t>
-            </a:r>
-            <a:r>
-              <a:rPr lang="en-US" sz="2200" dirty="0"/>
-              <a:t> </a:t>
-            </a:r>
-            <a:r>
-              <a:rPr lang="en-US" sz="2200" dirty="0" err="1"/>
-              <a:t>tunggal</a:t>
-            </a:r>
-            <a:r>
-              <a:rPr lang="en-US" sz="2200" dirty="0"/>
-              <a:t> </a:t>
-            </a:r>
-            <a:r>
-              <a:rPr lang="en-US" sz="2200" dirty="0" err="1"/>
-              <a:t>sistem</a:t>
-            </a:r>
-            <a:r>
-              <a:rPr lang="en-US" sz="2200" dirty="0"/>
-              <a:t> </a:t>
-            </a:r>
-            <a:r>
-              <a:rPr lang="en-US" sz="2200" dirty="0" err="1"/>
-              <a:t>komunikasi</a:t>
-            </a:r>
-            <a:r>
-              <a:rPr lang="en-US" sz="2200" dirty="0"/>
-              <a:t> multi User Massive MIMO </a:t>
-            </a:r>
-            <a:r>
-              <a:rPr lang="en-US" sz="2200" dirty="0" err="1"/>
-              <a:t>transmisi</a:t>
-            </a:r>
-            <a:r>
-              <a:rPr lang="en-US" sz="2200" dirty="0"/>
-              <a:t> downlink</a:t>
-            </a:r>
-            <a:r>
-              <a:rPr lang="en-US" sz="2200"/>
-              <a:t>. </a:t>
-            </a:r>
-          </a:p>
-          <a:p>
-            <a:r>
-              <a:rPr lang="en-US" sz="2200"/>
-              <a:t>Secara praktikal, kondisi imperfect CSI tidak ada karena BTS perlu mengestimasi kanal pada tiap coherence interval tertentu, adanya ketidaksempurnaan hasil estimasi kanal ini merepresentasikan kondisi imperfect CSI. </a:t>
-            </a:r>
-            <a:endParaRPr lang="sv-SE" sz="2200" dirty="0"/>
-          </a:p>
-          <a:p>
-            <a:r>
-              <a:rPr lang="en-US" sz="2200" dirty="0"/>
-              <a:t>Parameter output yang </a:t>
-            </a:r>
-            <a:r>
-              <a:rPr lang="en-US" sz="2200" dirty="0" err="1"/>
-              <a:t>diamati</a:t>
-            </a:r>
-            <a:r>
-              <a:rPr lang="en-US" sz="2200" dirty="0"/>
-              <a:t> </a:t>
-            </a:r>
-            <a:r>
-              <a:rPr lang="en-US" sz="2200" dirty="0" err="1"/>
-              <a:t>dari</a:t>
-            </a:r>
-            <a:r>
-              <a:rPr lang="en-US" sz="2200" dirty="0"/>
-              <a:t> </a:t>
-            </a:r>
-            <a:r>
-              <a:rPr lang="en-US" sz="2200" dirty="0" err="1"/>
-              <a:t>sistem</a:t>
-            </a:r>
-            <a:r>
-              <a:rPr lang="en-US" sz="2200" dirty="0"/>
-              <a:t> </a:t>
-            </a:r>
-            <a:r>
-              <a:rPr lang="en-US" sz="2200" dirty="0" err="1"/>
-              <a:t>ini</a:t>
-            </a:r>
-            <a:r>
-              <a:rPr lang="en-US" sz="2200" dirty="0"/>
-              <a:t> </a:t>
-            </a:r>
-            <a:r>
-              <a:rPr lang="en-US" sz="2200" dirty="0" err="1"/>
-              <a:t>adalah</a:t>
-            </a:r>
-            <a:r>
-              <a:rPr lang="en-US" sz="2200" dirty="0"/>
-              <a:t> </a:t>
-            </a:r>
-            <a:r>
-              <a:rPr lang="en-US" sz="2200" dirty="0" err="1"/>
-              <a:t>efisiensi</a:t>
-            </a:r>
-            <a:r>
-              <a:rPr lang="en-US" sz="2200" dirty="0"/>
-              <a:t> </a:t>
-            </a:r>
-            <a:r>
-              <a:rPr lang="en-US" sz="2200" dirty="0" err="1"/>
-              <a:t>spektrum</a:t>
-            </a:r>
-            <a:r>
-              <a:rPr lang="en-US" sz="2200" dirty="0"/>
-              <a:t> </a:t>
-            </a:r>
-            <a:r>
-              <a:rPr lang="en-US" sz="2200" dirty="0" err="1"/>
-              <a:t>untuk</a:t>
-            </a:r>
-            <a:r>
-              <a:rPr lang="en-US" sz="2200" dirty="0"/>
-              <a:t> </a:t>
-            </a:r>
-            <a:r>
-              <a:rPr lang="en-US" sz="2200" dirty="0" err="1"/>
-              <a:t>kanal</a:t>
-            </a:r>
-            <a:r>
-              <a:rPr lang="en-US" sz="2200" dirty="0"/>
-              <a:t> Rayleigh dan </a:t>
-            </a:r>
-            <a:r>
-              <a:rPr lang="en-US" sz="2200" dirty="0" err="1"/>
-              <a:t>kanal</a:t>
-            </a:r>
-            <a:r>
-              <a:rPr lang="en-US" sz="2200" dirty="0"/>
-              <a:t> random Line of Sight (LOS). </a:t>
-            </a:r>
-          </a:p>
-          <a:p>
-            <a:endParaRPr lang="sv-SE" sz="2200" dirty="0"/>
-          </a:p>
-          <a:p>
-            <a:endParaRPr lang="en-US" sz="2200" dirty="0"/>
-          </a:p>
-          <a:p>
-            <a:endParaRPr lang="en-US" sz="2200" dirty="0"/>
-          </a:p>
-        </p:txBody>
-      </p:sp>
-    </p:spTree>
-    <p:extLst>
-      <p:ext uri="{BB962C8B-B14F-4D97-AF65-F5344CB8AC3E}">
-        <p14:creationId xmlns:p14="http://schemas.microsoft.com/office/powerpoint/2010/main" val="3491349234"/>
-      </p:ext>
-    </p:extLst>
-  </p:cSld>
-  <p:clrMapOvr>
-    <a:masterClrMapping/>
-  </p:clrMapOvr>
-</p:sld>
-</file>
-
-<file path=ppt/slides/slide30.xml><?xml version="1.0" encoding="utf-8"?>
-<p:sld xmlns:a="http://schemas.openxmlformats.org/drawingml/2006/main" xmlns:r="http://schemas.openxmlformats.org/officeDocument/2006/relationships" xmlns:p="http://schemas.openxmlformats.org/presentationml/2006/main">
-  <p:cSld>
-    <p:spTree>
-      <p:nvGrpSpPr>
-        <p:cNvPr id="1" name=""/>
-        <p:cNvGrpSpPr/>
-        <p:nvPr/>
-      </p:nvGrpSpPr>
-      <p:grpSpPr>
-        <a:xfrm>
-          <a:off x="0" y="0"/>
-          <a:ext cx="0" cy="0"/>
-          <a:chOff x="0" y="0"/>
-          <a:chExt cx="0" cy="0"/>
-        </a:xfrm>
-      </p:grpSpPr>
-      <p:sp>
-        <p:nvSpPr>
-          <p:cNvPr id="2" name="Title 1">
-            <a:extLst>
-              <a:ext uri="{FF2B5EF4-FFF2-40B4-BE49-F238E27FC236}">
-                <a16:creationId xmlns:a16="http://schemas.microsoft.com/office/drawing/2014/main" id="{FBDF1081-8869-490E-976C-73198463A698}"/>
-              </a:ext>
-            </a:extLst>
-          </p:cNvPr>
-          <p:cNvSpPr>
-            <a:spLocks noGrp="1"/>
-          </p:cNvSpPr>
-          <p:nvPr>
-            <p:ph type="title"/>
-          </p:nvPr>
-        </p:nvSpPr>
-        <p:spPr/>
-        <p:txBody>
-          <a:bodyPr/>
-          <a:lstStyle/>
-          <a:p>
-            <a:pPr algn="ctr"/>
-            <a:r>
-              <a:rPr lang="en-US"/>
-              <a:t>Efisiensi spektrum massive MIMO KONDISI IMPERFECT CSI</a:t>
-            </a:r>
-            <a:br>
-              <a:rPr lang="en-US"/>
-            </a:br>
-            <a:r>
-              <a:rPr lang="en-US"/>
-              <a:t>KANAL UR-LOS</a:t>
-            </a:r>
-            <a:endParaRPr lang="en-ID"/>
-          </a:p>
-        </p:txBody>
-      </p:sp>
-      <p:pic>
-        <p:nvPicPr>
-          <p:cNvPr id="4" name="Picture 3">
-            <a:extLst>
-              <a:ext uri="{FF2B5EF4-FFF2-40B4-BE49-F238E27FC236}">
-                <a16:creationId xmlns:a16="http://schemas.microsoft.com/office/drawing/2014/main" id="{251A313D-0735-4C68-B957-2E8F53AC6FCA}"/>
-              </a:ext>
-            </a:extLst>
-          </p:cNvPr>
-          <p:cNvPicPr/>
-          <p:nvPr/>
-        </p:nvPicPr>
-        <p:blipFill rotWithShape="1">
-          <a:blip r:embed="rId2">
-            <a:extLst>
-              <a:ext uri="{28A0092B-C50C-407E-A947-70E740481C1C}">
-                <a14:useLocalDpi xmlns:a14="http://schemas.microsoft.com/office/drawing/2010/main" val="0"/>
-              </a:ext>
-            </a:extLst>
-          </a:blip>
-          <a:srcRect t="4370"/>
-          <a:stretch/>
-        </p:blipFill>
-        <p:spPr bwMode="auto">
-          <a:xfrm>
-            <a:off x="144239" y="2422840"/>
-            <a:ext cx="5954100" cy="4272899"/>
+            <a:off x="263237" y="2216727"/>
+            <a:ext cx="5832763" cy="4641273"/>
           </a:xfrm>
           <a:prstGeom prst="rect">
             <a:avLst/>
@@ -14894,10 +13091,10 @@
       </p:pic>
       <p:pic>
         <p:nvPicPr>
-          <p:cNvPr id="5" name="Picture 4">
+          <p:cNvPr id="7" name="Picture 6">
             <a:extLst>
               <a:ext uri="{FF2B5EF4-FFF2-40B4-BE49-F238E27FC236}">
-                <a16:creationId xmlns:a16="http://schemas.microsoft.com/office/drawing/2014/main" id="{78D8953B-5626-4471-A3C8-4B3DC8B25EB9}"/>
+                <a16:creationId xmlns:a16="http://schemas.microsoft.com/office/drawing/2014/main" id="{0F9D7055-F622-4E6C-BFA3-E00C1904235F}"/>
               </a:ext>
             </a:extLst>
           </p:cNvPr>
@@ -14912,13 +13109,13 @@
               </a:ext>
             </a:extLst>
           </a:blip>
-          <a:srcRect t="4020"/>
+          <a:srcRect l="2762" t="4986" r="4626"/>
           <a:stretch/>
         </p:blipFill>
         <p:spPr bwMode="auto">
           <a:xfrm>
-            <a:off x="6259571" y="2422840"/>
-            <a:ext cx="5932429" cy="4272899"/>
+            <a:off x="6133275" y="2298711"/>
+            <a:ext cx="5957456" cy="4586064"/>
           </a:xfrm>
           <a:prstGeom prst="rect">
             <a:avLst/>
@@ -14936,10 +13133,10 @@
       </p:pic>
       <p:sp>
         <p:nvSpPr>
-          <p:cNvPr id="6" name="TextBox 5">
+          <p:cNvPr id="8" name="TextBox 7">
             <a:extLst>
               <a:ext uri="{FF2B5EF4-FFF2-40B4-BE49-F238E27FC236}">
-                <a16:creationId xmlns:a16="http://schemas.microsoft.com/office/drawing/2014/main" id="{48E9035D-28BE-437E-825D-25EE680B27C2}"/>
+                <a16:creationId xmlns:a16="http://schemas.microsoft.com/office/drawing/2014/main" id="{BF6295AB-1282-4ADB-A7C0-B7849B09EDF9}"/>
               </a:ext>
             </a:extLst>
           </p:cNvPr>
@@ -14972,10 +13169,10 @@
       </p:sp>
       <p:sp>
         <p:nvSpPr>
-          <p:cNvPr id="7" name="TextBox 6">
+          <p:cNvPr id="10" name="TextBox 9">
             <a:extLst>
               <a:ext uri="{FF2B5EF4-FFF2-40B4-BE49-F238E27FC236}">
-                <a16:creationId xmlns:a16="http://schemas.microsoft.com/office/drawing/2014/main" id="{5962C466-F49B-46F9-9EBC-CF53EAAC9A51}"/>
+                <a16:creationId xmlns:a16="http://schemas.microsoft.com/office/drawing/2014/main" id="{963B8371-E50C-4008-94AA-CBC06D7C553B}"/>
               </a:ext>
             </a:extLst>
           </p:cNvPr>
@@ -15009,7 +13206,7 @@
     </p:spTree>
     <p:extLst>
       <p:ext uri="{BB962C8B-B14F-4D97-AF65-F5344CB8AC3E}">
-        <p14:creationId xmlns:p14="http://schemas.microsoft.com/office/powerpoint/2010/main" val="4240556033"/>
+        <p14:creationId xmlns:p14="http://schemas.microsoft.com/office/powerpoint/2010/main" val="2334268360"/>
       </p:ext>
     </p:extLst>
   </p:cSld>
@@ -15019,7 +13216,7 @@
 </p:sld>
 </file>
 
-<file path=ppt/slides/slide31.xml><?xml version="1.0" encoding="utf-8"?>
+<file path=ppt/slides/slide24.xml><?xml version="1.0" encoding="utf-8"?>
 <p:sld xmlns:a="http://schemas.openxmlformats.org/drawingml/2006/main" xmlns:r="http://schemas.openxmlformats.org/officeDocument/2006/relationships" xmlns:p="http://schemas.openxmlformats.org/presentationml/2006/main">
   <p:cSld>
     <p:spTree>
@@ -15089,8 +13286,20 @@
           </a:xfrm>
         </p:spPr>
         <p:txBody>
-          <a:bodyPr/>
+          <a:bodyPr>
+            <a:normAutofit fontScale="92500" lnSpcReduction="20000"/>
+          </a:bodyPr>
           <a:lstStyle/>
+          <a:p>
+            <a:r>
+              <a:rPr lang="en-US">
+                <a:solidFill>
+                  <a:schemeClr val="tx1"/>
+                </a:solidFill>
+              </a:rPr>
+              <a:t>SNR uplink = SNR downlink = 10 dB</a:t>
+            </a:r>
+          </a:p>
           <a:p>
             <a:r>
               <a:rPr lang="en-US">
@@ -15163,7 +13372,7 @@
 </p:sld>
 </file>
 
-<file path=ppt/slides/slide32.xml><?xml version="1.0" encoding="utf-8"?>
+<file path=ppt/slides/slide25.xml><?xml version="1.0" encoding="utf-8"?>
 <p:sld xmlns:a="http://schemas.openxmlformats.org/drawingml/2006/main" xmlns:r="http://schemas.openxmlformats.org/officeDocument/2006/relationships" xmlns:p="http://schemas.openxmlformats.org/presentationml/2006/main">
   <p:cSld>
     <p:spTree>
@@ -15335,7 +13544,7 @@
 </p:sld>
 </file>
 
-<file path=ppt/slides/slide33.xml><?xml version="1.0" encoding="utf-8"?>
+<file path=ppt/slides/slide26.xml><?xml version="1.0" encoding="utf-8"?>
 <p:sld xmlns:a="http://schemas.openxmlformats.org/drawingml/2006/main" xmlns:r="http://schemas.openxmlformats.org/officeDocument/2006/relationships" xmlns:p="http://schemas.openxmlformats.org/presentationml/2006/main">
   <p:cSld>
     <p:spTree>
@@ -15674,7 +13883,7 @@
 </p:sld>
 </file>
 
-<file path=ppt/slides/slide34.xml><?xml version="1.0" encoding="utf-8"?>
+<file path=ppt/slides/slide27.xml><?xml version="1.0" encoding="utf-8"?>
 <p:sld xmlns:a="http://schemas.openxmlformats.org/drawingml/2006/main" xmlns:r="http://schemas.openxmlformats.org/officeDocument/2006/relationships" xmlns:p="http://schemas.openxmlformats.org/presentationml/2006/main">
   <p:cSld>
     <p:spTree>
@@ -15849,10 +14058,10 @@
       </p:sp>
       <p:pic>
         <p:nvPicPr>
-          <p:cNvPr id="6" name="Picture 5">
+          <p:cNvPr id="5" name="Picture 4">
             <a:extLst>
               <a:ext uri="{FF2B5EF4-FFF2-40B4-BE49-F238E27FC236}">
-                <a16:creationId xmlns:a16="http://schemas.microsoft.com/office/drawing/2014/main" id="{B2F5E2C9-FF7A-4884-8772-1D5D077ACF05}"/>
+                <a16:creationId xmlns:a16="http://schemas.microsoft.com/office/drawing/2014/main" id="{0D512492-466B-4CAF-B969-8ABB3EBAC5BB}"/>
               </a:ext>
             </a:extLst>
           </p:cNvPr>
@@ -15863,13 +14072,13 @@
         </p:nvPicPr>
         <p:blipFill rotWithShape="1">
           <a:blip r:embed="rId2"/>
-          <a:srcRect l="5293" t="3758" r="6342"/>
+          <a:srcRect l="3702" t="4985" r="7104"/>
           <a:stretch/>
         </p:blipFill>
         <p:spPr>
           <a:xfrm>
-            <a:off x="110836" y="2022763"/>
-            <a:ext cx="5832764" cy="4656859"/>
+            <a:off x="56115" y="1957136"/>
+            <a:ext cx="5887485" cy="4597519"/>
           </a:xfrm>
           <a:prstGeom prst="rect">
             <a:avLst/>
@@ -15889,7 +14098,7 @@
 </p:sld>
 </file>
 
-<file path=ppt/slides/slide35.xml><?xml version="1.0" encoding="utf-8"?>
+<file path=ppt/slides/slide28.xml><?xml version="1.0" encoding="utf-8"?>
 <p:sld xmlns:a="http://schemas.openxmlformats.org/drawingml/2006/main" xmlns:r="http://schemas.openxmlformats.org/officeDocument/2006/relationships" xmlns:p="http://schemas.openxmlformats.org/presentationml/2006/main">
   <p:cSld>
     <p:spTree>
@@ -16457,7 +14666,7 @@
 </p:sld>
 </file>
 
-<file path=ppt/slides/slide36.xml><?xml version="1.0" encoding="utf-8"?>
+<file path=ppt/slides/slide29.xml><?xml version="1.0" encoding="utf-8"?>
 <p:sld xmlns:a="http://schemas.openxmlformats.org/drawingml/2006/main" xmlns:r="http://schemas.openxmlformats.org/officeDocument/2006/relationships" xmlns:p="http://schemas.openxmlformats.org/presentationml/2006/main">
   <p:cSld>
     <p:spTree>
@@ -16547,6 +14756,241 @@
 </p:sld>
 </file>
 
+<file path=ppt/slides/slide3.xml><?xml version="1.0" encoding="utf-8"?>
+<p:sld xmlns:a="http://schemas.openxmlformats.org/drawingml/2006/main" xmlns:r="http://schemas.openxmlformats.org/officeDocument/2006/relationships" xmlns:p="http://schemas.openxmlformats.org/presentationml/2006/main">
+  <p:cSld>
+    <p:spTree>
+      <p:nvGrpSpPr>
+        <p:cNvPr id="1" name=""/>
+        <p:cNvGrpSpPr/>
+        <p:nvPr/>
+      </p:nvGrpSpPr>
+      <p:grpSpPr>
+        <a:xfrm>
+          <a:off x="0" y="0"/>
+          <a:ext cx="0" cy="0"/>
+          <a:chOff x="0" y="0"/>
+          <a:chExt cx="0" cy="0"/>
+        </a:xfrm>
+      </p:grpSpPr>
+      <p:sp>
+        <p:nvSpPr>
+          <p:cNvPr id="2" name="Title 1">
+            <a:extLst>
+              <a:ext uri="{FF2B5EF4-FFF2-40B4-BE49-F238E27FC236}">
+                <a16:creationId xmlns:a16="http://schemas.microsoft.com/office/drawing/2014/main" id="{2F246C83-ACFA-425F-AE84-BF19C2A039B3}"/>
+              </a:ext>
+            </a:extLst>
+          </p:cNvPr>
+          <p:cNvSpPr>
+            <a:spLocks noGrp="1"/>
+          </p:cNvSpPr>
+          <p:nvPr>
+            <p:ph type="title"/>
+          </p:nvPr>
+        </p:nvSpPr>
+        <p:spPr/>
+        <p:txBody>
+          <a:bodyPr>
+            <a:normAutofit/>
+          </a:bodyPr>
+          <a:lstStyle/>
+          <a:p>
+            <a:pPr algn="ctr"/>
+            <a:r>
+              <a:rPr lang="en-US" sz="3600" dirty="0" err="1"/>
+              <a:t>latar</a:t>
+            </a:r>
+            <a:r>
+              <a:rPr lang="en-US" sz="3600" dirty="0"/>
+              <a:t> BELAKANG PENELITIAN (</a:t>
+            </a:r>
+            <a:r>
+              <a:rPr lang="en-US" sz="3600" dirty="0" err="1"/>
+              <a:t>cont</a:t>
+            </a:r>
+            <a:r>
+              <a:rPr lang="en-US" sz="3600" dirty="0"/>
+              <a:t>…)</a:t>
+            </a:r>
+            <a:endParaRPr lang="en-US" sz="3600" b="1" dirty="0"/>
+          </a:p>
+        </p:txBody>
+      </p:sp>
+      <p:sp>
+        <p:nvSpPr>
+          <p:cNvPr id="3" name="Content Placeholder 2">
+            <a:extLst>
+              <a:ext uri="{FF2B5EF4-FFF2-40B4-BE49-F238E27FC236}">
+                <a16:creationId xmlns:a16="http://schemas.microsoft.com/office/drawing/2014/main" id="{FF7358FD-AAE5-4525-B04C-C13D064C7B5B}"/>
+              </a:ext>
+            </a:extLst>
+          </p:cNvPr>
+          <p:cNvSpPr>
+            <a:spLocks noGrp="1"/>
+          </p:cNvSpPr>
+          <p:nvPr>
+            <p:ph idx="1"/>
+          </p:nvPr>
+        </p:nvSpPr>
+        <p:spPr>
+          <a:xfrm>
+            <a:off x="461923" y="2519632"/>
+            <a:ext cx="11029615" cy="3975348"/>
+          </a:xfrm>
+        </p:spPr>
+        <p:txBody>
+          <a:bodyPr>
+            <a:noAutofit/>
+          </a:bodyPr>
+          <a:lstStyle/>
+          <a:p>
+            <a:pPr marL="0" indent="0">
+              <a:buNone/>
+            </a:pPr>
+            <a:endParaRPr lang="en-US" sz="2200" dirty="0"/>
+          </a:p>
+          <a:p>
+            <a:r>
+              <a:rPr lang="en-US" sz="2200"/>
+              <a:t>Beberapa penelitian sebelumnya mengasumsikan kondisi perfect CSI.</a:t>
+            </a:r>
+          </a:p>
+          <a:p>
+            <a:r>
+              <a:rPr lang="en-US" sz="2200"/>
+              <a:t>Secara praktikal, kondisi perfect CSI tidak ada karena BTS perlu mengestimasi kanal pada tiap coherence interval tertentu, adanya ketidaksempurnaan hasil estimasi kanal ini merepresentasikan kondisi imperfect CSI. </a:t>
+            </a:r>
+          </a:p>
+          <a:p>
+            <a:r>
+              <a:rPr lang="en-US" sz="2200"/>
+              <a:t>Pada penelitian ini dilakukan pengamatan kinerja sistem MU-Massive MIMO pada kondisi perfect CSI dan imperfect CSI skema downlink.</a:t>
+            </a:r>
+            <a:endParaRPr lang="sv-SE" sz="2200" dirty="0"/>
+          </a:p>
+          <a:p>
+            <a:r>
+              <a:rPr lang="en-US" sz="2200" dirty="0"/>
+              <a:t>Parameter output yang </a:t>
+            </a:r>
+            <a:r>
+              <a:rPr lang="en-US" sz="2200" dirty="0" err="1"/>
+              <a:t>diamati</a:t>
+            </a:r>
+            <a:r>
+              <a:rPr lang="en-US" sz="2200" dirty="0"/>
+              <a:t> </a:t>
+            </a:r>
+            <a:r>
+              <a:rPr lang="en-US" sz="2200" dirty="0" err="1"/>
+              <a:t>dari</a:t>
+            </a:r>
+            <a:r>
+              <a:rPr lang="en-US" sz="2200" dirty="0"/>
+              <a:t> </a:t>
+            </a:r>
+            <a:r>
+              <a:rPr lang="en-US" sz="2200" dirty="0" err="1"/>
+              <a:t>sistem</a:t>
+            </a:r>
+            <a:r>
+              <a:rPr lang="en-US" sz="2200" dirty="0"/>
+              <a:t> </a:t>
+            </a:r>
+            <a:r>
+              <a:rPr lang="en-US" sz="2200" dirty="0" err="1"/>
+              <a:t>ini</a:t>
+            </a:r>
+            <a:r>
+              <a:rPr lang="en-US" sz="2200" dirty="0"/>
+              <a:t> </a:t>
+            </a:r>
+            <a:r>
+              <a:rPr lang="en-US" sz="2200" dirty="0" err="1"/>
+              <a:t>adalah</a:t>
+            </a:r>
+            <a:r>
+              <a:rPr lang="en-US" sz="2200" dirty="0"/>
+              <a:t> </a:t>
+            </a:r>
+            <a:r>
+              <a:rPr lang="en-US" sz="2200" dirty="0" err="1"/>
+              <a:t>efisiensi</a:t>
+            </a:r>
+            <a:r>
+              <a:rPr lang="en-US" sz="2200" dirty="0"/>
+              <a:t> </a:t>
+            </a:r>
+            <a:r>
+              <a:rPr lang="en-US" sz="2200" dirty="0" err="1"/>
+              <a:t>spektrum</a:t>
+            </a:r>
+            <a:r>
+              <a:rPr lang="en-US" sz="2200" dirty="0"/>
+              <a:t> </a:t>
+            </a:r>
+            <a:r>
+              <a:rPr lang="en-US" sz="2200" dirty="0" err="1"/>
+              <a:t>untuk</a:t>
+            </a:r>
+            <a:r>
+              <a:rPr lang="en-US" sz="2200" dirty="0"/>
+              <a:t> </a:t>
+            </a:r>
+            <a:r>
+              <a:rPr lang="en-US" sz="2200" dirty="0" err="1"/>
+              <a:t>kanal</a:t>
+            </a:r>
+            <a:r>
+              <a:rPr lang="en-US" sz="2200" dirty="0"/>
+              <a:t> Rayleigh dan </a:t>
+            </a:r>
+            <a:r>
+              <a:rPr lang="en-US" sz="2200" err="1"/>
+              <a:t>kanal</a:t>
+            </a:r>
+            <a:r>
+              <a:rPr lang="en-US" sz="2200"/>
+              <a:t> UniformlyRandom </a:t>
+            </a:r>
+            <a:r>
+              <a:rPr lang="en-US" sz="2200" dirty="0"/>
+              <a:t>Line of </a:t>
+            </a:r>
+            <a:r>
+              <a:rPr lang="en-US" sz="2200"/>
+              <a:t>Sight (UR-LOS</a:t>
+            </a:r>
+            <a:r>
+              <a:rPr lang="en-US" sz="2200" dirty="0"/>
+              <a:t>). </a:t>
+            </a:r>
+          </a:p>
+          <a:p>
+            <a:endParaRPr lang="sv-SE" sz="2200" dirty="0"/>
+          </a:p>
+          <a:p>
+            <a:endParaRPr lang="en-US" sz="2200" dirty="0"/>
+          </a:p>
+          <a:p>
+            <a:endParaRPr lang="en-US" sz="2200" dirty="0"/>
+          </a:p>
+        </p:txBody>
+      </p:sp>
+    </p:spTree>
+    <p:extLst>
+      <p:ext uri="{BB962C8B-B14F-4D97-AF65-F5344CB8AC3E}">
+        <p14:creationId xmlns:p14="http://schemas.microsoft.com/office/powerpoint/2010/main" val="3491349234"/>
+      </p:ext>
+    </p:extLst>
+  </p:cSld>
+  <p:clrMapOvr>
+    <a:masterClrMapping/>
+  </p:clrMapOvr>
+</p:sld>
+</file>
+
 <file path=ppt/slides/slide4.xml><?xml version="1.0" encoding="utf-8"?>
 <p:sld xmlns:a="http://schemas.openxmlformats.org/drawingml/2006/main" xmlns:r="http://schemas.openxmlformats.org/officeDocument/2006/relationships" xmlns:p="http://schemas.openxmlformats.org/presentationml/2006/main">
   <p:cSld>
@@ -16639,13 +15083,13 @@
               <a:t>Tahapan membangun sistem komunikasi </a:t>
             </a:r>
             <a:r>
-              <a:rPr lang="id-ID" sz="2200" i="1">
+              <a:rPr lang="en-US" sz="2200">
                 <a:effectLst/>
                 <a:latin typeface="Times New Roman" panose="02020603050405020304" pitchFamily="18" charset="0"/>
                 <a:ea typeface="Calibri" panose="020F0502020204030204" pitchFamily="34" charset="0"/>
                 <a:cs typeface="Times New Roman" panose="02020603050405020304" pitchFamily="18" charset="0"/>
               </a:rPr>
-              <a:t>Massive</a:t>
+              <a:t>MU-Massive </a:t>
             </a:r>
             <a:r>
               <a:rPr lang="id-ID" sz="2200">
@@ -16654,7 +15098,25 @@
                 <a:ea typeface="Calibri" panose="020F0502020204030204" pitchFamily="34" charset="0"/>
                 <a:cs typeface="Times New Roman" panose="02020603050405020304" pitchFamily="18" charset="0"/>
               </a:rPr>
-              <a:t> MIMO dengan menggunakan blok-blok dasar sistem komunikasi pada kanal Rayleigh dan kanal Random Line of Sight.</a:t>
+              <a:t>MIMO dengan menggunakan blok-blok dasar sistem komunikasi pada kanal Rayleigh dan kanal </a:t>
+            </a:r>
+            <a:r>
+              <a:rPr lang="en-US" sz="2200">
+                <a:effectLst/>
+                <a:latin typeface="Times New Roman" panose="02020603050405020304" pitchFamily="18" charset="0"/>
+                <a:ea typeface="Calibri" panose="020F0502020204030204" pitchFamily="34" charset="0"/>
+                <a:cs typeface="Times New Roman" panose="02020603050405020304" pitchFamily="18" charset="0"/>
+              </a:rPr>
+              <a:t>UR-LOS</a:t>
+            </a:r>
+            <a:r>
+              <a:rPr lang="id-ID" sz="2200">
+                <a:effectLst/>
+                <a:latin typeface="Times New Roman" panose="02020603050405020304" pitchFamily="18" charset="0"/>
+                <a:ea typeface="Calibri" panose="020F0502020204030204" pitchFamily="34" charset="0"/>
+                <a:cs typeface="Times New Roman" panose="02020603050405020304" pitchFamily="18" charset="0"/>
+              </a:rPr>
+              <a:t>.</a:t>
             </a:r>
             <a:endParaRPr lang="en-ID" sz="2200">
               <a:effectLst/>
@@ -16762,25 +15224,7 @@
                 <a:ea typeface="Calibri" panose="020F0502020204030204" pitchFamily="34" charset="0"/>
                 <a:cs typeface="Times New Roman" panose="02020603050405020304" pitchFamily="18" charset="0"/>
               </a:rPr>
-              <a:t>MIMO yang akan dibangun dengan parameter </a:t>
-            </a:r>
-            <a:r>
-              <a:rPr lang="id-ID" sz="2200" i="1">
-                <a:effectLst/>
-                <a:latin typeface="Times New Roman" panose="02020603050405020304" pitchFamily="18" charset="0"/>
-                <a:ea typeface="Calibri" panose="020F0502020204030204" pitchFamily="34" charset="0"/>
-                <a:cs typeface="Times New Roman" panose="02020603050405020304" pitchFamily="18" charset="0"/>
-              </a:rPr>
-              <a:t>output</a:t>
-            </a:r>
-            <a:r>
-              <a:rPr lang="id-ID" sz="2200">
-                <a:effectLst/>
-                <a:latin typeface="Times New Roman" panose="02020603050405020304" pitchFamily="18" charset="0"/>
-                <a:ea typeface="Calibri" panose="020F0502020204030204" pitchFamily="34" charset="0"/>
-                <a:cs typeface="Times New Roman" panose="02020603050405020304" pitchFamily="18" charset="0"/>
-              </a:rPr>
-              <a:t> efisiensi spektrum pada kanal Rayleigh dan kanal UR-LOS.</a:t>
+              <a:t>MIMO yang akan dibangun dengan parameter output efisiensi spektrum pada kanal Rayleigh dan kanal UR-LOS.</a:t>
             </a:r>
             <a:endParaRPr lang="en-ID" sz="2200">
               <a:effectLst/>
@@ -16828,25 +15272,7 @@
                 <a:ea typeface="Calibri" panose="020F0502020204030204" pitchFamily="34" charset="0"/>
                 <a:cs typeface="Times New Roman" panose="02020603050405020304" pitchFamily="18" charset="0"/>
               </a:rPr>
-              <a:t>MIMO yang akan dibangun dengan parameter </a:t>
-            </a:r>
-            <a:r>
-              <a:rPr lang="id-ID" sz="2200" i="1">
-                <a:effectLst/>
-                <a:latin typeface="Times New Roman" panose="02020603050405020304" pitchFamily="18" charset="0"/>
-                <a:ea typeface="Calibri" panose="020F0502020204030204" pitchFamily="34" charset="0"/>
-                <a:cs typeface="Times New Roman" panose="02020603050405020304" pitchFamily="18" charset="0"/>
-              </a:rPr>
-              <a:t>output</a:t>
-            </a:r>
-            <a:r>
-              <a:rPr lang="id-ID" sz="2200">
-                <a:effectLst/>
-                <a:latin typeface="Times New Roman" panose="02020603050405020304" pitchFamily="18" charset="0"/>
-                <a:ea typeface="Calibri" panose="020F0502020204030204" pitchFamily="34" charset="0"/>
-                <a:cs typeface="Times New Roman" panose="02020603050405020304" pitchFamily="18" charset="0"/>
-              </a:rPr>
-              <a:t> efisiensi spektrum pada kondisi perfect CSI dan imperfect CSI.</a:t>
+              <a:t>MIMO yang akan dibangun dengan parameter output efisiensi spektrum pada kondisi perfect CSI dan imperfect CSI.</a:t>
             </a:r>
             <a:endParaRPr lang="en-ID" sz="2200">
               <a:effectLst/>
@@ -17039,7 +15465,7 @@
             </a:r>
             <a:r>
               <a:rPr lang="en-US" sz="2200"/>
-              <a:t> Multi User Massive </a:t>
+              <a:t> MU-Massive </a:t>
             </a:r>
             <a:r>
               <a:rPr lang="en-US" sz="2200" dirty="0"/>
@@ -17231,43 +15657,7 @@
                 <a:ea typeface="Calibri" panose="020F0502020204030204" pitchFamily="34" charset="0"/>
                 <a:cs typeface="Times New Roman" panose="02020603050405020304" pitchFamily="18" charset="0"/>
               </a:rPr>
-              <a:t>Sistem komunikasi ini dianalisa untuk sel tunggal transmisi </a:t>
-            </a:r>
-            <a:r>
-              <a:rPr lang="id-ID" sz="2200" i="1">
-                <a:effectLst/>
-                <a:latin typeface="Times New Roman" panose="02020603050405020304" pitchFamily="18" charset="0"/>
-                <a:ea typeface="Calibri" panose="020F0502020204030204" pitchFamily="34" charset="0"/>
-                <a:cs typeface="Times New Roman" panose="02020603050405020304" pitchFamily="18" charset="0"/>
-              </a:rPr>
-              <a:t>downlink</a:t>
-            </a:r>
-            <a:r>
-              <a:rPr lang="id-ID" sz="2200">
-                <a:effectLst/>
-                <a:latin typeface="Times New Roman" panose="02020603050405020304" pitchFamily="18" charset="0"/>
-                <a:ea typeface="Calibri" panose="020F0502020204030204" pitchFamily="34" charset="0"/>
-                <a:cs typeface="Times New Roman" panose="02020603050405020304" pitchFamily="18" charset="0"/>
-              </a:rPr>
-              <a:t> yang terdiri dari satu BTS dan beberapa </a:t>
-            </a:r>
-            <a:r>
-              <a:rPr lang="id-ID" sz="2200" i="1">
-                <a:effectLst/>
-                <a:latin typeface="Times New Roman" panose="02020603050405020304" pitchFamily="18" charset="0"/>
-                <a:ea typeface="Calibri" panose="020F0502020204030204" pitchFamily="34" charset="0"/>
-                <a:cs typeface="Times New Roman" panose="02020603050405020304" pitchFamily="18" charset="0"/>
-              </a:rPr>
-              <a:t>user</a:t>
-            </a:r>
-            <a:r>
-              <a:rPr lang="id-ID" sz="2200">
-                <a:effectLst/>
-                <a:latin typeface="Times New Roman" panose="02020603050405020304" pitchFamily="18" charset="0"/>
-                <a:ea typeface="Calibri" panose="020F0502020204030204" pitchFamily="34" charset="0"/>
-                <a:cs typeface="Times New Roman" panose="02020603050405020304" pitchFamily="18" charset="0"/>
-              </a:rPr>
-              <a:t> dimana tidak ada interferensi dari sel lain. </a:t>
+              <a:t>Sistem komunikasi ini dianalisa untuk sel tunggal transmisi downlink yang terdiri dari satu BTS dan beberapa user dimana tidak ada interferensi dari sel lain. </a:t>
             </a:r>
             <a:endParaRPr lang="en-ID" sz="2200">
               <a:effectLst/>
@@ -17291,16 +15681,15 @@
                 <a:ea typeface="Calibri" panose="020F0502020204030204" pitchFamily="34" charset="0"/>
                 <a:cs typeface="Times New Roman" panose="02020603050405020304" pitchFamily="18" charset="0"/>
               </a:rPr>
-              <a:t>Jumlah antena di BTS lebih banyak daripada jumlah </a:t>
-            </a:r>
-            <a:r>
-              <a:rPr lang="id-ID" sz="2200" i="1">
-                <a:effectLst/>
+              <a:t>Jumlah antena di BTS </a:t>
+            </a:r>
+            <a:r>
+              <a:rPr lang="en-US" sz="2200">
                 <a:latin typeface="Times New Roman" panose="02020603050405020304" pitchFamily="18" charset="0"/>
                 <a:ea typeface="Calibri" panose="020F0502020204030204" pitchFamily="34" charset="0"/>
                 <a:cs typeface="Times New Roman" panose="02020603050405020304" pitchFamily="18" charset="0"/>
               </a:rPr>
-              <a:t>user</a:t>
+              <a:t>jauh </a:t>
             </a:r>
             <a:r>
               <a:rPr lang="id-ID" sz="2200">
@@ -17309,25 +15698,7 @@
                 <a:ea typeface="Calibri" panose="020F0502020204030204" pitchFamily="34" charset="0"/>
                 <a:cs typeface="Times New Roman" panose="02020603050405020304" pitchFamily="18" charset="0"/>
               </a:rPr>
-              <a:t> yang dilayani. Masing-masing </a:t>
-            </a:r>
-            <a:r>
-              <a:rPr lang="id-ID" sz="2200" i="1">
-                <a:effectLst/>
-                <a:latin typeface="Times New Roman" panose="02020603050405020304" pitchFamily="18" charset="0"/>
-                <a:ea typeface="Calibri" panose="020F0502020204030204" pitchFamily="34" charset="0"/>
-                <a:cs typeface="Times New Roman" panose="02020603050405020304" pitchFamily="18" charset="0"/>
-              </a:rPr>
-              <a:t>user</a:t>
-            </a:r>
-            <a:r>
-              <a:rPr lang="id-ID" sz="2200">
-                <a:effectLst/>
-                <a:latin typeface="Times New Roman" panose="02020603050405020304" pitchFamily="18" charset="0"/>
-                <a:ea typeface="Calibri" panose="020F0502020204030204" pitchFamily="34" charset="0"/>
-                <a:cs typeface="Times New Roman" panose="02020603050405020304" pitchFamily="18" charset="0"/>
-              </a:rPr>
-              <a:t> menggunakan antena tunggal.</a:t>
+              <a:t>lebih banyak daripada jumlah user yang dilayani. Masing-masing user menggunakan antena tunggal.</a:t>
             </a:r>
             <a:endParaRPr lang="en-ID" sz="2200">
               <a:effectLst/>
@@ -17351,7 +15722,25 @@
                 <a:ea typeface="Calibri" panose="020F0502020204030204" pitchFamily="34" charset="0"/>
                 <a:cs typeface="Times New Roman" panose="02020603050405020304" pitchFamily="18" charset="0"/>
               </a:rPr>
-              <a:t>Model kanal yang digunakan adalah frequency-selective Rayleigh dan UR-LOS.</a:t>
+              <a:t>Model kanal yang digunakan adala</a:t>
+            </a:r>
+            <a:r>
+              <a:rPr lang="en-US" sz="2200">
+                <a:effectLst/>
+                <a:latin typeface="Times New Roman" panose="02020603050405020304" pitchFamily="18" charset="0"/>
+                <a:ea typeface="Calibri" panose="020F0502020204030204" pitchFamily="34" charset="0"/>
+                <a:cs typeface="Times New Roman" panose="02020603050405020304" pitchFamily="18" charset="0"/>
+              </a:rPr>
+              <a:t>h </a:t>
+            </a:r>
+            <a:r>
+              <a:rPr lang="id-ID" sz="2200">
+                <a:effectLst/>
+                <a:latin typeface="Times New Roman" panose="02020603050405020304" pitchFamily="18" charset="0"/>
+                <a:ea typeface="Calibri" panose="020F0502020204030204" pitchFamily="34" charset="0"/>
+                <a:cs typeface="Times New Roman" panose="02020603050405020304" pitchFamily="18" charset="0"/>
+              </a:rPr>
+              <a:t>Rayleigh dan UR-LOS.</a:t>
             </a:r>
             <a:endParaRPr lang="en-ID" sz="2200">
               <a:effectLst/>
@@ -17378,25 +15767,7 @@
                 <a:ea typeface="Calibri" panose="020F0502020204030204" pitchFamily="34" charset="0"/>
                 <a:cs typeface="Times New Roman" panose="02020603050405020304" pitchFamily="18" charset="0"/>
               </a:rPr>
-              <a:t>Untuk kanal UR-LOS posisi masing-masing </a:t>
-            </a:r>
-            <a:r>
-              <a:rPr lang="id-ID" sz="2200" i="1">
-                <a:effectLst/>
-                <a:latin typeface="Times New Roman" panose="02020603050405020304" pitchFamily="18" charset="0"/>
-                <a:ea typeface="Calibri" panose="020F0502020204030204" pitchFamily="34" charset="0"/>
-                <a:cs typeface="Times New Roman" panose="02020603050405020304" pitchFamily="18" charset="0"/>
-              </a:rPr>
-              <a:t>user</a:t>
-            </a:r>
-            <a:r>
-              <a:rPr lang="id-ID" sz="2200">
-                <a:effectLst/>
-                <a:latin typeface="Times New Roman" panose="02020603050405020304" pitchFamily="18" charset="0"/>
-                <a:ea typeface="Calibri" panose="020F0502020204030204" pitchFamily="34" charset="0"/>
-                <a:cs typeface="Times New Roman" panose="02020603050405020304" pitchFamily="18" charset="0"/>
-              </a:rPr>
-              <a:t> sudah diketahui oleh BTS.</a:t>
+              <a:t>Untuk kanal UR-LOS posisi masing-masing user sudah diketahui oleh BTS.</a:t>
             </a:r>
             <a:endParaRPr lang="en-ID" sz="2200">
               <a:effectLst/>
@@ -17421,409 +15792,6 @@
 </file>
 
 <file path=ppt/slides/slide7.xml><?xml version="1.0" encoding="utf-8"?>
-<p:sld xmlns:a="http://schemas.openxmlformats.org/drawingml/2006/main" xmlns:r="http://schemas.openxmlformats.org/officeDocument/2006/relationships" xmlns:p="http://schemas.openxmlformats.org/presentationml/2006/main">
-  <p:cSld>
-    <p:spTree>
-      <p:nvGrpSpPr>
-        <p:cNvPr id="1" name=""/>
-        <p:cNvGrpSpPr/>
-        <p:nvPr/>
-      </p:nvGrpSpPr>
-      <p:grpSpPr>
-        <a:xfrm>
-          <a:off x="0" y="0"/>
-          <a:ext cx="0" cy="0"/>
-          <a:chOff x="0" y="0"/>
-          <a:chExt cx="0" cy="0"/>
-        </a:xfrm>
-      </p:grpSpPr>
-      <p:sp>
-        <p:nvSpPr>
-          <p:cNvPr id="2" name="Title 1">
-            <a:extLst>
-              <a:ext uri="{FF2B5EF4-FFF2-40B4-BE49-F238E27FC236}">
-                <a16:creationId xmlns:a16="http://schemas.microsoft.com/office/drawing/2014/main" id="{444C2C5C-A34A-4654-9D85-F422C885A225}"/>
-              </a:ext>
-            </a:extLst>
-          </p:cNvPr>
-          <p:cNvSpPr>
-            <a:spLocks noGrp="1"/>
-          </p:cNvSpPr>
-          <p:nvPr>
-            <p:ph type="title"/>
-          </p:nvPr>
-        </p:nvSpPr>
-        <p:spPr/>
-        <p:txBody>
-          <a:bodyPr>
-            <a:normAutofit/>
-          </a:bodyPr>
-          <a:lstStyle/>
-          <a:p>
-            <a:pPr algn="ctr"/>
-            <a:r>
-              <a:rPr lang="en-US" sz="3600" dirty="0" err="1"/>
-              <a:t>Kontribusi</a:t>
-            </a:r>
-            <a:r>
-              <a:rPr lang="en-US" sz="3600" dirty="0"/>
-              <a:t> </a:t>
-            </a:r>
-            <a:r>
-              <a:rPr lang="en-US" sz="3600" dirty="0" err="1"/>
-              <a:t>penelitian</a:t>
-            </a:r>
-            <a:endParaRPr lang="en-US" sz="3600" dirty="0"/>
-          </a:p>
-        </p:txBody>
-      </p:sp>
-      <p:sp>
-        <p:nvSpPr>
-          <p:cNvPr id="3" name="Content Placeholder 2">
-            <a:extLst>
-              <a:ext uri="{FF2B5EF4-FFF2-40B4-BE49-F238E27FC236}">
-                <a16:creationId xmlns:a16="http://schemas.microsoft.com/office/drawing/2014/main" id="{4C130DFA-E775-4031-9F97-A377F1D13114}"/>
-              </a:ext>
-            </a:extLst>
-          </p:cNvPr>
-          <p:cNvSpPr>
-            <a:spLocks noGrp="1"/>
-          </p:cNvSpPr>
-          <p:nvPr>
-            <p:ph idx="1"/>
-          </p:nvPr>
-        </p:nvSpPr>
-        <p:spPr/>
-        <p:txBody>
-          <a:bodyPr>
-            <a:normAutofit/>
-          </a:bodyPr>
-          <a:lstStyle/>
-          <a:p>
-            <a:r>
-              <a:rPr lang="en-US" sz="2200" dirty="0"/>
-              <a:t>Hasil </a:t>
-            </a:r>
-            <a:r>
-              <a:rPr lang="en-US" sz="2200" dirty="0" err="1"/>
-              <a:t>dari</a:t>
-            </a:r>
-            <a:r>
-              <a:rPr lang="en-US" sz="2200" dirty="0"/>
-              <a:t> </a:t>
-            </a:r>
-            <a:r>
-              <a:rPr lang="en-US" sz="2200" dirty="0" err="1"/>
-              <a:t>penelitian</a:t>
-            </a:r>
-            <a:r>
-              <a:rPr lang="en-US" sz="2200" dirty="0"/>
-              <a:t> </a:t>
-            </a:r>
-            <a:r>
-              <a:rPr lang="en-US" sz="2200" dirty="0" err="1"/>
-              <a:t>ini</a:t>
-            </a:r>
-            <a:r>
-              <a:rPr lang="en-US" sz="2200" dirty="0"/>
-              <a:t> </a:t>
-            </a:r>
-            <a:r>
-              <a:rPr lang="en-US" sz="2200" dirty="0" err="1"/>
-              <a:t>kedepannya</a:t>
-            </a:r>
-            <a:r>
-              <a:rPr lang="en-US" sz="2200" dirty="0"/>
-              <a:t> </a:t>
-            </a:r>
-            <a:r>
-              <a:rPr lang="en-US" sz="2200" dirty="0" err="1"/>
-              <a:t>dapat</a:t>
-            </a:r>
-            <a:r>
-              <a:rPr lang="en-US" sz="2200" dirty="0"/>
-              <a:t> </a:t>
-            </a:r>
-            <a:r>
-              <a:rPr lang="en-US" sz="2200" dirty="0" err="1"/>
-              <a:t>digunakan</a:t>
-            </a:r>
-            <a:r>
-              <a:rPr lang="en-US" sz="2200" dirty="0"/>
-              <a:t> </a:t>
-            </a:r>
-            <a:r>
-              <a:rPr lang="en-US" sz="2200" dirty="0" err="1"/>
-              <a:t>sebagai</a:t>
-            </a:r>
-            <a:r>
-              <a:rPr lang="en-US" sz="2200" dirty="0"/>
-              <a:t> </a:t>
-            </a:r>
-            <a:r>
-              <a:rPr lang="en-US" sz="2200" dirty="0" err="1"/>
-              <a:t>acuan</a:t>
-            </a:r>
-            <a:r>
-              <a:rPr lang="en-US" sz="2200" dirty="0"/>
-              <a:t> </a:t>
-            </a:r>
-            <a:r>
-              <a:rPr lang="en-US" sz="2200" dirty="0" err="1"/>
-              <a:t>untuk</a:t>
-            </a:r>
-            <a:r>
-              <a:rPr lang="en-US" sz="2200" dirty="0"/>
-              <a:t> </a:t>
-            </a:r>
-            <a:r>
-              <a:rPr lang="en-US" sz="2200" dirty="0" err="1"/>
-              <a:t>merancang</a:t>
-            </a:r>
-            <a:r>
-              <a:rPr lang="en-US" sz="2200" dirty="0"/>
-              <a:t> </a:t>
-            </a:r>
-            <a:r>
-              <a:rPr lang="en-US" sz="2200" dirty="0" err="1"/>
-              <a:t>sistem</a:t>
-            </a:r>
-            <a:r>
-              <a:rPr lang="en-US" sz="2200" dirty="0"/>
-              <a:t> </a:t>
-            </a:r>
-            <a:r>
-              <a:rPr lang="en-US" sz="2200" dirty="0" err="1"/>
-              <a:t>komunikasi</a:t>
-            </a:r>
-            <a:r>
-              <a:rPr lang="en-US" sz="2200" dirty="0"/>
-              <a:t> Massive MIMO </a:t>
-            </a:r>
-            <a:r>
-              <a:rPr lang="en-US" sz="2200" dirty="0" err="1"/>
-              <a:t>dalam</a:t>
-            </a:r>
-            <a:r>
-              <a:rPr lang="en-US" sz="2200" dirty="0"/>
-              <a:t> </a:t>
-            </a:r>
-            <a:r>
-              <a:rPr lang="en-US" sz="2200" dirty="0" err="1"/>
-              <a:t>rangka</a:t>
-            </a:r>
-            <a:r>
-              <a:rPr lang="en-US" sz="2200" dirty="0"/>
-              <a:t> </a:t>
-            </a:r>
-            <a:r>
-              <a:rPr lang="en-US" sz="2200" dirty="0" err="1"/>
-              <a:t>mendukung</a:t>
-            </a:r>
-            <a:r>
-              <a:rPr lang="en-US" sz="2200" dirty="0"/>
-              <a:t> </a:t>
-            </a:r>
-            <a:r>
-              <a:rPr lang="en-US" sz="2200" dirty="0" err="1"/>
-              <a:t>pengembangan</a:t>
-            </a:r>
-            <a:r>
-              <a:rPr lang="en-US" sz="2200" dirty="0"/>
-              <a:t> </a:t>
-            </a:r>
-            <a:r>
-              <a:rPr lang="en-US" sz="2200" dirty="0" err="1"/>
-              <a:t>teknologi</a:t>
-            </a:r>
-            <a:r>
-              <a:rPr lang="en-US" sz="2200" dirty="0"/>
-              <a:t> 5G. </a:t>
-            </a:r>
-          </a:p>
-          <a:p>
-            <a:r>
-              <a:rPr lang="en-US" sz="2200" dirty="0"/>
-              <a:t>Hasil </a:t>
-            </a:r>
-            <a:r>
-              <a:rPr lang="en-US" sz="2200" dirty="0" err="1"/>
-              <a:t>simulasi</a:t>
-            </a:r>
-            <a:r>
-              <a:rPr lang="en-US" sz="2200" dirty="0"/>
-              <a:t> yang </a:t>
-            </a:r>
-            <a:r>
-              <a:rPr lang="en-US" sz="2200" dirty="0" err="1"/>
-              <a:t>berupa</a:t>
-            </a:r>
-            <a:r>
-              <a:rPr lang="en-US" sz="2200" dirty="0"/>
-              <a:t> </a:t>
-            </a:r>
-            <a:r>
-              <a:rPr lang="en-US" sz="2200" dirty="0" err="1"/>
-              <a:t>efisiensi</a:t>
-            </a:r>
-            <a:r>
-              <a:rPr lang="en-US" sz="2200" dirty="0"/>
-              <a:t> </a:t>
-            </a:r>
-            <a:r>
-              <a:rPr lang="en-US" sz="2200" dirty="0" err="1"/>
-              <a:t>spektrum</a:t>
-            </a:r>
-            <a:r>
-              <a:rPr lang="en-US" sz="2200" dirty="0"/>
-              <a:t> </a:t>
-            </a:r>
-            <a:r>
-              <a:rPr lang="en-US" sz="2200" dirty="0" err="1"/>
-              <a:t>dapat</a:t>
-            </a:r>
-            <a:r>
-              <a:rPr lang="en-US" sz="2200" dirty="0"/>
-              <a:t> </a:t>
-            </a:r>
-            <a:r>
-              <a:rPr lang="en-US" sz="2200" dirty="0" err="1"/>
-              <a:t>dijadikan</a:t>
-            </a:r>
-            <a:r>
-              <a:rPr lang="en-US" sz="2200" dirty="0"/>
-              <a:t> </a:t>
-            </a:r>
-            <a:r>
-              <a:rPr lang="en-US" sz="2200" dirty="0" err="1"/>
-              <a:t>tolak</a:t>
-            </a:r>
-            <a:r>
-              <a:rPr lang="en-US" sz="2200" dirty="0"/>
-              <a:t> </a:t>
-            </a:r>
-            <a:r>
-              <a:rPr lang="en-US" sz="2200" dirty="0" err="1"/>
-              <a:t>ukur</a:t>
-            </a:r>
-            <a:r>
-              <a:rPr lang="en-US" sz="2200" dirty="0"/>
-              <a:t> </a:t>
-            </a:r>
-            <a:r>
-              <a:rPr lang="en-US" sz="2200" dirty="0" err="1"/>
-              <a:t>untuk</a:t>
-            </a:r>
-            <a:r>
-              <a:rPr lang="en-US" sz="2200" dirty="0"/>
-              <a:t> </a:t>
-            </a:r>
-            <a:r>
-              <a:rPr lang="en-US" sz="2200" dirty="0" err="1"/>
-              <a:t>memberikan</a:t>
-            </a:r>
-            <a:r>
-              <a:rPr lang="en-US" sz="2200" dirty="0"/>
-              <a:t> </a:t>
-            </a:r>
-            <a:r>
-              <a:rPr lang="en-US" sz="2200" dirty="0" err="1"/>
-              <a:t>rekomendasi</a:t>
-            </a:r>
-            <a:r>
-              <a:rPr lang="en-US" sz="2200" dirty="0"/>
-              <a:t> pada </a:t>
-            </a:r>
-            <a:r>
-              <a:rPr lang="en-US" sz="2200" dirty="0" err="1"/>
-              <a:t>sistem</a:t>
-            </a:r>
-            <a:r>
-              <a:rPr lang="en-US" sz="2200" dirty="0"/>
-              <a:t> Massive MIMO agar </a:t>
-            </a:r>
-            <a:r>
-              <a:rPr lang="en-US" sz="2200" dirty="0" err="1"/>
-              <a:t>bisa</a:t>
-            </a:r>
-            <a:r>
-              <a:rPr lang="en-US" sz="2200" dirty="0"/>
-              <a:t> </a:t>
-            </a:r>
-            <a:r>
-              <a:rPr lang="en-US" sz="2200" dirty="0" err="1"/>
-              <a:t>menghasilkan</a:t>
-            </a:r>
-            <a:r>
-              <a:rPr lang="en-US" sz="2200" dirty="0"/>
-              <a:t> </a:t>
-            </a:r>
-            <a:r>
-              <a:rPr lang="en-US" sz="2200" dirty="0" err="1"/>
-              <a:t>kapasitas</a:t>
-            </a:r>
-            <a:r>
-              <a:rPr lang="en-US" sz="2200" dirty="0"/>
-              <a:t> </a:t>
-            </a:r>
-            <a:r>
-              <a:rPr lang="en-US" sz="2200" dirty="0" err="1"/>
-              <a:t>sistem</a:t>
-            </a:r>
-            <a:r>
-              <a:rPr lang="en-US" sz="2200" dirty="0"/>
-              <a:t> </a:t>
-            </a:r>
-            <a:r>
-              <a:rPr lang="en-US" sz="2200" dirty="0" err="1"/>
-              <a:t>sesuai</a:t>
-            </a:r>
-            <a:r>
-              <a:rPr lang="en-US" sz="2200" dirty="0"/>
-              <a:t> </a:t>
-            </a:r>
-            <a:r>
-              <a:rPr lang="en-US" sz="2200" dirty="0" err="1"/>
-              <a:t>dengan</a:t>
-            </a:r>
-            <a:r>
-              <a:rPr lang="en-US" sz="2200" dirty="0"/>
-              <a:t> </a:t>
-            </a:r>
-            <a:r>
-              <a:rPr lang="en-US" sz="2200" dirty="0" err="1"/>
-              <a:t>kebutuhan</a:t>
-            </a:r>
-            <a:r>
-              <a:rPr lang="en-US" sz="2200" dirty="0"/>
-              <a:t>.</a:t>
-            </a:r>
-          </a:p>
-          <a:p>
-            <a:endParaRPr lang="en-US" sz="2200" dirty="0"/>
-          </a:p>
-          <a:p>
-            <a:endParaRPr lang="en-US" sz="2200" dirty="0"/>
-          </a:p>
-          <a:p>
-            <a:endParaRPr lang="en-US" sz="2200" dirty="0"/>
-          </a:p>
-        </p:txBody>
-      </p:sp>
-    </p:spTree>
-    <p:extLst>
-      <p:ext uri="{BB962C8B-B14F-4D97-AF65-F5344CB8AC3E}">
-        <p14:creationId xmlns:p14="http://schemas.microsoft.com/office/powerpoint/2010/main" val="495232255"/>
-      </p:ext>
-    </p:extLst>
-  </p:cSld>
-  <p:clrMapOvr>
-    <a:masterClrMapping/>
-  </p:clrMapOvr>
-</p:sld>
-</file>
-
-<file path=ppt/slides/slide8.xml><?xml version="1.0" encoding="utf-8"?>
 <p:sld xmlns:a="http://schemas.openxmlformats.org/drawingml/2006/main" xmlns:r="http://schemas.openxmlformats.org/officeDocument/2006/relationships" xmlns:p="http://schemas.openxmlformats.org/presentationml/2006/main">
   <p:cSld>
     <p:spTree>
@@ -17961,10 +15929,10 @@
       </p:pic>
       <p:pic>
         <p:nvPicPr>
-          <p:cNvPr id="6" name="Picture 5">
+          <p:cNvPr id="5" name="Picture 4">
             <a:extLst>
               <a:ext uri="{FF2B5EF4-FFF2-40B4-BE49-F238E27FC236}">
-                <a16:creationId xmlns:a16="http://schemas.microsoft.com/office/drawing/2014/main" id="{B1AAD5FE-1B9D-46AB-87B2-248BE2FDF17B}"/>
+                <a16:creationId xmlns:a16="http://schemas.microsoft.com/office/drawing/2014/main" id="{493A5CF0-A4FE-49B9-93D9-E150B24C577C}"/>
               </a:ext>
             </a:extLst>
           </p:cNvPr>
@@ -17981,8 +15949,8 @@
         </p:blipFill>
         <p:spPr>
           <a:xfrm>
-            <a:off x="7048464" y="1579419"/>
-            <a:ext cx="3894027" cy="4690944"/>
+            <a:off x="6648450" y="784122"/>
+            <a:ext cx="4076700" cy="5657850"/>
           </a:xfrm>
           <a:prstGeom prst="rect">
             <a:avLst/>
@@ -18002,7 +15970,7 @@
 </p:sld>
 </file>
 
-<file path=ppt/slides/slide9.xml><?xml version="1.0" encoding="utf-8"?>
+<file path=ppt/slides/slide8.xml><?xml version="1.0" encoding="utf-8"?>
 <p:sld xmlns:a="http://schemas.openxmlformats.org/drawingml/2006/main" xmlns:r="http://schemas.openxmlformats.org/officeDocument/2006/relationships" xmlns:p="http://schemas.openxmlformats.org/presentationml/2006/main">
   <p:cSld>
     <p:spTree>
@@ -18566,6 +16534,2015 @@
     <p:extLst>
       <p:ext uri="{BB962C8B-B14F-4D97-AF65-F5344CB8AC3E}">
         <p14:creationId xmlns:p14="http://schemas.microsoft.com/office/powerpoint/2010/main" val="4275736479"/>
+      </p:ext>
+    </p:extLst>
+  </p:cSld>
+  <p:clrMapOvr>
+    <a:masterClrMapping/>
+  </p:clrMapOvr>
+</p:sld>
+</file>
+
+<file path=ppt/slides/slide9.xml><?xml version="1.0" encoding="utf-8"?>
+<p:sld xmlns:a="http://schemas.openxmlformats.org/drawingml/2006/main" xmlns:r="http://schemas.openxmlformats.org/officeDocument/2006/relationships" xmlns:p="http://schemas.openxmlformats.org/presentationml/2006/main">
+  <p:cSld>
+    <p:spTree>
+      <p:nvGrpSpPr>
+        <p:cNvPr id="1" name=""/>
+        <p:cNvGrpSpPr/>
+        <p:nvPr/>
+      </p:nvGrpSpPr>
+      <p:grpSpPr>
+        <a:xfrm>
+          <a:off x="0" y="0"/>
+          <a:ext cx="0" cy="0"/>
+          <a:chOff x="0" y="0"/>
+          <a:chExt cx="0" cy="0"/>
+        </a:xfrm>
+      </p:grpSpPr>
+      <p:sp>
+        <p:nvSpPr>
+          <p:cNvPr id="2" name="Title 1">
+            <a:extLst>
+              <a:ext uri="{FF2B5EF4-FFF2-40B4-BE49-F238E27FC236}">
+                <a16:creationId xmlns:a16="http://schemas.microsoft.com/office/drawing/2014/main" id="{BAFA07A1-D8C7-40ED-915B-07CDDA787FEF}"/>
+              </a:ext>
+            </a:extLst>
+          </p:cNvPr>
+          <p:cNvSpPr>
+            <a:spLocks noGrp="1"/>
+          </p:cNvSpPr>
+          <p:nvPr>
+            <p:ph type="title" idx="4294967295"/>
+          </p:nvPr>
+        </p:nvSpPr>
+        <p:spPr>
+          <a:xfrm>
+            <a:off x="0" y="701675"/>
+            <a:ext cx="11029950" cy="1014413"/>
+          </a:xfrm>
+        </p:spPr>
+        <p:txBody>
+          <a:bodyPr>
+            <a:normAutofit/>
+          </a:bodyPr>
+          <a:lstStyle/>
+          <a:p>
+            <a:pPr algn="ctr"/>
+            <a:r>
+              <a:rPr lang="en-US" sz="3600"/>
+              <a:t>Sistem pemancar (bts)</a:t>
+            </a:r>
+            <a:endParaRPr lang="en-US" sz="3600" dirty="0"/>
+          </a:p>
+        </p:txBody>
+      </p:sp>
+      <p:pic>
+        <p:nvPicPr>
+          <p:cNvPr id="6" name="Picture 5">
+            <a:extLst>
+              <a:ext uri="{FF2B5EF4-FFF2-40B4-BE49-F238E27FC236}">
+                <a16:creationId xmlns:a16="http://schemas.microsoft.com/office/drawing/2014/main" id="{532A8C63-AD44-42BF-ACB8-C2E85039158E}"/>
+              </a:ext>
+            </a:extLst>
+          </p:cNvPr>
+          <p:cNvPicPr/>
+          <p:nvPr/>
+        </p:nvPicPr>
+        <p:blipFill>
+          <a:blip r:embed="rId2"/>
+          <a:stretch>
+            <a:fillRect/>
+          </a:stretch>
+        </p:blipFill>
+        <p:spPr>
+          <a:xfrm>
+            <a:off x="173181" y="0"/>
+            <a:ext cx="8586634" cy="3603638"/>
+          </a:xfrm>
+          <a:prstGeom prst="rect">
+            <a:avLst/>
+          </a:prstGeom>
+        </p:spPr>
+      </p:pic>
+      <mc:AlternateContent xmlns:mc="http://schemas.openxmlformats.org/markup-compatibility/2006" xmlns:a14="http://schemas.microsoft.com/office/drawing/2010/main">
+        <mc:Choice Requires="a14">
+          <p:sp>
+            <p:nvSpPr>
+              <p:cNvPr id="4" name="Content Placeholder 2">
+                <a:extLst>
+                  <a:ext uri="{FF2B5EF4-FFF2-40B4-BE49-F238E27FC236}">
+                    <a16:creationId xmlns:a16="http://schemas.microsoft.com/office/drawing/2014/main" id="{C4BD51BC-259C-4CB5-BCE3-8669C3BC505D}"/>
+                  </a:ext>
+                </a:extLst>
+              </p:cNvPr>
+              <p:cNvSpPr txBox="1">
+                <a:spLocks/>
+              </p:cNvSpPr>
+              <p:nvPr/>
+            </p:nvSpPr>
+            <p:spPr>
+              <a:xfrm>
+                <a:off x="114189" y="3739156"/>
+                <a:ext cx="8014855" cy="2838623"/>
+              </a:xfrm>
+              <a:prstGeom prst="rect">
+                <a:avLst/>
+              </a:prstGeom>
+              <a:ln>
+                <a:solidFill>
+                  <a:srgbClr val="0070C0"/>
+                </a:solidFill>
+              </a:ln>
+            </p:spPr>
+            <p:style>
+              <a:lnRef idx="2">
+                <a:schemeClr val="accent2"/>
+              </a:lnRef>
+              <a:fillRef idx="1">
+                <a:schemeClr val="lt1"/>
+              </a:fillRef>
+              <a:effectRef idx="0">
+                <a:schemeClr val="accent2"/>
+              </a:effectRef>
+              <a:fontRef idx="minor">
+                <a:schemeClr val="dk1"/>
+              </a:fontRef>
+            </p:style>
+            <p:txBody>
+              <a:bodyPr vert="horz" lIns="91440" tIns="45720" rIns="91440" bIns="45720" rtlCol="0">
+                <a:noAutofit/>
+              </a:bodyPr>
+              <a:lstStyle>
+                <a:lvl1pPr marL="228600" indent="-228600" algn="l" defTabSz="914400" rtl="0" eaLnBrk="1" latinLnBrk="0" hangingPunct="1">
+                  <a:lnSpc>
+                    <a:spcPct val="90000"/>
+                  </a:lnSpc>
+                  <a:spcBef>
+                    <a:spcPts val="1000"/>
+                  </a:spcBef>
+                  <a:buFont typeface="Arial" panose="020B0604020202020204" pitchFamily="34" charset="0"/>
+                  <a:buChar char="•"/>
+                  <a:defRPr sz="2800" kern="1200">
+                    <a:solidFill>
+                      <a:schemeClr val="tx1"/>
+                    </a:solidFill>
+                    <a:latin typeface="+mn-lt"/>
+                    <a:ea typeface="+mn-ea"/>
+                    <a:cs typeface="+mn-cs"/>
+                  </a:defRPr>
+                </a:lvl1pPr>
+                <a:lvl2pPr marL="685800" indent="-228600" algn="l" defTabSz="914400" rtl="0" eaLnBrk="1" latinLnBrk="0" hangingPunct="1">
+                  <a:lnSpc>
+                    <a:spcPct val="90000"/>
+                  </a:lnSpc>
+                  <a:spcBef>
+                    <a:spcPts val="500"/>
+                  </a:spcBef>
+                  <a:buFont typeface="Arial" panose="020B0604020202020204" pitchFamily="34" charset="0"/>
+                  <a:buChar char="•"/>
+                  <a:defRPr sz="2400" kern="1200">
+                    <a:solidFill>
+                      <a:schemeClr val="tx1"/>
+                    </a:solidFill>
+                    <a:latin typeface="+mn-lt"/>
+                    <a:ea typeface="+mn-ea"/>
+                    <a:cs typeface="+mn-cs"/>
+                  </a:defRPr>
+                </a:lvl2pPr>
+                <a:lvl3pPr marL="1143000" indent="-228600" algn="l" defTabSz="914400" rtl="0" eaLnBrk="1" latinLnBrk="0" hangingPunct="1">
+                  <a:lnSpc>
+                    <a:spcPct val="90000"/>
+                  </a:lnSpc>
+                  <a:spcBef>
+                    <a:spcPts val="500"/>
+                  </a:spcBef>
+                  <a:buFont typeface="Arial" panose="020B0604020202020204" pitchFamily="34" charset="0"/>
+                  <a:buChar char="•"/>
+                  <a:defRPr sz="2000" kern="1200">
+                    <a:solidFill>
+                      <a:schemeClr val="tx1"/>
+                    </a:solidFill>
+                    <a:latin typeface="+mn-lt"/>
+                    <a:ea typeface="+mn-ea"/>
+                    <a:cs typeface="+mn-cs"/>
+                  </a:defRPr>
+                </a:lvl3pPr>
+                <a:lvl4pPr marL="1600200" indent="-228600" algn="l" defTabSz="914400" rtl="0" eaLnBrk="1" latinLnBrk="0" hangingPunct="1">
+                  <a:lnSpc>
+                    <a:spcPct val="90000"/>
+                  </a:lnSpc>
+                  <a:spcBef>
+                    <a:spcPts val="500"/>
+                  </a:spcBef>
+                  <a:buFont typeface="Arial" panose="020B0604020202020204" pitchFamily="34" charset="0"/>
+                  <a:buChar char="•"/>
+                  <a:defRPr sz="1800" kern="1200">
+                    <a:solidFill>
+                      <a:schemeClr val="tx1"/>
+                    </a:solidFill>
+                    <a:latin typeface="+mn-lt"/>
+                    <a:ea typeface="+mn-ea"/>
+                    <a:cs typeface="+mn-cs"/>
+                  </a:defRPr>
+                </a:lvl4pPr>
+                <a:lvl5pPr marL="2057400" indent="-228600" algn="l" defTabSz="914400" rtl="0" eaLnBrk="1" latinLnBrk="0" hangingPunct="1">
+                  <a:lnSpc>
+                    <a:spcPct val="90000"/>
+                  </a:lnSpc>
+                  <a:spcBef>
+                    <a:spcPts val="500"/>
+                  </a:spcBef>
+                  <a:buFont typeface="Arial" panose="020B0604020202020204" pitchFamily="34" charset="0"/>
+                  <a:buChar char="•"/>
+                  <a:defRPr sz="1800" kern="1200">
+                    <a:solidFill>
+                      <a:schemeClr val="tx1"/>
+                    </a:solidFill>
+                    <a:latin typeface="+mn-lt"/>
+                    <a:ea typeface="+mn-ea"/>
+                    <a:cs typeface="+mn-cs"/>
+                  </a:defRPr>
+                </a:lvl5pPr>
+                <a:lvl6pPr marL="2514600" indent="-228600" algn="l" defTabSz="914400" rtl="0" eaLnBrk="1" latinLnBrk="0" hangingPunct="1">
+                  <a:lnSpc>
+                    <a:spcPct val="90000"/>
+                  </a:lnSpc>
+                  <a:spcBef>
+                    <a:spcPts val="500"/>
+                  </a:spcBef>
+                  <a:buFont typeface="Arial" panose="020B0604020202020204" pitchFamily="34" charset="0"/>
+                  <a:buChar char="•"/>
+                  <a:defRPr sz="1800" kern="1200">
+                    <a:solidFill>
+                      <a:schemeClr val="tx1"/>
+                    </a:solidFill>
+                    <a:latin typeface="+mn-lt"/>
+                    <a:ea typeface="+mn-ea"/>
+                    <a:cs typeface="+mn-cs"/>
+                  </a:defRPr>
+                </a:lvl6pPr>
+                <a:lvl7pPr marL="2971800" indent="-228600" algn="l" defTabSz="914400" rtl="0" eaLnBrk="1" latinLnBrk="0" hangingPunct="1">
+                  <a:lnSpc>
+                    <a:spcPct val="90000"/>
+                  </a:lnSpc>
+                  <a:spcBef>
+                    <a:spcPts val="500"/>
+                  </a:spcBef>
+                  <a:buFont typeface="Arial" panose="020B0604020202020204" pitchFamily="34" charset="0"/>
+                  <a:buChar char="•"/>
+                  <a:defRPr sz="1800" kern="1200">
+                    <a:solidFill>
+                      <a:schemeClr val="tx1"/>
+                    </a:solidFill>
+                    <a:latin typeface="+mn-lt"/>
+                    <a:ea typeface="+mn-ea"/>
+                    <a:cs typeface="+mn-cs"/>
+                  </a:defRPr>
+                </a:lvl7pPr>
+                <a:lvl8pPr marL="3429000" indent="-228600" algn="l" defTabSz="914400" rtl="0" eaLnBrk="1" latinLnBrk="0" hangingPunct="1">
+                  <a:lnSpc>
+                    <a:spcPct val="90000"/>
+                  </a:lnSpc>
+                  <a:spcBef>
+                    <a:spcPts val="500"/>
+                  </a:spcBef>
+                  <a:buFont typeface="Arial" panose="020B0604020202020204" pitchFamily="34" charset="0"/>
+                  <a:buChar char="•"/>
+                  <a:defRPr sz="1800" kern="1200">
+                    <a:solidFill>
+                      <a:schemeClr val="tx1"/>
+                    </a:solidFill>
+                    <a:latin typeface="+mn-lt"/>
+                    <a:ea typeface="+mn-ea"/>
+                    <a:cs typeface="+mn-cs"/>
+                  </a:defRPr>
+                </a:lvl8pPr>
+                <a:lvl9pPr marL="3886200" indent="-228600" algn="l" defTabSz="914400" rtl="0" eaLnBrk="1" latinLnBrk="0" hangingPunct="1">
+                  <a:lnSpc>
+                    <a:spcPct val="90000"/>
+                  </a:lnSpc>
+                  <a:spcBef>
+                    <a:spcPts val="500"/>
+                  </a:spcBef>
+                  <a:buFont typeface="Arial" panose="020B0604020202020204" pitchFamily="34" charset="0"/>
+                  <a:buChar char="•"/>
+                  <a:defRPr sz="1800" kern="1200">
+                    <a:solidFill>
+                      <a:schemeClr val="tx1"/>
+                    </a:solidFill>
+                    <a:latin typeface="+mn-lt"/>
+                    <a:ea typeface="+mn-ea"/>
+                    <a:cs typeface="+mn-cs"/>
+                  </a:defRPr>
+                </a:lvl9pPr>
+              </a:lstStyle>
+              <a:p>
+                <a:pPr>
+                  <a:lnSpc>
+                    <a:spcPct val="100000"/>
+                  </a:lnSpc>
+                  <a:spcBef>
+                    <a:spcPts val="0"/>
+                  </a:spcBef>
+                </a:pPr>
+                <a:r>
+                  <a:rPr lang="en-ID" sz="2000">
+                    <a:latin typeface="Times New Roman" panose="02020603050405020304" pitchFamily="18" charset="0"/>
+                    <a:cs typeface="Times New Roman" panose="02020603050405020304" pitchFamily="18" charset="0"/>
+                  </a:rPr>
+                  <a:t>Data pada tiap subcarrier: </a:t>
+                </a:r>
+                <a14:m>
+                  <m:oMath xmlns:m="http://schemas.openxmlformats.org/officeDocument/2006/math">
+                    <m:sSub>
+                      <m:sSubPr>
+                        <m:ctrlPr>
+                          <a:rPr lang="en-ID" sz="2000" b="1" i="1" smtClean="0">
+                            <a:effectLst/>
+                            <a:latin typeface="Cambria Math" panose="02040503050406030204" pitchFamily="18" charset="0"/>
+                            <a:cs typeface="Times New Roman" panose="02020603050405020304" pitchFamily="18" charset="0"/>
+                          </a:rPr>
+                        </m:ctrlPr>
+                      </m:sSubPr>
+                      <m:e>
+                        <m:r>
+                          <a:rPr lang="id-ID" sz="2000" b="1" i="1">
+                            <a:effectLst/>
+                            <a:latin typeface="Cambria Math" panose="02040503050406030204" pitchFamily="18" charset="0"/>
+                            <a:ea typeface="Calibri" panose="020F0502020204030204" pitchFamily="34" charset="0"/>
+                            <a:cs typeface="Times New Roman" panose="02020603050405020304" pitchFamily="18" charset="0"/>
+                          </a:rPr>
+                          <m:t>𝒒</m:t>
+                        </m:r>
+                      </m:e>
+                      <m:sub>
+                        <m:r>
+                          <a:rPr lang="id-ID" sz="2000" b="1" i="1">
+                            <a:effectLst/>
+                            <a:latin typeface="Cambria Math" panose="02040503050406030204" pitchFamily="18" charset="0"/>
+                            <a:ea typeface="Calibri" panose="020F0502020204030204" pitchFamily="34" charset="0"/>
+                            <a:cs typeface="Times New Roman" panose="02020603050405020304" pitchFamily="18" charset="0"/>
+                          </a:rPr>
+                          <m:t>𝒏</m:t>
+                        </m:r>
+                      </m:sub>
+                    </m:sSub>
+                    <m:r>
+                      <a:rPr lang="id-ID" sz="2000" b="1" i="1">
+                        <a:solidFill>
+                          <a:srgbClr val="4D5156"/>
+                        </a:solidFill>
+                        <a:effectLst/>
+                        <a:latin typeface="Cambria Math" panose="02040503050406030204" pitchFamily="18" charset="0"/>
+                        <a:ea typeface="Calibri" panose="020F0502020204030204" pitchFamily="34" charset="0"/>
+                        <a:cs typeface="Times New Roman" panose="02020603050405020304" pitchFamily="18" charset="0"/>
+                      </a:rPr>
+                      <m:t>∈</m:t>
+                    </m:r>
+                    <m:sSup>
+                      <m:sSupPr>
+                        <m:ctrlPr>
+                          <a:rPr lang="en-ID" sz="2000" i="1">
+                            <a:effectLst/>
+                            <a:latin typeface="Cambria Math" panose="02040503050406030204" pitchFamily="18" charset="0"/>
+                            <a:cs typeface="Times New Roman" panose="02020603050405020304" pitchFamily="18" charset="0"/>
+                          </a:rPr>
+                        </m:ctrlPr>
+                      </m:sSupPr>
+                      <m:e>
+                        <m:r>
+                          <a:rPr lang="id-ID" sz="2000" i="1">
+                            <a:effectLst/>
+                            <a:latin typeface="Cambria Math" panose="02040503050406030204" pitchFamily="18" charset="0"/>
+                            <a:ea typeface="Calibri" panose="020F0502020204030204" pitchFamily="34" charset="0"/>
+                            <a:cs typeface="Times New Roman" panose="02020603050405020304" pitchFamily="18" charset="0"/>
+                          </a:rPr>
+                          <m:t> </m:t>
+                        </m:r>
+                        <m:r>
+                          <a:rPr lang="id-ID" sz="2000" i="1">
+                            <a:effectLst/>
+                            <a:latin typeface="Cambria Math" panose="02040503050406030204" pitchFamily="18" charset="0"/>
+                            <a:ea typeface="Calibri" panose="020F0502020204030204" pitchFamily="34" charset="0"/>
+                            <a:cs typeface="Times New Roman" panose="02020603050405020304" pitchFamily="18" charset="0"/>
+                          </a:rPr>
+                          <m:t>𝐶</m:t>
+                        </m:r>
+                      </m:e>
+                      <m:sup>
+                        <m:r>
+                          <a:rPr lang="id-ID" sz="2000" i="1">
+                            <a:effectLst/>
+                            <a:latin typeface="Cambria Math" panose="02040503050406030204" pitchFamily="18" charset="0"/>
+                            <a:ea typeface="Calibri" panose="020F0502020204030204" pitchFamily="34" charset="0"/>
+                            <a:cs typeface="Times New Roman" panose="02020603050405020304" pitchFamily="18" charset="0"/>
+                          </a:rPr>
+                          <m:t>𝑀</m:t>
+                        </m:r>
+                        <m:r>
+                          <a:rPr lang="id-ID" sz="2000" i="1">
+                            <a:effectLst/>
+                            <a:latin typeface="Cambria Math" panose="02040503050406030204" pitchFamily="18" charset="0"/>
+                            <a:ea typeface="Calibri" panose="020F0502020204030204" pitchFamily="34" charset="0"/>
+                            <a:cs typeface="Times New Roman" panose="02020603050405020304" pitchFamily="18" charset="0"/>
+                          </a:rPr>
+                          <m:t>×1</m:t>
+                        </m:r>
+                      </m:sup>
+                    </m:sSup>
+                  </m:oMath>
+                </a14:m>
+                <a:endParaRPr lang="en-US" sz="2000">
+                  <a:effectLst/>
+                  <a:latin typeface="Times New Roman" panose="02020603050405020304" pitchFamily="18" charset="0"/>
+                  <a:ea typeface="Calibri" panose="020F0502020204030204" pitchFamily="34" charset="0"/>
+                  <a:cs typeface="Times New Roman" panose="02020603050405020304" pitchFamily="18" charset="0"/>
+                </a:endParaRPr>
+              </a:p>
+              <a:p>
+                <a:pPr>
+                  <a:lnSpc>
+                    <a:spcPct val="100000"/>
+                  </a:lnSpc>
+                  <a:spcBef>
+                    <a:spcPts val="0"/>
+                  </a:spcBef>
+                </a:pPr>
+                <a:r>
+                  <a:rPr lang="en-ID" sz="2000">
+                    <a:latin typeface="Times New Roman" panose="02020603050405020304" pitchFamily="18" charset="0"/>
+                    <a:cs typeface="Times New Roman" panose="02020603050405020304" pitchFamily="18" charset="0"/>
+                  </a:rPr>
+                  <a:t>Respon kanal domain waktu:  </a:t>
+                </a:r>
+                <a14:m>
+                  <m:oMath xmlns:m="http://schemas.openxmlformats.org/officeDocument/2006/math">
+                    <m:sSub>
+                      <m:sSubPr>
+                        <m:ctrlPr>
+                          <a:rPr lang="en-ID" sz="2000" b="1" i="1" smtClean="0">
+                            <a:effectLst/>
+                            <a:latin typeface="Cambria Math" panose="02040503050406030204" pitchFamily="18" charset="0"/>
+                            <a:cs typeface="Times New Roman" panose="02020603050405020304" pitchFamily="18" charset="0"/>
+                          </a:rPr>
+                        </m:ctrlPr>
+                      </m:sSubPr>
+                      <m:e>
+                        <m:r>
+                          <a:rPr lang="id-ID" sz="2000" b="1" i="1">
+                            <a:effectLst/>
+                            <a:latin typeface="Cambria Math" panose="02040503050406030204" pitchFamily="18" charset="0"/>
+                            <a:ea typeface="Calibri" panose="020F0502020204030204" pitchFamily="34" charset="0"/>
+                            <a:cs typeface="Times New Roman" panose="02020603050405020304" pitchFamily="18" charset="0"/>
+                          </a:rPr>
+                          <m:t>𝐇</m:t>
+                        </m:r>
+                      </m:e>
+                      <m:sub>
+                        <m:r>
+                          <a:rPr lang="id-ID" sz="2000" b="1" i="1">
+                            <a:effectLst/>
+                            <a:latin typeface="Cambria Math" panose="02040503050406030204" pitchFamily="18" charset="0"/>
+                            <a:ea typeface="Calibri" panose="020F0502020204030204" pitchFamily="34" charset="0"/>
+                            <a:cs typeface="Times New Roman" panose="02020603050405020304" pitchFamily="18" charset="0"/>
+                          </a:rPr>
+                          <m:t>𝑹𝒍</m:t>
+                        </m:r>
+                      </m:sub>
+                    </m:sSub>
+                    <m:r>
+                      <a:rPr lang="id-ID" sz="2000" i="1">
+                        <a:effectLst/>
+                        <a:latin typeface="Cambria Math" panose="02040503050406030204" pitchFamily="18" charset="0"/>
+                        <a:ea typeface="Calibri" panose="020F0502020204030204" pitchFamily="34" charset="0"/>
+                        <a:cs typeface="Times New Roman" panose="02020603050405020304" pitchFamily="18" charset="0"/>
+                      </a:rPr>
+                      <m:t>∈</m:t>
+                    </m:r>
+                    <m:sSup>
+                      <m:sSupPr>
+                        <m:ctrlPr>
+                          <a:rPr lang="en-ID" sz="2000" i="1">
+                            <a:effectLst/>
+                            <a:latin typeface="Cambria Math" panose="02040503050406030204" pitchFamily="18" charset="0"/>
+                            <a:cs typeface="Times New Roman" panose="02020603050405020304" pitchFamily="18" charset="0"/>
+                          </a:rPr>
+                        </m:ctrlPr>
+                      </m:sSupPr>
+                      <m:e>
+                        <m:r>
+                          <a:rPr lang="id-ID" sz="2000" i="1">
+                            <a:effectLst/>
+                            <a:latin typeface="Cambria Math" panose="02040503050406030204" pitchFamily="18" charset="0"/>
+                            <a:ea typeface="Calibri" panose="020F0502020204030204" pitchFamily="34" charset="0"/>
+                            <a:cs typeface="Times New Roman" panose="02020603050405020304" pitchFamily="18" charset="0"/>
+                          </a:rPr>
+                          <m:t>ℂ</m:t>
+                        </m:r>
+                      </m:e>
+                      <m:sup>
+                        <m:r>
+                          <a:rPr lang="id-ID" sz="2000" i="1">
+                            <a:effectLst/>
+                            <a:latin typeface="Cambria Math" panose="02040503050406030204" pitchFamily="18" charset="0"/>
+                            <a:ea typeface="Calibri" panose="020F0502020204030204" pitchFamily="34" charset="0"/>
+                            <a:cs typeface="Times New Roman" panose="02020603050405020304" pitchFamily="18" charset="0"/>
+                          </a:rPr>
+                          <m:t>𝐾</m:t>
+                        </m:r>
+                        <m:r>
+                          <a:rPr lang="id-ID" sz="2000" i="1">
+                            <a:effectLst/>
+                            <a:latin typeface="Cambria Math" panose="02040503050406030204" pitchFamily="18" charset="0"/>
+                            <a:ea typeface="Calibri" panose="020F0502020204030204" pitchFamily="34" charset="0"/>
+                            <a:cs typeface="Times New Roman" panose="02020603050405020304" pitchFamily="18" charset="0"/>
+                          </a:rPr>
+                          <m:t>×</m:t>
+                        </m:r>
+                        <m:r>
+                          <a:rPr lang="id-ID" sz="2000" i="1">
+                            <a:effectLst/>
+                            <a:latin typeface="Cambria Math" panose="02040503050406030204" pitchFamily="18" charset="0"/>
+                            <a:ea typeface="Calibri" panose="020F0502020204030204" pitchFamily="34" charset="0"/>
+                            <a:cs typeface="Times New Roman" panose="02020603050405020304" pitchFamily="18" charset="0"/>
+                          </a:rPr>
+                          <m:t>𝑀</m:t>
+                        </m:r>
+                      </m:sup>
+                    </m:sSup>
+                    <m:r>
+                      <a:rPr lang="en-US" sz="2000" b="0" i="1" smtClean="0">
+                        <a:effectLst/>
+                        <a:latin typeface="Cambria Math" panose="02040503050406030204" pitchFamily="18" charset="0"/>
+                        <a:ea typeface="Calibri" panose="020F0502020204030204" pitchFamily="34" charset="0"/>
+                        <a:cs typeface="Times New Roman" panose="02020603050405020304" pitchFamily="18" charset="0"/>
+                      </a:rPr>
+                      <m:t>,       </m:t>
+                    </m:r>
+                    <m:r>
+                      <a:rPr lang="en-US" sz="2000" b="0" i="1" smtClean="0">
+                        <a:effectLst/>
+                        <a:latin typeface="Cambria Math" panose="02040503050406030204" pitchFamily="18" charset="0"/>
+                        <a:ea typeface="Calibri" panose="020F0502020204030204" pitchFamily="34" charset="0"/>
+                        <a:cs typeface="Times New Roman" panose="02020603050405020304" pitchFamily="18" charset="0"/>
+                      </a:rPr>
+                      <m:t>𝑙</m:t>
+                    </m:r>
+                    <m:r>
+                      <a:rPr lang="id-ID" sz="2000" i="1" smtClean="0">
+                        <a:effectLst/>
+                        <a:latin typeface="Cambria Math" panose="02040503050406030204" pitchFamily="18" charset="0"/>
+                        <a:ea typeface="Times New Roman" panose="02020603050405020304" pitchFamily="18" charset="0"/>
+                        <a:cs typeface="Times New Roman" panose="02020603050405020304" pitchFamily="18" charset="0"/>
+                      </a:rPr>
+                      <m:t>=0, 1, . . . , </m:t>
+                    </m:r>
+                    <m:r>
+                      <a:rPr lang="en-US" sz="2000" b="0" i="1" smtClean="0">
+                        <a:effectLst/>
+                        <a:latin typeface="Cambria Math" panose="02040503050406030204" pitchFamily="18" charset="0"/>
+                        <a:ea typeface="Times New Roman" panose="02020603050405020304" pitchFamily="18" charset="0"/>
+                        <a:cs typeface="Times New Roman" panose="02020603050405020304" pitchFamily="18" charset="0"/>
+                      </a:rPr>
+                      <m:t>𝐿</m:t>
+                    </m:r>
+                    <m:r>
+                      <a:rPr lang="en-US" sz="2000" b="0" i="1" smtClean="0">
+                        <a:effectLst/>
+                        <a:latin typeface="Cambria Math" panose="02040503050406030204" pitchFamily="18" charset="0"/>
+                        <a:ea typeface="Times New Roman" panose="02020603050405020304" pitchFamily="18" charset="0"/>
+                        <a:cs typeface="Times New Roman" panose="02020603050405020304" pitchFamily="18" charset="0"/>
+                      </a:rPr>
+                      <m:t>−1</m:t>
+                    </m:r>
+                  </m:oMath>
+                </a14:m>
+                <a:endParaRPr lang="en-ID" sz="2000">
+                  <a:latin typeface="Times New Roman" panose="02020603050405020304" pitchFamily="18" charset="0"/>
+                  <a:cs typeface="Times New Roman" panose="02020603050405020304" pitchFamily="18" charset="0"/>
+                </a:endParaRPr>
+              </a:p>
+              <a:p>
+                <a:pPr>
+                  <a:lnSpc>
+                    <a:spcPct val="100000"/>
+                  </a:lnSpc>
+                  <a:spcBef>
+                    <a:spcPts val="0"/>
+                  </a:spcBef>
+                </a:pPr>
+                <a:r>
+                  <a:rPr lang="en-ID" sz="2000">
+                    <a:latin typeface="Times New Roman" panose="02020603050405020304" pitchFamily="18" charset="0"/>
+                    <a:cs typeface="Times New Roman" panose="02020603050405020304" pitchFamily="18" charset="0"/>
+                  </a:rPr>
+                  <a:t>Respon kanal domain frekuensi : </a:t>
+                </a:r>
+                <a14:m>
+                  <m:oMath xmlns:m="http://schemas.openxmlformats.org/officeDocument/2006/math">
+                    <m:sSub>
+                      <m:sSubPr>
+                        <m:ctrlPr>
+                          <a:rPr lang="en-ID" sz="2000" i="1" smtClean="0">
+                            <a:effectLst/>
+                            <a:latin typeface="Cambria Math" panose="02040503050406030204" pitchFamily="18" charset="0"/>
+                            <a:ea typeface="Times New Roman" panose="02020603050405020304" pitchFamily="18" charset="0"/>
+                            <a:cs typeface="Times New Roman" panose="02020603050405020304" pitchFamily="18" charset="0"/>
+                          </a:rPr>
+                        </m:ctrlPr>
+                      </m:sSubPr>
+                      <m:e>
+                        <m:r>
+                          <a:rPr lang="id-ID" sz="2000" b="1" i="1">
+                            <a:effectLst/>
+                            <a:latin typeface="Cambria Math" panose="02040503050406030204" pitchFamily="18" charset="0"/>
+                            <a:ea typeface="Times New Roman" panose="02020603050405020304" pitchFamily="18" charset="0"/>
+                            <a:cs typeface="Times New Roman" panose="02020603050405020304" pitchFamily="18" charset="0"/>
+                          </a:rPr>
+                          <m:t>𝐇</m:t>
+                        </m:r>
+                      </m:e>
+                      <m:sub>
+                        <m:r>
+                          <a:rPr lang="id-ID" sz="2000" i="1">
+                            <a:effectLst/>
+                            <a:latin typeface="Cambria Math" panose="02040503050406030204" pitchFamily="18" charset="0"/>
+                            <a:ea typeface="Times New Roman" panose="02020603050405020304" pitchFamily="18" charset="0"/>
+                            <a:cs typeface="Times New Roman" panose="02020603050405020304" pitchFamily="18" charset="0"/>
+                          </a:rPr>
+                          <m:t>𝑛</m:t>
+                        </m:r>
+                      </m:sub>
+                    </m:sSub>
+                    <m:r>
+                      <a:rPr lang="id-ID" sz="2000" i="1">
+                        <a:latin typeface="Cambria Math" panose="02040503050406030204" pitchFamily="18" charset="0"/>
+                        <a:ea typeface="Calibri" panose="020F0502020204030204" pitchFamily="34" charset="0"/>
+                        <a:cs typeface="Times New Roman" panose="02020603050405020304" pitchFamily="18" charset="0"/>
+                      </a:rPr>
+                      <m:t>∈</m:t>
+                    </m:r>
+                    <m:sSup>
+                      <m:sSupPr>
+                        <m:ctrlPr>
+                          <a:rPr lang="en-ID" sz="2000" i="1">
+                            <a:latin typeface="Cambria Math" panose="02040503050406030204" pitchFamily="18" charset="0"/>
+                            <a:cs typeface="Times New Roman" panose="02020603050405020304" pitchFamily="18" charset="0"/>
+                          </a:rPr>
+                        </m:ctrlPr>
+                      </m:sSupPr>
+                      <m:e>
+                        <m:r>
+                          <a:rPr lang="id-ID" sz="2000" i="1">
+                            <a:latin typeface="Cambria Math" panose="02040503050406030204" pitchFamily="18" charset="0"/>
+                            <a:ea typeface="Calibri" panose="020F0502020204030204" pitchFamily="34" charset="0"/>
+                            <a:cs typeface="Times New Roman" panose="02020603050405020304" pitchFamily="18" charset="0"/>
+                          </a:rPr>
+                          <m:t>ℂ</m:t>
+                        </m:r>
+                      </m:e>
+                      <m:sup>
+                        <m:r>
+                          <a:rPr lang="id-ID" sz="2000" i="1">
+                            <a:latin typeface="Cambria Math" panose="02040503050406030204" pitchFamily="18" charset="0"/>
+                            <a:ea typeface="Calibri" panose="020F0502020204030204" pitchFamily="34" charset="0"/>
+                            <a:cs typeface="Times New Roman" panose="02020603050405020304" pitchFamily="18" charset="0"/>
+                          </a:rPr>
+                          <m:t>𝐾</m:t>
+                        </m:r>
+                        <m:r>
+                          <a:rPr lang="id-ID" sz="2000" i="1">
+                            <a:latin typeface="Cambria Math" panose="02040503050406030204" pitchFamily="18" charset="0"/>
+                            <a:ea typeface="Calibri" panose="020F0502020204030204" pitchFamily="34" charset="0"/>
+                            <a:cs typeface="Times New Roman" panose="02020603050405020304" pitchFamily="18" charset="0"/>
+                          </a:rPr>
+                          <m:t>×</m:t>
+                        </m:r>
+                        <m:r>
+                          <a:rPr lang="id-ID" sz="2000" i="1">
+                            <a:latin typeface="Cambria Math" panose="02040503050406030204" pitchFamily="18" charset="0"/>
+                            <a:ea typeface="Calibri" panose="020F0502020204030204" pitchFamily="34" charset="0"/>
+                            <a:cs typeface="Times New Roman" panose="02020603050405020304" pitchFamily="18" charset="0"/>
+                          </a:rPr>
+                          <m:t>𝑀</m:t>
+                        </m:r>
+                      </m:sup>
+                    </m:sSup>
+                    <m:r>
+                      <a:rPr lang="id-ID" sz="2000" i="1">
+                        <a:effectLst/>
+                        <a:latin typeface="Cambria Math" panose="02040503050406030204" pitchFamily="18" charset="0"/>
+                        <a:ea typeface="Times New Roman" panose="02020603050405020304" pitchFamily="18" charset="0"/>
+                        <a:cs typeface="Times New Roman" panose="02020603050405020304" pitchFamily="18" charset="0"/>
+                      </a:rPr>
+                      <m:t>=</m:t>
+                    </m:r>
+                    <m:nary>
+                      <m:naryPr>
+                        <m:chr m:val="∑"/>
+                        <m:limLoc m:val="undOvr"/>
+                        <m:ctrlPr>
+                          <a:rPr lang="en-ID" sz="2000" i="1">
+                            <a:effectLst/>
+                            <a:latin typeface="Cambria Math" panose="02040503050406030204" pitchFamily="18" charset="0"/>
+                            <a:ea typeface="Times New Roman" panose="02020603050405020304" pitchFamily="18" charset="0"/>
+                            <a:cs typeface="Times New Roman" panose="02020603050405020304" pitchFamily="18" charset="0"/>
+                          </a:rPr>
+                        </m:ctrlPr>
+                      </m:naryPr>
+                      <m:sub>
+                        <m:r>
+                          <a:rPr lang="id-ID" sz="2000" i="1">
+                            <a:effectLst/>
+                            <a:latin typeface="Cambria Math" panose="02040503050406030204" pitchFamily="18" charset="0"/>
+                            <a:ea typeface="Times New Roman" panose="02020603050405020304" pitchFamily="18" charset="0"/>
+                            <a:cs typeface="Times New Roman" panose="02020603050405020304" pitchFamily="18" charset="0"/>
+                          </a:rPr>
+                          <m:t>𝑙</m:t>
+                        </m:r>
+                        <m:r>
+                          <a:rPr lang="id-ID" sz="2000" i="1">
+                            <a:effectLst/>
+                            <a:latin typeface="Cambria Math" panose="02040503050406030204" pitchFamily="18" charset="0"/>
+                            <a:ea typeface="Times New Roman" panose="02020603050405020304" pitchFamily="18" charset="0"/>
+                            <a:cs typeface="Times New Roman" panose="02020603050405020304" pitchFamily="18" charset="0"/>
+                          </a:rPr>
+                          <m:t>=0</m:t>
+                        </m:r>
+                      </m:sub>
+                      <m:sup>
+                        <m:r>
+                          <a:rPr lang="id-ID" sz="2000" i="1">
+                            <a:effectLst/>
+                            <a:latin typeface="Cambria Math" panose="02040503050406030204" pitchFamily="18" charset="0"/>
+                            <a:ea typeface="Times New Roman" panose="02020603050405020304" pitchFamily="18" charset="0"/>
+                            <a:cs typeface="Times New Roman" panose="02020603050405020304" pitchFamily="18" charset="0"/>
+                          </a:rPr>
+                          <m:t>𝐿</m:t>
+                        </m:r>
+                        <m:r>
+                          <a:rPr lang="id-ID" sz="2000" i="1">
+                            <a:effectLst/>
+                            <a:latin typeface="Cambria Math" panose="02040503050406030204" pitchFamily="18" charset="0"/>
+                            <a:ea typeface="Times New Roman" panose="02020603050405020304" pitchFamily="18" charset="0"/>
+                            <a:cs typeface="Times New Roman" panose="02020603050405020304" pitchFamily="18" charset="0"/>
+                          </a:rPr>
+                          <m:t>−1</m:t>
+                        </m:r>
+                      </m:sup>
+                      <m:e>
+                        <m:sSub>
+                          <m:sSubPr>
+                            <m:ctrlPr>
+                              <a:rPr lang="en-ID" sz="2000" b="1" i="1">
+                                <a:effectLst/>
+                                <a:latin typeface="Cambria Math" panose="02040503050406030204" pitchFamily="18" charset="0"/>
+                                <a:ea typeface="Times New Roman" panose="02020603050405020304" pitchFamily="18" charset="0"/>
+                                <a:cs typeface="Times New Roman" panose="02020603050405020304" pitchFamily="18" charset="0"/>
+                              </a:rPr>
+                            </m:ctrlPr>
+                          </m:sSubPr>
+                          <m:e>
+                            <m:r>
+                              <a:rPr lang="id-ID" sz="2000" b="1" i="1">
+                                <a:effectLst/>
+                                <a:latin typeface="Cambria Math" panose="02040503050406030204" pitchFamily="18" charset="0"/>
+                                <a:ea typeface="Times New Roman" panose="02020603050405020304" pitchFamily="18" charset="0"/>
+                                <a:cs typeface="Times New Roman" panose="02020603050405020304" pitchFamily="18" charset="0"/>
+                              </a:rPr>
+                              <m:t>𝐇</m:t>
+                            </m:r>
+                          </m:e>
+                          <m:sub>
+                            <m:r>
+                              <a:rPr lang="id-ID" sz="2000" b="1" i="1">
+                                <a:effectLst/>
+                                <a:latin typeface="Cambria Math" panose="02040503050406030204" pitchFamily="18" charset="0"/>
+                                <a:ea typeface="Times New Roman" panose="02020603050405020304" pitchFamily="18" charset="0"/>
+                                <a:cs typeface="Times New Roman" panose="02020603050405020304" pitchFamily="18" charset="0"/>
+                              </a:rPr>
+                              <m:t>𝒍</m:t>
+                            </m:r>
+                          </m:sub>
+                        </m:sSub>
+                      </m:e>
+                    </m:nary>
+                    <m:r>
+                      <m:rPr>
+                        <m:sty m:val="p"/>
+                      </m:rPr>
+                      <a:rPr lang="id-ID" sz="2000">
+                        <a:effectLst/>
+                        <a:latin typeface="Cambria Math" panose="02040503050406030204" pitchFamily="18" charset="0"/>
+                        <a:ea typeface="Times New Roman" panose="02020603050405020304" pitchFamily="18" charset="0"/>
+                        <a:cs typeface="Times New Roman" panose="02020603050405020304" pitchFamily="18" charset="0"/>
+                      </a:rPr>
+                      <m:t>exp</m:t>
+                    </m:r>
+                    <m:d>
+                      <m:dPr>
+                        <m:ctrlPr>
+                          <a:rPr lang="en-ID" sz="2000" i="1">
+                            <a:effectLst/>
+                            <a:latin typeface="Cambria Math" panose="02040503050406030204" pitchFamily="18" charset="0"/>
+                            <a:ea typeface="Times New Roman" panose="02020603050405020304" pitchFamily="18" charset="0"/>
+                            <a:cs typeface="Times New Roman" panose="02020603050405020304" pitchFamily="18" charset="0"/>
+                          </a:rPr>
+                        </m:ctrlPr>
+                      </m:dPr>
+                      <m:e>
+                        <m:r>
+                          <a:rPr lang="id-ID" sz="2000" i="1">
+                            <a:effectLst/>
+                            <a:latin typeface="Cambria Math" panose="02040503050406030204" pitchFamily="18" charset="0"/>
+                            <a:ea typeface="Times New Roman" panose="02020603050405020304" pitchFamily="18" charset="0"/>
+                            <a:cs typeface="Times New Roman" panose="02020603050405020304" pitchFamily="18" charset="0"/>
+                          </a:rPr>
+                          <m:t>−</m:t>
+                        </m:r>
+                        <m:r>
+                          <a:rPr lang="id-ID" sz="2000" i="1">
+                            <a:effectLst/>
+                            <a:latin typeface="Cambria Math" panose="02040503050406030204" pitchFamily="18" charset="0"/>
+                            <a:ea typeface="Times New Roman" panose="02020603050405020304" pitchFamily="18" charset="0"/>
+                            <a:cs typeface="Times New Roman" panose="02020603050405020304" pitchFamily="18" charset="0"/>
+                          </a:rPr>
+                          <m:t>𝑗𝑛</m:t>
+                        </m:r>
+                        <m:f>
+                          <m:fPr>
+                            <m:ctrlPr>
+                              <a:rPr lang="en-ID" sz="2000" i="1">
+                                <a:effectLst/>
+                                <a:latin typeface="Cambria Math" panose="02040503050406030204" pitchFamily="18" charset="0"/>
+                                <a:ea typeface="Times New Roman" panose="02020603050405020304" pitchFamily="18" charset="0"/>
+                                <a:cs typeface="Times New Roman" panose="02020603050405020304" pitchFamily="18" charset="0"/>
+                              </a:rPr>
+                            </m:ctrlPr>
+                          </m:fPr>
+                          <m:num>
+                            <m:r>
+                              <a:rPr lang="id-ID" sz="2000" i="1">
+                                <a:effectLst/>
+                                <a:latin typeface="Cambria Math" panose="02040503050406030204" pitchFamily="18" charset="0"/>
+                                <a:ea typeface="Times New Roman" panose="02020603050405020304" pitchFamily="18" charset="0"/>
+                                <a:cs typeface="Times New Roman" panose="02020603050405020304" pitchFamily="18" charset="0"/>
+                              </a:rPr>
+                              <m:t>2</m:t>
+                            </m:r>
+                            <m:r>
+                              <a:rPr lang="id-ID" sz="2000" i="1">
+                                <a:effectLst/>
+                                <a:latin typeface="Cambria Math" panose="02040503050406030204" pitchFamily="18" charset="0"/>
+                                <a:ea typeface="Times New Roman" panose="02020603050405020304" pitchFamily="18" charset="0"/>
+                                <a:cs typeface="Times New Roman" panose="02020603050405020304" pitchFamily="18" charset="0"/>
+                              </a:rPr>
+                              <m:t>𝜋</m:t>
+                            </m:r>
+                          </m:num>
+                          <m:den>
+                            <m:r>
+                              <a:rPr lang="id-ID" sz="2000" i="1">
+                                <a:effectLst/>
+                                <a:latin typeface="Cambria Math" panose="02040503050406030204" pitchFamily="18" charset="0"/>
+                                <a:ea typeface="Times New Roman" panose="02020603050405020304" pitchFamily="18" charset="0"/>
+                                <a:cs typeface="Times New Roman" panose="02020603050405020304" pitchFamily="18" charset="0"/>
+                              </a:rPr>
+                              <m:t>𝑁</m:t>
+                            </m:r>
+                          </m:den>
+                        </m:f>
+                        <m:r>
+                          <a:rPr lang="id-ID" sz="2000" i="1">
+                            <a:effectLst/>
+                            <a:latin typeface="Cambria Math" panose="02040503050406030204" pitchFamily="18" charset="0"/>
+                            <a:ea typeface="Times New Roman" panose="02020603050405020304" pitchFamily="18" charset="0"/>
+                            <a:cs typeface="Times New Roman" panose="02020603050405020304" pitchFamily="18" charset="0"/>
+                          </a:rPr>
+                          <m:t>𝑙</m:t>
+                        </m:r>
+                      </m:e>
+                    </m:d>
+                  </m:oMath>
+                </a14:m>
+                <a:endParaRPr lang="en-US" sz="2000">
+                  <a:effectLst/>
+                  <a:latin typeface="Times New Roman" panose="02020603050405020304" pitchFamily="18" charset="0"/>
+                  <a:ea typeface="Times New Roman" panose="02020603050405020304" pitchFamily="18" charset="0"/>
+                  <a:cs typeface="Times New Roman" panose="02020603050405020304" pitchFamily="18" charset="0"/>
+                </a:endParaRPr>
+              </a:p>
+              <a:p>
+                <a:pPr>
+                  <a:lnSpc>
+                    <a:spcPct val="100000"/>
+                  </a:lnSpc>
+                  <a:spcBef>
+                    <a:spcPts val="0"/>
+                  </a:spcBef>
+                </a:pPr>
+                <a:r>
+                  <a:rPr lang="en-US" sz="2000">
+                    <a:latin typeface="Times New Roman" panose="02020603050405020304" pitchFamily="18" charset="0"/>
+                    <a:cs typeface="Times New Roman" panose="02020603050405020304" pitchFamily="18" charset="0"/>
+                  </a:rPr>
+                  <a:t>Precoding tiap subcarrier: </a:t>
+                </a:r>
+                <a14:m>
+                  <m:oMath xmlns:m="http://schemas.openxmlformats.org/officeDocument/2006/math">
+                    <m:sSub>
+                      <m:sSubPr>
+                        <m:ctrlPr>
+                          <a:rPr lang="en-ID" sz="2000" i="1" smtClean="0">
+                            <a:effectLst/>
+                            <a:latin typeface="Cambria Math" panose="02040503050406030204" pitchFamily="18" charset="0"/>
+                            <a:cs typeface="Times New Roman" panose="02020603050405020304" pitchFamily="18" charset="0"/>
+                          </a:rPr>
+                        </m:ctrlPr>
+                      </m:sSubPr>
+                      <m:e>
+                        <m:r>
+                          <a:rPr lang="id-ID" sz="2000" b="1" i="1">
+                            <a:effectLst/>
+                            <a:latin typeface="Cambria Math" panose="02040503050406030204" pitchFamily="18" charset="0"/>
+                            <a:ea typeface="Calibri" panose="020F0502020204030204" pitchFamily="34" charset="0"/>
+                            <a:cs typeface="Times New Roman" panose="02020603050405020304" pitchFamily="18" charset="0"/>
+                          </a:rPr>
+                          <m:t>𝐀</m:t>
+                        </m:r>
+                      </m:e>
+                      <m:sub>
+                        <m:r>
+                          <a:rPr lang="id-ID" sz="2000" i="1">
+                            <a:effectLst/>
+                            <a:latin typeface="Cambria Math" panose="02040503050406030204" pitchFamily="18" charset="0"/>
+                            <a:ea typeface="Calibri" panose="020F0502020204030204" pitchFamily="34" charset="0"/>
+                            <a:cs typeface="Times New Roman" panose="02020603050405020304" pitchFamily="18" charset="0"/>
+                          </a:rPr>
+                          <m:t>𝑛</m:t>
+                        </m:r>
+                      </m:sub>
+                    </m:sSub>
+                    <m:r>
+                      <a:rPr lang="id-ID" sz="2000" b="1" i="1">
+                        <a:effectLst/>
+                        <a:latin typeface="Cambria Math" panose="02040503050406030204" pitchFamily="18" charset="0"/>
+                        <a:ea typeface="Times New Roman" panose="02020603050405020304" pitchFamily="18" charset="0"/>
+                        <a:cs typeface="Times New Roman" panose="02020603050405020304" pitchFamily="18" charset="0"/>
+                      </a:rPr>
+                      <m:t>∈</m:t>
+                    </m:r>
+                    <m:sSup>
+                      <m:sSupPr>
+                        <m:ctrlPr>
+                          <a:rPr lang="en-ID" sz="2000" i="1">
+                            <a:effectLst/>
+                            <a:latin typeface="Cambria Math" panose="02040503050406030204" pitchFamily="18" charset="0"/>
+                            <a:ea typeface="Times New Roman" panose="02020603050405020304" pitchFamily="18" charset="0"/>
+                            <a:cs typeface="Times New Roman" panose="02020603050405020304" pitchFamily="18" charset="0"/>
+                          </a:rPr>
+                        </m:ctrlPr>
+                      </m:sSupPr>
+                      <m:e>
+                        <m:r>
+                          <a:rPr lang="id-ID" sz="2000" i="1">
+                            <a:effectLst/>
+                            <a:latin typeface="Cambria Math" panose="02040503050406030204" pitchFamily="18" charset="0"/>
+                            <a:ea typeface="Times New Roman" panose="02020603050405020304" pitchFamily="18" charset="0"/>
+                            <a:cs typeface="Times New Roman" panose="02020603050405020304" pitchFamily="18" charset="0"/>
+                          </a:rPr>
+                          <m:t>𝐶</m:t>
+                        </m:r>
+                      </m:e>
+                      <m:sup>
+                        <m:d>
+                          <m:dPr>
+                            <m:ctrlPr>
+                              <a:rPr lang="en-ID" sz="2000" i="1">
+                                <a:effectLst/>
+                                <a:latin typeface="Cambria Math" panose="02040503050406030204" pitchFamily="18" charset="0"/>
+                                <a:ea typeface="Times New Roman" panose="02020603050405020304" pitchFamily="18" charset="0"/>
+                                <a:cs typeface="Times New Roman" panose="02020603050405020304" pitchFamily="18" charset="0"/>
+                              </a:rPr>
+                            </m:ctrlPr>
+                          </m:dPr>
+                          <m:e>
+                            <m:r>
+                              <a:rPr lang="id-ID" sz="2000" i="1">
+                                <a:effectLst/>
+                                <a:latin typeface="Cambria Math" panose="02040503050406030204" pitchFamily="18" charset="0"/>
+                                <a:ea typeface="Times New Roman" panose="02020603050405020304" pitchFamily="18" charset="0"/>
+                                <a:cs typeface="Times New Roman" panose="02020603050405020304" pitchFamily="18" charset="0"/>
+                              </a:rPr>
+                              <m:t>𝑀</m:t>
+                            </m:r>
+                            <m:r>
+                              <a:rPr lang="id-ID" sz="2000" i="1">
+                                <a:effectLst/>
+                                <a:latin typeface="Cambria Math" panose="02040503050406030204" pitchFamily="18" charset="0"/>
+                                <a:ea typeface="Times New Roman" panose="02020603050405020304" pitchFamily="18" charset="0"/>
+                                <a:cs typeface="Times New Roman" panose="02020603050405020304" pitchFamily="18" charset="0"/>
+                              </a:rPr>
+                              <m:t>×</m:t>
+                            </m:r>
+                            <m:r>
+                              <a:rPr lang="id-ID" sz="2000" i="1">
+                                <a:effectLst/>
+                                <a:latin typeface="Cambria Math" panose="02040503050406030204" pitchFamily="18" charset="0"/>
+                                <a:ea typeface="Times New Roman" panose="02020603050405020304" pitchFamily="18" charset="0"/>
+                                <a:cs typeface="Times New Roman" panose="02020603050405020304" pitchFamily="18" charset="0"/>
+                              </a:rPr>
+                              <m:t>𝐾</m:t>
+                            </m:r>
+                          </m:e>
+                        </m:d>
+                      </m:sup>
+                    </m:sSup>
+                    <m:r>
+                      <a:rPr lang="en-US" sz="2000" b="0" i="1" smtClean="0">
+                        <a:effectLst/>
+                        <a:latin typeface="Cambria Math" panose="02040503050406030204" pitchFamily="18" charset="0"/>
+                        <a:ea typeface="Times New Roman" panose="02020603050405020304" pitchFamily="18" charset="0"/>
+                        <a:cs typeface="Times New Roman" panose="02020603050405020304" pitchFamily="18" charset="0"/>
+                      </a:rPr>
+                      <m:t>=</m:t>
+                    </m:r>
+                    <m:r>
+                      <a:rPr lang="id-ID" sz="2000" i="1" smtClean="0">
+                        <a:effectLst/>
+                        <a:latin typeface="Cambria Math" panose="02040503050406030204" pitchFamily="18" charset="0"/>
+                        <a:ea typeface="Times New Roman" panose="02020603050405020304" pitchFamily="18" charset="0"/>
+                        <a:cs typeface="Times New Roman" panose="02020603050405020304" pitchFamily="18" charset="0"/>
+                      </a:rPr>
+                      <m:t>∝</m:t>
+                    </m:r>
+                    <m:sSub>
+                      <m:sSubPr>
+                        <m:ctrlPr>
+                          <a:rPr lang="en-ID" sz="2000" i="1" smtClean="0">
+                            <a:effectLst/>
+                            <a:latin typeface="Cambria Math" panose="02040503050406030204" pitchFamily="18" charset="0"/>
+                            <a:cs typeface="Times New Roman" panose="02020603050405020304" pitchFamily="18" charset="0"/>
+                          </a:rPr>
+                        </m:ctrlPr>
+                      </m:sSubPr>
+                      <m:e>
+                        <m:r>
+                          <a:rPr lang="id-ID" sz="2000" b="1" i="1">
+                            <a:effectLst/>
+                            <a:latin typeface="Cambria Math" panose="02040503050406030204" pitchFamily="18" charset="0"/>
+                            <a:ea typeface="Calibri" panose="020F0502020204030204" pitchFamily="34" charset="0"/>
+                            <a:cs typeface="Times New Roman" panose="02020603050405020304" pitchFamily="18" charset="0"/>
+                          </a:rPr>
+                          <m:t>𝐀</m:t>
+                        </m:r>
+                      </m:e>
+                      <m:sub>
+                        <m:r>
+                          <a:rPr lang="id-ID" sz="2000" i="1">
+                            <a:effectLst/>
+                            <a:latin typeface="Cambria Math" panose="02040503050406030204" pitchFamily="18" charset="0"/>
+                            <a:ea typeface="Calibri" panose="020F0502020204030204" pitchFamily="34" charset="0"/>
+                            <a:cs typeface="Times New Roman" panose="02020603050405020304" pitchFamily="18" charset="0"/>
+                          </a:rPr>
+                          <m:t>𝑛</m:t>
+                        </m:r>
+                      </m:sub>
+                    </m:sSub>
+                  </m:oMath>
+                </a14:m>
+                <a:endParaRPr lang="en-US" sz="2000">
+                  <a:latin typeface="Times New Roman" panose="02020603050405020304" pitchFamily="18" charset="0"/>
+                  <a:cs typeface="Times New Roman" panose="02020603050405020304" pitchFamily="18" charset="0"/>
+                </a:endParaRPr>
+              </a:p>
+              <a:p>
+                <a:pPr>
+                  <a:lnSpc>
+                    <a:spcPct val="100000"/>
+                  </a:lnSpc>
+                  <a:spcBef>
+                    <a:spcPts val="0"/>
+                  </a:spcBef>
+                </a:pPr>
+                <a:r>
+                  <a:rPr lang="en-US" sz="2000">
+                    <a:latin typeface="Times New Roman" panose="02020603050405020304" pitchFamily="18" charset="0"/>
+                    <a:cs typeface="Times New Roman" panose="02020603050405020304" pitchFamily="18" charset="0"/>
+                  </a:rPr>
+                  <a:t>Faktor skala: </a:t>
+                </a:r>
+                <a14:m>
+                  <m:oMath xmlns:m="http://schemas.openxmlformats.org/officeDocument/2006/math">
+                    <m:r>
+                      <a:rPr lang="id-ID" sz="2000" i="1" smtClean="0">
+                        <a:effectLst/>
+                        <a:latin typeface="Cambria Math" panose="02040503050406030204" pitchFamily="18" charset="0"/>
+                        <a:ea typeface="Times New Roman" panose="02020603050405020304" pitchFamily="18" charset="0"/>
+                        <a:cs typeface="Times New Roman" panose="02020603050405020304" pitchFamily="18" charset="0"/>
+                      </a:rPr>
+                      <m:t>∝</m:t>
+                    </m:r>
+                  </m:oMath>
+                </a14:m>
+                <a:r>
+                  <a:rPr lang="id-ID" sz="2000">
+                    <a:effectLst/>
+                    <a:latin typeface="Times New Roman" panose="02020603050405020304" pitchFamily="18" charset="0"/>
+                    <a:ea typeface="Times New Roman" panose="02020603050405020304" pitchFamily="18" charset="0"/>
+                    <a:cs typeface="Times New Roman" panose="02020603050405020304" pitchFamily="18" charset="0"/>
+                  </a:rPr>
+                  <a:t> = </a:t>
+                </a:r>
+                <a14:m>
+                  <m:oMath xmlns:m="http://schemas.openxmlformats.org/officeDocument/2006/math">
+                    <m:rad>
+                      <m:radPr>
+                        <m:degHide m:val="on"/>
+                        <m:ctrlPr>
+                          <a:rPr lang="en-ID" sz="2000" i="1">
+                            <a:effectLst/>
+                            <a:latin typeface="Cambria Math" panose="02040503050406030204" pitchFamily="18" charset="0"/>
+                            <a:ea typeface="Times New Roman" panose="02020603050405020304" pitchFamily="18" charset="0"/>
+                            <a:cs typeface="Times New Roman" panose="02020603050405020304" pitchFamily="18" charset="0"/>
+                          </a:rPr>
+                        </m:ctrlPr>
+                      </m:radPr>
+                      <m:deg/>
+                      <m:e>
+                        <m:f>
+                          <m:fPr>
+                            <m:ctrlPr>
+                              <a:rPr lang="en-ID" sz="2000" i="1">
+                                <a:effectLst/>
+                                <a:latin typeface="Cambria Math" panose="02040503050406030204" pitchFamily="18" charset="0"/>
+                                <a:ea typeface="Times New Roman" panose="02020603050405020304" pitchFamily="18" charset="0"/>
+                                <a:cs typeface="Times New Roman" panose="02020603050405020304" pitchFamily="18" charset="0"/>
+                              </a:rPr>
+                            </m:ctrlPr>
+                          </m:fPr>
+                          <m:num>
+                            <m:r>
+                              <a:rPr lang="id-ID" sz="2000" i="1">
+                                <a:effectLst/>
+                                <a:latin typeface="Cambria Math" panose="02040503050406030204" pitchFamily="18" charset="0"/>
+                                <a:ea typeface="Times New Roman" panose="02020603050405020304" pitchFamily="18" charset="0"/>
+                                <a:cs typeface="Times New Roman" panose="02020603050405020304" pitchFamily="18" charset="0"/>
+                              </a:rPr>
+                              <m:t>1</m:t>
+                            </m:r>
+                          </m:num>
+                          <m:den>
+                            <m:r>
+                              <a:rPr lang="id-ID" sz="2000" b="1" i="1">
+                                <a:solidFill>
+                                  <a:srgbClr val="000000"/>
+                                </a:solidFill>
+                                <a:effectLst/>
+                                <a:latin typeface="Cambria Math" panose="02040503050406030204" pitchFamily="18" charset="0"/>
+                                <a:ea typeface="Calibri" panose="020F0502020204030204" pitchFamily="34" charset="0"/>
+                              </a:rPr>
+                              <m:t>𝔼</m:t>
+                            </m:r>
+                            <m:r>
+                              <a:rPr lang="id-ID" sz="2000">
+                                <a:effectLst/>
+                                <a:latin typeface="Cambria Math" panose="02040503050406030204" pitchFamily="18" charset="0"/>
+                                <a:ea typeface="Times New Roman" panose="02020603050405020304" pitchFamily="18" charset="0"/>
+                                <a:cs typeface="Times New Roman" panose="02020603050405020304" pitchFamily="18" charset="0"/>
+                              </a:rPr>
+                              <m:t>(</m:t>
+                            </m:r>
+                            <m:r>
+                              <m:rPr>
+                                <m:sty m:val="p"/>
+                              </m:rPr>
+                              <a:rPr lang="id-ID" sz="2000">
+                                <a:effectLst/>
+                                <a:latin typeface="Cambria Math" panose="02040503050406030204" pitchFamily="18" charset="0"/>
+                                <a:ea typeface="Times New Roman" panose="02020603050405020304" pitchFamily="18" charset="0"/>
+                                <a:cs typeface="Times New Roman" panose="02020603050405020304" pitchFamily="18" charset="0"/>
+                              </a:rPr>
+                              <m:t>tr</m:t>
+                            </m:r>
+                            <m:r>
+                              <a:rPr lang="id-ID" sz="2000">
+                                <a:effectLst/>
+                                <a:latin typeface="Cambria Math" panose="02040503050406030204" pitchFamily="18" charset="0"/>
+                                <a:ea typeface="Times New Roman" panose="02020603050405020304" pitchFamily="18" charset="0"/>
+                                <a:cs typeface="Times New Roman" panose="02020603050405020304" pitchFamily="18" charset="0"/>
+                              </a:rPr>
+                              <m:t>(</m:t>
+                            </m:r>
+                            <m:r>
+                              <a:rPr lang="id-ID" sz="2000" i="1">
+                                <a:effectLst/>
+                                <a:latin typeface="Cambria Math" panose="02040503050406030204" pitchFamily="18" charset="0"/>
+                                <a:ea typeface="Times New Roman" panose="02020603050405020304" pitchFamily="18" charset="0"/>
+                                <a:cs typeface="Times New Roman" panose="02020603050405020304" pitchFamily="18" charset="0"/>
+                              </a:rPr>
+                              <m:t>(</m:t>
+                            </m:r>
+                            <m:r>
+                              <a:rPr lang="id-ID" sz="2000" b="1" i="1">
+                                <a:effectLst/>
+                                <a:latin typeface="Cambria Math" panose="02040503050406030204" pitchFamily="18" charset="0"/>
+                                <a:ea typeface="Times New Roman" panose="02020603050405020304" pitchFamily="18" charset="0"/>
+                                <a:cs typeface="Times New Roman" panose="02020603050405020304" pitchFamily="18" charset="0"/>
+                              </a:rPr>
+                              <m:t>𝐀</m:t>
+                            </m:r>
+                            <m:sSup>
+                              <m:sSupPr>
+                                <m:ctrlPr>
+                                  <a:rPr lang="en-ID" sz="2000" b="1" i="1">
+                                    <a:effectLst/>
+                                    <a:latin typeface="Cambria Math" panose="02040503050406030204" pitchFamily="18" charset="0"/>
+                                    <a:ea typeface="Times New Roman" panose="02020603050405020304" pitchFamily="18" charset="0"/>
+                                    <a:cs typeface="Times New Roman" panose="02020603050405020304" pitchFamily="18" charset="0"/>
+                                  </a:rPr>
+                                </m:ctrlPr>
+                              </m:sSupPr>
+                              <m:e>
+                                <m:r>
+                                  <a:rPr lang="id-ID" sz="2000" b="1" i="1">
+                                    <a:effectLst/>
+                                    <a:latin typeface="Cambria Math" panose="02040503050406030204" pitchFamily="18" charset="0"/>
+                                    <a:ea typeface="Times New Roman" panose="02020603050405020304" pitchFamily="18" charset="0"/>
+                                    <a:cs typeface="Times New Roman" panose="02020603050405020304" pitchFamily="18" charset="0"/>
+                                  </a:rPr>
+                                  <m:t>𝐀</m:t>
+                                </m:r>
+                              </m:e>
+                              <m:sup>
+                                <m:r>
+                                  <a:rPr lang="id-ID" sz="2000" b="1" i="1">
+                                    <a:effectLst/>
+                                    <a:latin typeface="Cambria Math" panose="02040503050406030204" pitchFamily="18" charset="0"/>
+                                    <a:ea typeface="Times New Roman" panose="02020603050405020304" pitchFamily="18" charset="0"/>
+                                    <a:cs typeface="Times New Roman" panose="02020603050405020304" pitchFamily="18" charset="0"/>
+                                  </a:rPr>
+                                  <m:t>𝐇</m:t>
+                                </m:r>
+                              </m:sup>
+                            </m:sSup>
+                            <m:r>
+                              <a:rPr lang="id-ID" sz="2000" i="1">
+                                <a:effectLst/>
+                                <a:latin typeface="Cambria Math" panose="02040503050406030204" pitchFamily="18" charset="0"/>
+                                <a:ea typeface="Times New Roman" panose="02020603050405020304" pitchFamily="18" charset="0"/>
+                                <a:cs typeface="Times New Roman" panose="02020603050405020304" pitchFamily="18" charset="0"/>
+                              </a:rPr>
+                              <m:t>)</m:t>
+                            </m:r>
+                            <m:r>
+                              <a:rPr lang="id-ID" sz="2000">
+                                <a:effectLst/>
+                                <a:latin typeface="Cambria Math" panose="02040503050406030204" pitchFamily="18" charset="0"/>
+                                <a:ea typeface="Times New Roman" panose="02020603050405020304" pitchFamily="18" charset="0"/>
+                                <a:cs typeface="Times New Roman" panose="02020603050405020304" pitchFamily="18" charset="0"/>
+                              </a:rPr>
+                              <m:t>))</m:t>
+                            </m:r>
+                          </m:den>
+                        </m:f>
+                      </m:e>
+                    </m:rad>
+                  </m:oMath>
+                </a14:m>
+                <a:endParaRPr lang="en-US" sz="2000">
+                  <a:latin typeface="Times New Roman" panose="02020603050405020304" pitchFamily="18" charset="0"/>
+                  <a:cs typeface="Times New Roman" panose="02020603050405020304" pitchFamily="18" charset="0"/>
+                </a:endParaRPr>
+              </a:p>
+              <a:p>
+                <a:pPr>
+                  <a:lnSpc>
+                    <a:spcPct val="100000"/>
+                  </a:lnSpc>
+                  <a:spcBef>
+                    <a:spcPts val="0"/>
+                  </a:spcBef>
+                </a:pPr>
+                <a:r>
+                  <a:rPr lang="en-US" sz="2000">
+                    <a:latin typeface="Times New Roman" panose="02020603050405020304" pitchFamily="18" charset="0"/>
+                    <a:cs typeface="Times New Roman" panose="02020603050405020304" pitchFamily="18" charset="0"/>
+                  </a:rPr>
+                  <a:t>Precoded vector:</a:t>
+                </a:r>
+                <a14:m>
+                  <m:oMath xmlns:m="http://schemas.openxmlformats.org/officeDocument/2006/math">
+                    <m:sSub>
+                      <m:sSubPr>
+                        <m:ctrlPr>
+                          <a:rPr lang="en-ID" sz="2000" b="1" i="1">
+                            <a:latin typeface="Cambria Math" panose="02040503050406030204" pitchFamily="18" charset="0"/>
+                          </a:rPr>
+                        </m:ctrlPr>
+                      </m:sSubPr>
+                      <m:e>
+                        <m:r>
+                          <a:rPr lang="en-US" sz="2000" b="1" i="1" smtClean="0">
+                            <a:latin typeface="Cambria Math" panose="02040503050406030204" pitchFamily="18" charset="0"/>
+                          </a:rPr>
+                          <m:t> </m:t>
+                        </m:r>
+                        <m:r>
+                          <a:rPr lang="id-ID" sz="2000" b="1" i="1">
+                            <a:latin typeface="Cambria Math" panose="02040503050406030204" pitchFamily="18" charset="0"/>
+                          </a:rPr>
+                          <m:t>𝒄</m:t>
+                        </m:r>
+                      </m:e>
+                      <m:sub>
+                        <m:r>
+                          <a:rPr lang="id-ID" sz="2000" b="1" i="1">
+                            <a:latin typeface="Cambria Math" panose="02040503050406030204" pitchFamily="18" charset="0"/>
+                          </a:rPr>
+                          <m:t>𝒏</m:t>
+                        </m:r>
+                      </m:sub>
+                    </m:sSub>
+                    <m:r>
+                      <a:rPr lang="id-ID" sz="2000" b="1" i="1">
+                        <a:latin typeface="Cambria Math" panose="02040503050406030204" pitchFamily="18" charset="0"/>
+                      </a:rPr>
+                      <m:t>∈</m:t>
+                    </m:r>
+                    <m:sSup>
+                      <m:sSupPr>
+                        <m:ctrlPr>
+                          <a:rPr lang="en-ID" sz="2000" i="1">
+                            <a:latin typeface="Cambria Math" panose="02040503050406030204" pitchFamily="18" charset="0"/>
+                          </a:rPr>
+                        </m:ctrlPr>
+                      </m:sSupPr>
+                      <m:e>
+                        <m:r>
+                          <a:rPr lang="id-ID" sz="2000" i="1">
+                            <a:latin typeface="Cambria Math" panose="02040503050406030204" pitchFamily="18" charset="0"/>
+                          </a:rPr>
+                          <m:t>𝐶</m:t>
+                        </m:r>
+                      </m:e>
+                      <m:sup>
+                        <m:d>
+                          <m:dPr>
+                            <m:ctrlPr>
+                              <a:rPr lang="id-ID" sz="2000" i="1">
+                                <a:latin typeface="Cambria Math" panose="02040503050406030204" pitchFamily="18" charset="0"/>
+                              </a:rPr>
+                            </m:ctrlPr>
+                          </m:dPr>
+                          <m:e>
+                            <m:r>
+                              <a:rPr lang="id-ID" sz="2000" i="1">
+                                <a:latin typeface="Cambria Math" panose="02040503050406030204" pitchFamily="18" charset="0"/>
+                              </a:rPr>
+                              <m:t>𝑀</m:t>
+                            </m:r>
+                            <m:r>
+                              <a:rPr lang="id-ID" sz="2000" i="1">
+                                <a:latin typeface="Cambria Math" panose="02040503050406030204" pitchFamily="18" charset="0"/>
+                              </a:rPr>
+                              <m:t>×1</m:t>
+                            </m:r>
+                          </m:e>
+                        </m:d>
+                      </m:sup>
+                    </m:sSup>
+                  </m:oMath>
+                </a14:m>
+                <a:endParaRPr lang="en-US" sz="2000">
+                  <a:latin typeface="Times New Roman" panose="02020603050405020304" pitchFamily="18" charset="0"/>
+                  <a:cs typeface="Times New Roman" panose="02020603050405020304" pitchFamily="18" charset="0"/>
+                </a:endParaRPr>
+              </a:p>
+            </p:txBody>
+          </p:sp>
+        </mc:Choice>
+        <mc:Fallback xmlns="">
+          <p:sp>
+            <p:nvSpPr>
+              <p:cNvPr id="4" name="Content Placeholder 2">
+                <a:extLst>
+                  <a:ext uri="{FF2B5EF4-FFF2-40B4-BE49-F238E27FC236}">
+                    <a16:creationId xmlns:a16="http://schemas.microsoft.com/office/drawing/2014/main" id="{C4BD51BC-259C-4CB5-BCE3-8669C3BC505D}"/>
+                  </a:ext>
+                </a:extLst>
+              </p:cNvPr>
+              <p:cNvSpPr txBox="1">
+                <a:spLocks noRot="1" noChangeAspect="1" noMove="1" noResize="1" noEditPoints="1" noAdjustHandles="1" noChangeArrowheads="1" noChangeShapeType="1" noTextEdit="1"/>
+              </p:cNvSpPr>
+              <p:nvPr/>
+            </p:nvSpPr>
+            <p:spPr>
+              <a:xfrm>
+                <a:off x="114189" y="3739156"/>
+                <a:ext cx="8014855" cy="2838623"/>
+              </a:xfrm>
+              <a:prstGeom prst="rect">
+                <a:avLst/>
+              </a:prstGeom>
+              <a:blipFill>
+                <a:blip r:embed="rId3"/>
+                <a:stretch>
+                  <a:fillRect l="-531" t="-638"/>
+                </a:stretch>
+              </a:blipFill>
+              <a:ln>
+                <a:solidFill>
+                  <a:srgbClr val="0070C0"/>
+                </a:solidFill>
+              </a:ln>
+            </p:spPr>
+            <p:txBody>
+              <a:bodyPr/>
+              <a:lstStyle/>
+              <a:p>
+                <a:r>
+                  <a:rPr lang="en-ID">
+                    <a:noFill/>
+                  </a:rPr>
+                  <a:t> </a:t>
+                </a:r>
+              </a:p>
+            </p:txBody>
+          </p:sp>
+        </mc:Fallback>
+      </mc:AlternateContent>
+      <mc:AlternateContent xmlns:mc="http://schemas.openxmlformats.org/markup-compatibility/2006" xmlns:a14="http://schemas.microsoft.com/office/drawing/2010/main">
+        <mc:Choice Requires="a14">
+          <p:sp>
+            <p:nvSpPr>
+              <p:cNvPr id="5" name="Content Placeholder 2">
+                <a:extLst>
+                  <a:ext uri="{FF2B5EF4-FFF2-40B4-BE49-F238E27FC236}">
+                    <a16:creationId xmlns:a16="http://schemas.microsoft.com/office/drawing/2014/main" id="{C1434FB9-82F1-40AB-8671-2A7B574B314D}"/>
+                  </a:ext>
+                </a:extLst>
+              </p:cNvPr>
+              <p:cNvSpPr txBox="1">
+                <a:spLocks/>
+              </p:cNvSpPr>
+              <p:nvPr/>
+            </p:nvSpPr>
+            <p:spPr>
+              <a:xfrm>
+                <a:off x="8247028" y="3752097"/>
+                <a:ext cx="3830783" cy="2838624"/>
+              </a:xfrm>
+              <a:prstGeom prst="rect">
+                <a:avLst/>
+              </a:prstGeom>
+              <a:ln w="28575">
+                <a:solidFill>
+                  <a:srgbClr val="0070C0"/>
+                </a:solidFill>
+              </a:ln>
+            </p:spPr>
+            <p:txBody>
+              <a:bodyPr vert="horz" lIns="91440" tIns="45720" rIns="91440" bIns="45720" rtlCol="0">
+                <a:noAutofit/>
+              </a:bodyPr>
+              <a:lstStyle>
+                <a:lvl1pPr marL="228600" indent="-228600" algn="l" defTabSz="914400" rtl="0" eaLnBrk="1" latinLnBrk="0" hangingPunct="1">
+                  <a:lnSpc>
+                    <a:spcPct val="90000"/>
+                  </a:lnSpc>
+                  <a:spcBef>
+                    <a:spcPts val="1000"/>
+                  </a:spcBef>
+                  <a:buFont typeface="Arial" panose="020B0604020202020204" pitchFamily="34" charset="0"/>
+                  <a:buChar char="•"/>
+                  <a:defRPr sz="2800" kern="1200">
+                    <a:solidFill>
+                      <a:schemeClr val="tx1"/>
+                    </a:solidFill>
+                    <a:latin typeface="+mn-lt"/>
+                    <a:ea typeface="+mn-ea"/>
+                    <a:cs typeface="+mn-cs"/>
+                  </a:defRPr>
+                </a:lvl1pPr>
+                <a:lvl2pPr marL="685800" indent="-228600" algn="l" defTabSz="914400" rtl="0" eaLnBrk="1" latinLnBrk="0" hangingPunct="1">
+                  <a:lnSpc>
+                    <a:spcPct val="90000"/>
+                  </a:lnSpc>
+                  <a:spcBef>
+                    <a:spcPts val="500"/>
+                  </a:spcBef>
+                  <a:buFont typeface="Arial" panose="020B0604020202020204" pitchFamily="34" charset="0"/>
+                  <a:buChar char="•"/>
+                  <a:defRPr sz="2400" kern="1200">
+                    <a:solidFill>
+                      <a:schemeClr val="tx1"/>
+                    </a:solidFill>
+                    <a:latin typeface="+mn-lt"/>
+                    <a:ea typeface="+mn-ea"/>
+                    <a:cs typeface="+mn-cs"/>
+                  </a:defRPr>
+                </a:lvl2pPr>
+                <a:lvl3pPr marL="1143000" indent="-228600" algn="l" defTabSz="914400" rtl="0" eaLnBrk="1" latinLnBrk="0" hangingPunct="1">
+                  <a:lnSpc>
+                    <a:spcPct val="90000"/>
+                  </a:lnSpc>
+                  <a:spcBef>
+                    <a:spcPts val="500"/>
+                  </a:spcBef>
+                  <a:buFont typeface="Arial" panose="020B0604020202020204" pitchFamily="34" charset="0"/>
+                  <a:buChar char="•"/>
+                  <a:defRPr sz="2000" kern="1200">
+                    <a:solidFill>
+                      <a:schemeClr val="tx1"/>
+                    </a:solidFill>
+                    <a:latin typeface="+mn-lt"/>
+                    <a:ea typeface="+mn-ea"/>
+                    <a:cs typeface="+mn-cs"/>
+                  </a:defRPr>
+                </a:lvl3pPr>
+                <a:lvl4pPr marL="1600200" indent="-228600" algn="l" defTabSz="914400" rtl="0" eaLnBrk="1" latinLnBrk="0" hangingPunct="1">
+                  <a:lnSpc>
+                    <a:spcPct val="90000"/>
+                  </a:lnSpc>
+                  <a:spcBef>
+                    <a:spcPts val="500"/>
+                  </a:spcBef>
+                  <a:buFont typeface="Arial" panose="020B0604020202020204" pitchFamily="34" charset="0"/>
+                  <a:buChar char="•"/>
+                  <a:defRPr sz="1800" kern="1200">
+                    <a:solidFill>
+                      <a:schemeClr val="tx1"/>
+                    </a:solidFill>
+                    <a:latin typeface="+mn-lt"/>
+                    <a:ea typeface="+mn-ea"/>
+                    <a:cs typeface="+mn-cs"/>
+                  </a:defRPr>
+                </a:lvl4pPr>
+                <a:lvl5pPr marL="2057400" indent="-228600" algn="l" defTabSz="914400" rtl="0" eaLnBrk="1" latinLnBrk="0" hangingPunct="1">
+                  <a:lnSpc>
+                    <a:spcPct val="90000"/>
+                  </a:lnSpc>
+                  <a:spcBef>
+                    <a:spcPts val="500"/>
+                  </a:spcBef>
+                  <a:buFont typeface="Arial" panose="020B0604020202020204" pitchFamily="34" charset="0"/>
+                  <a:buChar char="•"/>
+                  <a:defRPr sz="1800" kern="1200">
+                    <a:solidFill>
+                      <a:schemeClr val="tx1"/>
+                    </a:solidFill>
+                    <a:latin typeface="+mn-lt"/>
+                    <a:ea typeface="+mn-ea"/>
+                    <a:cs typeface="+mn-cs"/>
+                  </a:defRPr>
+                </a:lvl5pPr>
+                <a:lvl6pPr marL="2514600" indent="-228600" algn="l" defTabSz="914400" rtl="0" eaLnBrk="1" latinLnBrk="0" hangingPunct="1">
+                  <a:lnSpc>
+                    <a:spcPct val="90000"/>
+                  </a:lnSpc>
+                  <a:spcBef>
+                    <a:spcPts val="500"/>
+                  </a:spcBef>
+                  <a:buFont typeface="Arial" panose="020B0604020202020204" pitchFamily="34" charset="0"/>
+                  <a:buChar char="•"/>
+                  <a:defRPr sz="1800" kern="1200">
+                    <a:solidFill>
+                      <a:schemeClr val="tx1"/>
+                    </a:solidFill>
+                    <a:latin typeface="+mn-lt"/>
+                    <a:ea typeface="+mn-ea"/>
+                    <a:cs typeface="+mn-cs"/>
+                  </a:defRPr>
+                </a:lvl6pPr>
+                <a:lvl7pPr marL="2971800" indent="-228600" algn="l" defTabSz="914400" rtl="0" eaLnBrk="1" latinLnBrk="0" hangingPunct="1">
+                  <a:lnSpc>
+                    <a:spcPct val="90000"/>
+                  </a:lnSpc>
+                  <a:spcBef>
+                    <a:spcPts val="500"/>
+                  </a:spcBef>
+                  <a:buFont typeface="Arial" panose="020B0604020202020204" pitchFamily="34" charset="0"/>
+                  <a:buChar char="•"/>
+                  <a:defRPr sz="1800" kern="1200">
+                    <a:solidFill>
+                      <a:schemeClr val="tx1"/>
+                    </a:solidFill>
+                    <a:latin typeface="+mn-lt"/>
+                    <a:ea typeface="+mn-ea"/>
+                    <a:cs typeface="+mn-cs"/>
+                  </a:defRPr>
+                </a:lvl7pPr>
+                <a:lvl8pPr marL="3429000" indent="-228600" algn="l" defTabSz="914400" rtl="0" eaLnBrk="1" latinLnBrk="0" hangingPunct="1">
+                  <a:lnSpc>
+                    <a:spcPct val="90000"/>
+                  </a:lnSpc>
+                  <a:spcBef>
+                    <a:spcPts val="500"/>
+                  </a:spcBef>
+                  <a:buFont typeface="Arial" panose="020B0604020202020204" pitchFamily="34" charset="0"/>
+                  <a:buChar char="•"/>
+                  <a:defRPr sz="1800" kern="1200">
+                    <a:solidFill>
+                      <a:schemeClr val="tx1"/>
+                    </a:solidFill>
+                    <a:latin typeface="+mn-lt"/>
+                    <a:ea typeface="+mn-ea"/>
+                    <a:cs typeface="+mn-cs"/>
+                  </a:defRPr>
+                </a:lvl8pPr>
+                <a:lvl9pPr marL="3886200" indent="-228600" algn="l" defTabSz="914400" rtl="0" eaLnBrk="1" latinLnBrk="0" hangingPunct="1">
+                  <a:lnSpc>
+                    <a:spcPct val="90000"/>
+                  </a:lnSpc>
+                  <a:spcBef>
+                    <a:spcPts val="500"/>
+                  </a:spcBef>
+                  <a:buFont typeface="Arial" panose="020B0604020202020204" pitchFamily="34" charset="0"/>
+                  <a:buChar char="•"/>
+                  <a:defRPr sz="1800" kern="1200">
+                    <a:solidFill>
+                      <a:schemeClr val="tx1"/>
+                    </a:solidFill>
+                    <a:latin typeface="+mn-lt"/>
+                    <a:ea typeface="+mn-ea"/>
+                    <a:cs typeface="+mn-cs"/>
+                  </a:defRPr>
+                </a:lvl9pPr>
+              </a:lstStyle>
+              <a:p>
+                <a:r>
+                  <a:rPr lang="en-US" sz="2000">
+                    <a:latin typeface="Times New Roman" panose="02020603050405020304" pitchFamily="18" charset="0"/>
+                    <a:cs typeface="Times New Roman" panose="02020603050405020304" pitchFamily="18" charset="0"/>
+                  </a:rPr>
+                  <a:t>Output reordering : </a:t>
+                </a:r>
+                <a14:m>
+                  <m:oMath xmlns:m="http://schemas.openxmlformats.org/officeDocument/2006/math">
+                    <m:sSub>
+                      <m:sSubPr>
+                        <m:ctrlPr>
+                          <a:rPr lang="en-ID" sz="2000" b="1" i="1" smtClean="0">
+                            <a:effectLst/>
+                            <a:latin typeface="Cambria Math" panose="02040503050406030204" pitchFamily="18" charset="0"/>
+                            <a:cs typeface="Times New Roman" panose="02020603050405020304" pitchFamily="18" charset="0"/>
+                          </a:rPr>
+                        </m:ctrlPr>
+                      </m:sSubPr>
+                      <m:e>
+                        <m:r>
+                          <a:rPr lang="id-ID" sz="2000" b="1" i="1">
+                            <a:effectLst/>
+                            <a:latin typeface="Cambria Math" panose="02040503050406030204" pitchFamily="18" charset="0"/>
+                            <a:ea typeface="Calibri" panose="020F0502020204030204" pitchFamily="34" charset="0"/>
+                            <a:cs typeface="Times New Roman" panose="02020603050405020304" pitchFamily="18" charset="0"/>
+                          </a:rPr>
+                          <m:t>𝒑</m:t>
+                        </m:r>
+                      </m:e>
+                      <m:sub>
+                        <m:r>
+                          <a:rPr lang="id-ID" sz="2000" i="1">
+                            <a:effectLst/>
+                            <a:latin typeface="Cambria Math" panose="02040503050406030204" pitchFamily="18" charset="0"/>
+                            <a:ea typeface="Calibri" panose="020F0502020204030204" pitchFamily="34" charset="0"/>
+                            <a:cs typeface="Times New Roman" panose="02020603050405020304" pitchFamily="18" charset="0"/>
+                          </a:rPr>
+                          <m:t>𝑚</m:t>
+                        </m:r>
+                      </m:sub>
+                    </m:sSub>
+                    <m:r>
+                      <a:rPr lang="id-ID" sz="2000" b="1" i="1">
+                        <a:effectLst/>
+                        <a:latin typeface="Cambria Math" panose="02040503050406030204" pitchFamily="18" charset="0"/>
+                        <a:ea typeface="Times New Roman" panose="02020603050405020304" pitchFamily="18" charset="0"/>
+                        <a:cs typeface="Times New Roman" panose="02020603050405020304" pitchFamily="18" charset="0"/>
+                      </a:rPr>
+                      <m:t>∈</m:t>
+                    </m:r>
+                    <m:sSup>
+                      <m:sSupPr>
+                        <m:ctrlPr>
+                          <a:rPr lang="en-ID" sz="2000" i="1">
+                            <a:effectLst/>
+                            <a:latin typeface="Cambria Math" panose="02040503050406030204" pitchFamily="18" charset="0"/>
+                            <a:ea typeface="Times New Roman" panose="02020603050405020304" pitchFamily="18" charset="0"/>
+                            <a:cs typeface="Times New Roman" panose="02020603050405020304" pitchFamily="18" charset="0"/>
+                          </a:rPr>
+                        </m:ctrlPr>
+                      </m:sSupPr>
+                      <m:e>
+                        <m:r>
+                          <a:rPr lang="id-ID" sz="2000" i="1">
+                            <a:effectLst/>
+                            <a:latin typeface="Cambria Math" panose="02040503050406030204" pitchFamily="18" charset="0"/>
+                            <a:ea typeface="Times New Roman" panose="02020603050405020304" pitchFamily="18" charset="0"/>
+                            <a:cs typeface="Times New Roman" panose="02020603050405020304" pitchFamily="18" charset="0"/>
+                          </a:rPr>
+                          <m:t>𝐶</m:t>
+                        </m:r>
+                      </m:e>
+                      <m:sup>
+                        <m:r>
+                          <a:rPr lang="id-ID" sz="2000" i="1">
+                            <a:effectLst/>
+                            <a:latin typeface="Cambria Math" panose="02040503050406030204" pitchFamily="18" charset="0"/>
+                            <a:ea typeface="Times New Roman" panose="02020603050405020304" pitchFamily="18" charset="0"/>
+                            <a:cs typeface="Times New Roman" panose="02020603050405020304" pitchFamily="18" charset="0"/>
+                          </a:rPr>
+                          <m:t>(</m:t>
+                        </m:r>
+                        <m:r>
+                          <a:rPr lang="id-ID" sz="2000" i="1">
+                            <a:effectLst/>
+                            <a:latin typeface="Cambria Math" panose="02040503050406030204" pitchFamily="18" charset="0"/>
+                            <a:ea typeface="Times New Roman" panose="02020603050405020304" pitchFamily="18" charset="0"/>
+                            <a:cs typeface="Times New Roman" panose="02020603050405020304" pitchFamily="18" charset="0"/>
+                          </a:rPr>
+                          <m:t>𝑁</m:t>
+                        </m:r>
+                        <m:r>
+                          <a:rPr lang="id-ID" sz="2000" i="1">
+                            <a:effectLst/>
+                            <a:latin typeface="Cambria Math" panose="02040503050406030204" pitchFamily="18" charset="0"/>
+                            <a:ea typeface="Times New Roman" panose="02020603050405020304" pitchFamily="18" charset="0"/>
+                            <a:cs typeface="Times New Roman" panose="02020603050405020304" pitchFamily="18" charset="0"/>
+                          </a:rPr>
+                          <m:t>×1)</m:t>
+                        </m:r>
+                      </m:sup>
+                    </m:sSup>
+                  </m:oMath>
+                </a14:m>
+                <a:endParaRPr lang="en-US" sz="2000">
+                  <a:latin typeface="Times New Roman" panose="02020603050405020304" pitchFamily="18" charset="0"/>
+                  <a:cs typeface="Times New Roman" panose="02020603050405020304" pitchFamily="18" charset="0"/>
+                </a:endParaRPr>
+              </a:p>
+              <a:p>
+                <a:r>
+                  <a:rPr lang="en-US" sz="2000">
+                    <a:latin typeface="Times New Roman" panose="02020603050405020304" pitchFamily="18" charset="0"/>
+                    <a:cs typeface="Times New Roman" panose="02020603050405020304" pitchFamily="18" charset="0"/>
+                  </a:rPr>
+                  <a:t>Sinyal yang ditransmisikan </a:t>
+                </a:r>
+              </a:p>
+              <a:p>
+                <a:pPr marL="0" indent="0" algn="ctr">
+                  <a:buNone/>
+                </a:pPr>
+                <a14:m>
+                  <m:oMathPara xmlns:m="http://schemas.openxmlformats.org/officeDocument/2006/math">
+                    <m:oMathParaPr>
+                      <m:jc m:val="centerGroup"/>
+                    </m:oMathParaPr>
+                    <m:oMath xmlns:m="http://schemas.openxmlformats.org/officeDocument/2006/math">
+                      <m:sSub>
+                        <m:sSubPr>
+                          <m:ctrlPr>
+                            <a:rPr lang="en-ID" sz="2000" i="1" smtClean="0">
+                              <a:effectLst/>
+                              <a:latin typeface="Cambria Math" panose="02040503050406030204" pitchFamily="18" charset="0"/>
+                              <a:ea typeface="Times New Roman" panose="02020603050405020304" pitchFamily="18" charset="0"/>
+                              <a:cs typeface="Times New Roman" panose="02020603050405020304" pitchFamily="18" charset="0"/>
+                            </a:rPr>
+                          </m:ctrlPr>
+                        </m:sSubPr>
+                        <m:e>
+                          <m:r>
+                            <a:rPr lang="id-ID" sz="2000" b="1" i="1">
+                              <a:effectLst/>
+                              <a:latin typeface="Cambria Math" panose="02040503050406030204" pitchFamily="18" charset="0"/>
+                              <a:ea typeface="Times New Roman" panose="02020603050405020304" pitchFamily="18" charset="0"/>
+                              <a:cs typeface="Times New Roman" panose="02020603050405020304" pitchFamily="18" charset="0"/>
+                            </a:rPr>
+                            <m:t>𝒙</m:t>
+                          </m:r>
+                        </m:e>
+                        <m:sub>
+                          <m:r>
+                            <a:rPr lang="id-ID" sz="2000" i="1">
+                              <a:effectLst/>
+                              <a:latin typeface="Cambria Math" panose="02040503050406030204" pitchFamily="18" charset="0"/>
+                              <a:ea typeface="Times New Roman" panose="02020603050405020304" pitchFamily="18" charset="0"/>
+                              <a:cs typeface="Times New Roman" panose="02020603050405020304" pitchFamily="18" charset="0"/>
+                            </a:rPr>
+                            <m:t>𝑚</m:t>
+                          </m:r>
+                        </m:sub>
+                      </m:sSub>
+                      <m:r>
+                        <a:rPr lang="id-ID" sz="2000" b="1" i="1">
+                          <a:effectLst/>
+                          <a:latin typeface="Cambria Math" panose="02040503050406030204" pitchFamily="18" charset="0"/>
+                          <a:ea typeface="Times New Roman" panose="02020603050405020304" pitchFamily="18" charset="0"/>
+                          <a:cs typeface="Times New Roman" panose="02020603050405020304" pitchFamily="18" charset="0"/>
+                        </a:rPr>
+                        <m:t>∈</m:t>
+                      </m:r>
+                      <m:sSup>
+                        <m:sSupPr>
+                          <m:ctrlPr>
+                            <a:rPr lang="en-ID" sz="2000" i="1">
+                              <a:effectLst/>
+                              <a:latin typeface="Cambria Math" panose="02040503050406030204" pitchFamily="18" charset="0"/>
+                              <a:ea typeface="Times New Roman" panose="02020603050405020304" pitchFamily="18" charset="0"/>
+                              <a:cs typeface="Times New Roman" panose="02020603050405020304" pitchFamily="18" charset="0"/>
+                            </a:rPr>
+                          </m:ctrlPr>
+                        </m:sSupPr>
+                        <m:e>
+                          <m:r>
+                            <a:rPr lang="id-ID" sz="2000" i="1">
+                              <a:effectLst/>
+                              <a:latin typeface="Cambria Math" panose="02040503050406030204" pitchFamily="18" charset="0"/>
+                              <a:ea typeface="Times New Roman" panose="02020603050405020304" pitchFamily="18" charset="0"/>
+                              <a:cs typeface="Times New Roman" panose="02020603050405020304" pitchFamily="18" charset="0"/>
+                            </a:rPr>
+                            <m:t>𝐶</m:t>
+                          </m:r>
+                        </m:e>
+                        <m:sup>
+                          <m:r>
+                            <a:rPr lang="id-ID" sz="2000" i="1">
+                              <a:effectLst/>
+                              <a:latin typeface="Cambria Math" panose="02040503050406030204" pitchFamily="18" charset="0"/>
+                              <a:ea typeface="Times New Roman" panose="02020603050405020304" pitchFamily="18" charset="0"/>
+                              <a:cs typeface="Times New Roman" panose="02020603050405020304" pitchFamily="18" charset="0"/>
+                            </a:rPr>
+                            <m:t>(1×(</m:t>
+                          </m:r>
+                          <m:r>
+                            <a:rPr lang="id-ID" sz="2000" i="1">
+                              <a:effectLst/>
+                              <a:latin typeface="Cambria Math" panose="02040503050406030204" pitchFamily="18" charset="0"/>
+                              <a:ea typeface="Times New Roman" panose="02020603050405020304" pitchFamily="18" charset="0"/>
+                              <a:cs typeface="Times New Roman" panose="02020603050405020304" pitchFamily="18" charset="0"/>
+                            </a:rPr>
+                            <m:t>𝑁</m:t>
+                          </m:r>
+                          <m:r>
+                            <a:rPr lang="id-ID" sz="2000" i="1">
+                              <a:effectLst/>
+                              <a:latin typeface="Cambria Math" panose="02040503050406030204" pitchFamily="18" charset="0"/>
+                              <a:ea typeface="Times New Roman" panose="02020603050405020304" pitchFamily="18" charset="0"/>
+                              <a:cs typeface="Times New Roman" panose="02020603050405020304" pitchFamily="18" charset="0"/>
+                            </a:rPr>
+                            <m:t>+</m:t>
+                          </m:r>
+                          <m:r>
+                            <a:rPr lang="id-ID" sz="2000" i="1">
+                              <a:effectLst/>
+                              <a:latin typeface="Cambria Math" panose="02040503050406030204" pitchFamily="18" charset="0"/>
+                              <a:ea typeface="Times New Roman" panose="02020603050405020304" pitchFamily="18" charset="0"/>
+                              <a:cs typeface="Times New Roman" panose="02020603050405020304" pitchFamily="18" charset="0"/>
+                            </a:rPr>
+                            <m:t>𝐶𝑃</m:t>
+                          </m:r>
+                          <m:r>
+                            <a:rPr lang="id-ID" sz="2000" i="1">
+                              <a:effectLst/>
+                              <a:latin typeface="Cambria Math" panose="02040503050406030204" pitchFamily="18" charset="0"/>
+                              <a:ea typeface="Times New Roman" panose="02020603050405020304" pitchFamily="18" charset="0"/>
+                              <a:cs typeface="Times New Roman" panose="02020603050405020304" pitchFamily="18" charset="0"/>
+                            </a:rPr>
+                            <m:t>))</m:t>
+                          </m:r>
+                        </m:sup>
+                      </m:sSup>
+                    </m:oMath>
+                  </m:oMathPara>
+                </a14:m>
+                <a:endParaRPr lang="en-US" sz="2000">
+                  <a:latin typeface="Times New Roman" panose="02020603050405020304" pitchFamily="18" charset="0"/>
+                  <a:cs typeface="Times New Roman" panose="02020603050405020304" pitchFamily="18" charset="0"/>
+                </a:endParaRPr>
+              </a:p>
+            </p:txBody>
+          </p:sp>
+        </mc:Choice>
+        <mc:Fallback xmlns="">
+          <p:sp>
+            <p:nvSpPr>
+              <p:cNvPr id="5" name="Content Placeholder 2">
+                <a:extLst>
+                  <a:ext uri="{FF2B5EF4-FFF2-40B4-BE49-F238E27FC236}">
+                    <a16:creationId xmlns:a16="http://schemas.microsoft.com/office/drawing/2014/main" id="{C1434FB9-82F1-40AB-8671-2A7B574B314D}"/>
+                  </a:ext>
+                </a:extLst>
+              </p:cNvPr>
+              <p:cNvSpPr txBox="1">
+                <a:spLocks noRot="1" noChangeAspect="1" noMove="1" noResize="1" noEditPoints="1" noAdjustHandles="1" noChangeArrowheads="1" noChangeShapeType="1" noTextEdit="1"/>
+              </p:cNvSpPr>
+              <p:nvPr/>
+            </p:nvSpPr>
+            <p:spPr>
+              <a:xfrm>
+                <a:off x="8247028" y="3752097"/>
+                <a:ext cx="3830783" cy="2838624"/>
+              </a:xfrm>
+              <a:prstGeom prst="rect">
+                <a:avLst/>
+              </a:prstGeom>
+              <a:blipFill>
+                <a:blip r:embed="rId4"/>
+                <a:stretch>
+                  <a:fillRect l="-1106" t="-1489"/>
+                </a:stretch>
+              </a:blipFill>
+              <a:ln w="28575">
+                <a:solidFill>
+                  <a:srgbClr val="0070C0"/>
+                </a:solidFill>
+              </a:ln>
+            </p:spPr>
+            <p:txBody>
+              <a:bodyPr/>
+              <a:lstStyle/>
+              <a:p>
+                <a:r>
+                  <a:rPr lang="en-ID">
+                    <a:noFill/>
+                  </a:rPr>
+                  <a:t> </a:t>
+                </a:r>
+              </a:p>
+            </p:txBody>
+          </p:sp>
+        </mc:Fallback>
+      </mc:AlternateContent>
+      <p:sp>
+        <p:nvSpPr>
+          <p:cNvPr id="7" name="Rectangle 6">
+            <a:extLst>
+              <a:ext uri="{FF2B5EF4-FFF2-40B4-BE49-F238E27FC236}">
+                <a16:creationId xmlns:a16="http://schemas.microsoft.com/office/drawing/2014/main" id="{6D3AB97F-8D85-40AE-B909-921DB19DBA79}"/>
+              </a:ext>
+            </a:extLst>
+          </p:cNvPr>
+          <p:cNvSpPr/>
+          <p:nvPr/>
+        </p:nvSpPr>
+        <p:spPr>
+          <a:xfrm>
+            <a:off x="8699039" y="-82771"/>
+            <a:ext cx="3103735" cy="584775"/>
+          </a:xfrm>
+          <a:prstGeom prst="rect">
+            <a:avLst/>
+          </a:prstGeom>
+          <a:noFill/>
+        </p:spPr>
+        <p:txBody>
+          <a:bodyPr wrap="none" lIns="91440" tIns="45720" rIns="91440" bIns="45720">
+            <a:spAutoFit/>
+          </a:bodyPr>
+          <a:lstStyle/>
+          <a:p>
+            <a:pPr algn="ctr"/>
+            <a:r>
+              <a:rPr lang="en-US" sz="3200">
+                <a:ln w="0"/>
+                <a:solidFill>
+                  <a:schemeClr val="accent1"/>
+                </a:solidFill>
+                <a:effectLst>
+                  <a:outerShdw blurRad="38100" dist="25400" dir="5400000" algn="ctr" rotWithShape="0">
+                    <a:srgbClr val="6E747A">
+                      <a:alpha val="43000"/>
+                    </a:srgbClr>
+                  </a:outerShdw>
+                </a:effectLst>
+              </a:rPr>
+              <a:t>Sistem</a:t>
+            </a:r>
+            <a:r>
+              <a:rPr lang="en-US" sz="3200" b="0" cap="none" spc="0">
+                <a:ln w="0"/>
+                <a:solidFill>
+                  <a:schemeClr val="accent1"/>
+                </a:solidFill>
+                <a:effectLst>
+                  <a:outerShdw blurRad="38100" dist="25400" dir="5400000" algn="ctr" rotWithShape="0">
+                    <a:srgbClr val="6E747A">
+                      <a:alpha val="43000"/>
+                    </a:srgbClr>
+                  </a:outerShdw>
+                </a:effectLst>
+              </a:rPr>
+              <a:t>Pemancar</a:t>
+            </a:r>
+          </a:p>
+        </p:txBody>
+      </p:sp>
+    </p:spTree>
+    <p:extLst>
+      <p:ext uri="{BB962C8B-B14F-4D97-AF65-F5344CB8AC3E}">
+        <p14:creationId xmlns:p14="http://schemas.microsoft.com/office/powerpoint/2010/main" val="3258509819"/>
       </p:ext>
     </p:extLst>
   </p:cSld>

--- a/DOC/SIDANG TESIS/presentasi [Autosaved].pptx
+++ b/DOC/SIDANG TESIS/presentasi [Autosaved].pptx
@@ -386,7 +386,7 @@
           <a:p>
             <a:fld id="{48A87A34-81AB-432B-8DAE-1953F412C126}" type="datetimeFigureOut">
               <a:rPr lang="en-US" smtClean="0"/>
-              <a:t>2/2/2021</a:t>
+              <a:t>2/3/2021</a:t>
             </a:fld>
             <a:endParaRPr lang="en-US" dirty="0"/>
           </a:p>
@@ -648,7 +648,7 @@
           <a:p>
             <a:fld id="{48A87A34-81AB-432B-8DAE-1953F412C126}" type="datetimeFigureOut">
               <a:rPr lang="en-US" smtClean="0"/>
-              <a:t>2/2/2021</a:t>
+              <a:t>2/3/2021</a:t>
             </a:fld>
             <a:endParaRPr lang="en-US" dirty="0"/>
           </a:p>
@@ -884,7 +884,7 @@
             <a:fld id="{48A87A34-81AB-432B-8DAE-1953F412C126}" type="datetimeFigureOut">
               <a:rPr lang="en-US" smtClean="0"/>
               <a:pPr/>
-              <a:t>2/2/2021</a:t>
+              <a:t>2/3/2021</a:t>
             </a:fld>
             <a:endParaRPr lang="en-US" dirty="0"/>
           </a:p>
@@ -1113,7 +1113,7 @@
           <a:p>
             <a:fld id="{4EFE0C47-5195-423C-B069-C8C888086328}" type="datetimeFigureOut">
               <a:rPr lang="en-US" smtClean="0"/>
-              <a:t>2/2/2021</a:t>
+              <a:t>2/3/2021</a:t>
             </a:fld>
             <a:endParaRPr lang="en-US"/>
           </a:p>
@@ -1311,7 +1311,7 @@
           <a:p>
             <a:fld id="{4EFE0C47-5195-423C-B069-C8C888086328}" type="datetimeFigureOut">
               <a:rPr lang="en-US" smtClean="0"/>
-              <a:t>2/2/2021</a:t>
+              <a:t>2/3/2021</a:t>
             </a:fld>
             <a:endParaRPr lang="en-US"/>
           </a:p>
@@ -1586,7 +1586,7 @@
           <a:p>
             <a:fld id="{4EFE0C47-5195-423C-B069-C8C888086328}" type="datetimeFigureOut">
               <a:rPr lang="en-US" smtClean="0"/>
-              <a:t>2/2/2021</a:t>
+              <a:t>2/3/2021</a:t>
             </a:fld>
             <a:endParaRPr lang="en-US"/>
           </a:p>
@@ -1851,7 +1851,7 @@
           <a:p>
             <a:fld id="{4EFE0C47-5195-423C-B069-C8C888086328}" type="datetimeFigureOut">
               <a:rPr lang="en-US" smtClean="0"/>
-              <a:t>2/2/2021</a:t>
+              <a:t>2/3/2021</a:t>
             </a:fld>
             <a:endParaRPr lang="en-US"/>
           </a:p>
@@ -2263,7 +2263,7 @@
           <a:p>
             <a:fld id="{4EFE0C47-5195-423C-B069-C8C888086328}" type="datetimeFigureOut">
               <a:rPr lang="en-US" smtClean="0"/>
-              <a:t>2/2/2021</a:t>
+              <a:t>2/3/2021</a:t>
             </a:fld>
             <a:endParaRPr lang="en-US"/>
           </a:p>
@@ -2404,7 +2404,7 @@
           <a:p>
             <a:fld id="{4EFE0C47-5195-423C-B069-C8C888086328}" type="datetimeFigureOut">
               <a:rPr lang="en-US" smtClean="0"/>
-              <a:t>2/2/2021</a:t>
+              <a:t>2/3/2021</a:t>
             </a:fld>
             <a:endParaRPr lang="en-US"/>
           </a:p>
@@ -2517,7 +2517,7 @@
           <a:p>
             <a:fld id="{4EFE0C47-5195-423C-B069-C8C888086328}" type="datetimeFigureOut">
               <a:rPr lang="en-US" smtClean="0"/>
-              <a:t>2/2/2021</a:t>
+              <a:t>2/3/2021</a:t>
             </a:fld>
             <a:endParaRPr lang="en-US"/>
           </a:p>
@@ -2828,7 +2828,7 @@
           <a:p>
             <a:fld id="{4EFE0C47-5195-423C-B069-C8C888086328}" type="datetimeFigureOut">
               <a:rPr lang="en-US" smtClean="0"/>
-              <a:t>2/2/2021</a:t>
+              <a:t>2/3/2021</a:t>
             </a:fld>
             <a:endParaRPr lang="en-US"/>
           </a:p>
@@ -3059,7 +3059,7 @@
           <a:p>
             <a:fld id="{48A87A34-81AB-432B-8DAE-1953F412C126}" type="datetimeFigureOut">
               <a:rPr lang="en-US" smtClean="0"/>
-              <a:t>2/2/2021</a:t>
+              <a:t>2/3/2021</a:t>
             </a:fld>
             <a:endParaRPr lang="en-US" dirty="0"/>
           </a:p>
@@ -3340,7 +3340,7 @@
           <a:p>
             <a:fld id="{4EFE0C47-5195-423C-B069-C8C888086328}" type="datetimeFigureOut">
               <a:rPr lang="en-US" smtClean="0"/>
-              <a:t>2/2/2021</a:t>
+              <a:t>2/3/2021</a:t>
             </a:fld>
             <a:endParaRPr lang="en-US"/>
           </a:p>
@@ -3538,7 +3538,7 @@
           <a:p>
             <a:fld id="{4EFE0C47-5195-423C-B069-C8C888086328}" type="datetimeFigureOut">
               <a:rPr lang="en-US" smtClean="0"/>
-              <a:t>2/2/2021</a:t>
+              <a:t>2/3/2021</a:t>
             </a:fld>
             <a:endParaRPr lang="en-US"/>
           </a:p>
@@ -3746,7 +3746,7 @@
           <a:p>
             <a:fld id="{4EFE0C47-5195-423C-B069-C8C888086328}" type="datetimeFigureOut">
               <a:rPr lang="en-US" smtClean="0"/>
-              <a:t>2/2/2021</a:t>
+              <a:t>2/3/2021</a:t>
             </a:fld>
             <a:endParaRPr lang="en-US"/>
           </a:p>
@@ -4061,7 +4061,7 @@
             <a:fld id="{48A87A34-81AB-432B-8DAE-1953F412C126}" type="datetimeFigureOut">
               <a:rPr lang="en-US" smtClean="0"/>
               <a:pPr/>
-              <a:t>2/2/2021</a:t>
+              <a:t>2/3/2021</a:t>
             </a:fld>
             <a:endParaRPr lang="en-US" dirty="0"/>
           </a:p>
@@ -4363,7 +4363,7 @@
           <a:p>
             <a:fld id="{48A87A34-81AB-432B-8DAE-1953F412C126}" type="datetimeFigureOut">
               <a:rPr lang="en-US" smtClean="0"/>
-              <a:t>2/2/2021</a:t>
+              <a:t>2/3/2021</a:t>
             </a:fld>
             <a:endParaRPr lang="en-US" dirty="0"/>
           </a:p>
@@ -4790,7 +4790,7 @@
           <a:p>
             <a:fld id="{48A87A34-81AB-432B-8DAE-1953F412C126}" type="datetimeFigureOut">
               <a:rPr lang="en-US" smtClean="0"/>
-              <a:t>2/2/2021</a:t>
+              <a:t>2/3/2021</a:t>
             </a:fld>
             <a:endParaRPr lang="en-US" dirty="0"/>
           </a:p>
@@ -4957,7 +4957,7 @@
           <a:p>
             <a:fld id="{48A87A34-81AB-432B-8DAE-1953F412C126}" type="datetimeFigureOut">
               <a:rPr lang="en-US" smtClean="0"/>
-              <a:t>2/2/2021</a:t>
+              <a:t>2/3/2021</a:t>
             </a:fld>
             <a:endParaRPr lang="en-US" dirty="0"/>
           </a:p>
@@ -5052,7 +5052,7 @@
           <a:p>
             <a:fld id="{48A87A34-81AB-432B-8DAE-1953F412C126}" type="datetimeFigureOut">
               <a:rPr lang="en-US" smtClean="0"/>
-              <a:t>2/2/2021</a:t>
+              <a:t>2/3/2021</a:t>
             </a:fld>
             <a:endParaRPr lang="en-US" dirty="0"/>
           </a:p>
@@ -5430,7 +5430,7 @@
           <a:p>
             <a:fld id="{48A87A34-81AB-432B-8DAE-1953F412C126}" type="datetimeFigureOut">
               <a:rPr lang="en-US" smtClean="0"/>
-              <a:t>2/2/2021</a:t>
+              <a:t>2/3/2021</a:t>
             </a:fld>
             <a:endParaRPr lang="en-US" dirty="0"/>
           </a:p>
@@ -5724,7 +5724,7 @@
           <a:p>
             <a:fld id="{48A87A34-81AB-432B-8DAE-1953F412C126}" type="datetimeFigureOut">
               <a:rPr lang="en-US" smtClean="0"/>
-              <a:t>2/2/2021</a:t>
+              <a:t>2/3/2021</a:t>
             </a:fld>
             <a:endParaRPr lang="en-US" dirty="0"/>
           </a:p>
@@ -5936,7 +5936,7 @@
             <a:fld id="{48A87A34-81AB-432B-8DAE-1953F412C126}" type="datetimeFigureOut">
               <a:rPr lang="en-US" smtClean="0"/>
               <a:pPr/>
-              <a:t>2/2/2021</a:t>
+              <a:t>2/3/2021</a:t>
             </a:fld>
             <a:endParaRPr lang="en-US" dirty="0"/>
           </a:p>
@@ -6694,7 +6694,7 @@
           <a:p>
             <a:fld id="{4EFE0C47-5195-423C-B069-C8C888086328}" type="datetimeFigureOut">
               <a:rPr lang="en-US" smtClean="0"/>
-              <a:t>2/2/2021</a:t>
+              <a:t>2/3/2021</a:t>
             </a:fld>
             <a:endParaRPr lang="en-US"/>
           </a:p>
@@ -9370,8 +9370,8 @@
           </a:p>
         </p:txBody>
       </p:sp>
-      <mc:AlternateContent xmlns:mc="http://schemas.openxmlformats.org/markup-compatibility/2006">
-        <mc:Choice xmlns:a14="http://schemas.microsoft.com/office/drawing/2010/main" Requires="a14">
+      <mc:AlternateContent xmlns:mc="http://schemas.openxmlformats.org/markup-compatibility/2006" xmlns:a14="http://schemas.microsoft.com/office/drawing/2010/main">
+        <mc:Choice Requires="a14">
           <p:sp>
             <p:nvSpPr>
               <p:cNvPr id="3" name="Content Placeholder 2">
@@ -10151,7 +10151,7 @@
             </p:txBody>
           </p:sp>
         </mc:Choice>
-        <mc:Fallback>
+        <mc:Fallback xmlns="">
           <p:sp>
             <p:nvSpPr>
               <p:cNvPr id="3" name="Content Placeholder 2">
@@ -10651,8 +10651,8 @@
           </a:prstGeom>
         </p:spPr>
       </p:pic>
-      <mc:AlternateContent xmlns:mc="http://schemas.openxmlformats.org/markup-compatibility/2006">
-        <mc:Choice xmlns:a14="http://schemas.microsoft.com/office/drawing/2010/main" Requires="a14">
+      <mc:AlternateContent xmlns:mc="http://schemas.openxmlformats.org/markup-compatibility/2006" xmlns:a14="http://schemas.microsoft.com/office/drawing/2010/main">
+        <mc:Choice Requires="a14">
           <p:sp>
             <p:nvSpPr>
               <p:cNvPr id="7" name="TextBox 6">
@@ -10948,7 +10948,7 @@
             </p:txBody>
           </p:sp>
         </mc:Choice>
-        <mc:Fallback>
+        <mc:Fallback xmlns="">
           <p:sp>
             <p:nvSpPr>
               <p:cNvPr id="7" name="TextBox 6">
